--- a/4110E102 PIgame.pptx
+++ b/4110E102 PIgame.pptx
@@ -11,8 +11,17 @@
     <p:sldId id="261" r:id="rId5"/>
     <p:sldId id="258" r:id="rId6"/>
     <p:sldId id="259" r:id="rId7"/>
-    <p:sldId id="262" r:id="rId8"/>
-    <p:sldId id="263" r:id="rId9"/>
+    <p:sldId id="264" r:id="rId8"/>
+    <p:sldId id="265" r:id="rId9"/>
+    <p:sldId id="266" r:id="rId10"/>
+    <p:sldId id="267" r:id="rId11"/>
+    <p:sldId id="268" r:id="rId12"/>
+    <p:sldId id="269" r:id="rId13"/>
+    <p:sldId id="262" r:id="rId14"/>
+    <p:sldId id="263" r:id="rId15"/>
+    <p:sldId id="270" r:id="rId16"/>
+    <p:sldId id="272" r:id="rId17"/>
+    <p:sldId id="273" r:id="rId18"/>
   </p:sldIdLst>
   <p:sldSz cx="12192000" cy="6858000"/>
   <p:notesSz cx="6858000" cy="9144000"/>
@@ -111,6 +120,11 @@
       </a:defRPr>
     </a:lvl9pPr>
   </p:defaultTextStyle>
+  <p:extLst>
+    <p:ext uri="{EFAFB233-063F-42B5-8137-9DF3F51BA10A}">
+      <p15:sldGuideLst xmlns:p15="http://schemas.microsoft.com/office/powerpoint/2012/main"/>
+    </p:ext>
+  </p:extLst>
 </p:presentation>
 </file>
 
@@ -253,7 +267,7 @@
           <a:p>
             <a:fld id="{48A87A34-81AB-432B-8DAE-1953F412C126}" type="datetimeFigureOut">
               <a:rPr lang="en-US" dirty="0"/>
-              <a:t>5/29/2024</a:t>
+              <a:t>6/12/2024</a:t>
             </a:fld>
             <a:endParaRPr lang="en-US" dirty="0"/>
           </a:p>
@@ -459,7 +473,7 @@
           <a:p>
             <a:fld id="{48A87A34-81AB-432B-8DAE-1953F412C126}" type="datetimeFigureOut">
               <a:rPr lang="en-US" dirty="0"/>
-              <a:t>5/29/2024</a:t>
+              <a:t>6/12/2024</a:t>
             </a:fld>
             <a:endParaRPr lang="en-US" dirty="0"/>
           </a:p>
@@ -669,7 +683,7 @@
           <a:p>
             <a:fld id="{48A87A34-81AB-432B-8DAE-1953F412C126}" type="datetimeFigureOut">
               <a:rPr lang="en-US" dirty="0"/>
-              <a:t>5/29/2024</a:t>
+              <a:t>6/12/2024</a:t>
             </a:fld>
             <a:endParaRPr lang="en-US" dirty="0"/>
           </a:p>
@@ -865,7 +879,7 @@
           <a:p>
             <a:fld id="{48A87A34-81AB-432B-8DAE-1953F412C126}" type="datetimeFigureOut">
               <a:rPr lang="en-US" dirty="0"/>
-              <a:t>5/29/2024</a:t>
+              <a:t>6/12/2024</a:t>
             </a:fld>
             <a:endParaRPr lang="en-US" dirty="0"/>
           </a:p>
@@ -1139,7 +1153,7 @@
           <a:p>
             <a:fld id="{48A87A34-81AB-432B-8DAE-1953F412C126}" type="datetimeFigureOut">
               <a:rPr lang="en-US" dirty="0"/>
-              <a:t>5/29/2024</a:t>
+              <a:t>6/12/2024</a:t>
             </a:fld>
             <a:endParaRPr lang="en-US" dirty="0"/>
           </a:p>
@@ -1402,7 +1416,7 @@
           <a:p>
             <a:fld id="{48A87A34-81AB-432B-8DAE-1953F412C126}" type="datetimeFigureOut">
               <a:rPr lang="en-US" dirty="0"/>
-              <a:t>5/29/2024</a:t>
+              <a:t>6/12/2024</a:t>
             </a:fld>
             <a:endParaRPr lang="en-US" dirty="0"/>
           </a:p>
@@ -1813,7 +1827,7 @@
           <a:p>
             <a:fld id="{48A87A34-81AB-432B-8DAE-1953F412C126}" type="datetimeFigureOut">
               <a:rPr lang="en-US" dirty="0"/>
-              <a:t>5/29/2024</a:t>
+              <a:t>6/12/2024</a:t>
             </a:fld>
             <a:endParaRPr lang="en-US" dirty="0"/>
           </a:p>
@@ -1957,7 +1971,7 @@
           <a:p>
             <a:fld id="{48A87A34-81AB-432B-8DAE-1953F412C126}" type="datetimeFigureOut">
               <a:rPr lang="en-US" dirty="0"/>
-              <a:t>5/29/2024</a:t>
+              <a:t>6/12/2024</a:t>
             </a:fld>
             <a:endParaRPr lang="en-US" dirty="0"/>
           </a:p>
@@ -2078,7 +2092,7 @@
           <a:p>
             <a:fld id="{48A87A34-81AB-432B-8DAE-1953F412C126}" type="datetimeFigureOut">
               <a:rPr lang="en-US" dirty="0"/>
-              <a:t>5/29/2024</a:t>
+              <a:t>6/12/2024</a:t>
             </a:fld>
             <a:endParaRPr lang="en-US" dirty="0"/>
           </a:p>
@@ -2324,7 +2338,7 @@
           <a:p>
             <a:fld id="{48A87A34-81AB-432B-8DAE-1953F412C126}" type="datetimeFigureOut">
               <a:rPr lang="en-US" dirty="0"/>
-              <a:t>5/29/2024</a:t>
+              <a:t>6/12/2024</a:t>
             </a:fld>
             <a:endParaRPr lang="en-US" dirty="0"/>
           </a:p>
@@ -2765,7 +2779,7 @@
             <a:fld id="{48A87A34-81AB-432B-8DAE-1953F412C126}" type="datetimeFigureOut">
               <a:rPr lang="en-US" dirty="0"/>
               <a:pPr/>
-              <a:t>5/29/2024</a:t>
+              <a:t>6/12/2024</a:t>
             </a:fld>
             <a:endParaRPr lang="en-US" dirty="0"/>
           </a:p>
@@ -3087,7 +3101,7 @@
             <a:fld id="{48A87A34-81AB-432B-8DAE-1953F412C126}" type="datetimeFigureOut">
               <a:rPr lang="en-US" dirty="0"/>
               <a:pPr/>
-              <a:t>5/29/2024</a:t>
+              <a:t>6/12/2024</a:t>
             </a:fld>
             <a:endParaRPr lang="en-US" dirty="0"/>
           </a:p>
@@ -3660,6 +3674,5041 @@
 </p:sld>
 </file>
 
+<file path=ppt/slides/slide10.xml><?xml version="1.0" encoding="utf-8"?>
+<p:sld xmlns:a="http://schemas.openxmlformats.org/drawingml/2006/main" xmlns:r="http://schemas.openxmlformats.org/officeDocument/2006/relationships" xmlns:p="http://schemas.openxmlformats.org/presentationml/2006/main">
+  <p:cSld>
+    <p:spTree>
+      <p:nvGrpSpPr>
+        <p:cNvPr id="1" name=""/>
+        <p:cNvGrpSpPr/>
+        <p:nvPr/>
+      </p:nvGrpSpPr>
+      <p:grpSpPr>
+        <a:xfrm>
+          <a:off x="0" y="0"/>
+          <a:ext cx="0" cy="0"/>
+          <a:chOff x="0" y="0"/>
+          <a:chExt cx="0" cy="0"/>
+        </a:xfrm>
+      </p:grpSpPr>
+      <p:sp>
+        <p:nvSpPr>
+          <p:cNvPr id="2" name="標題 1"/>
+          <p:cNvSpPr>
+            <a:spLocks noGrp="1"/>
+          </p:cNvSpPr>
+          <p:nvPr>
+            <p:ph type="title"/>
+          </p:nvPr>
+        </p:nvSpPr>
+        <p:spPr/>
+        <p:txBody>
+          <a:bodyPr/>
+          <a:lstStyle/>
+          <a:p>
+            <a:r>
+              <a:rPr lang="zh-TW" altLang="en-US" dirty="0"/>
+              <a:t>遊戲開始</a:t>
+            </a:r>
+            <a:r>
+              <a:rPr lang="en-US" altLang="zh-TW" dirty="0"/>
+              <a:t/>
+            </a:r>
+            <a:br>
+              <a:rPr lang="en-US" altLang="zh-TW" dirty="0"/>
+            </a:br>
+            <a:endParaRPr lang="zh-TW" altLang="en-US" dirty="0"/>
+          </a:p>
+        </p:txBody>
+      </p:sp>
+      <p:sp>
+        <p:nvSpPr>
+          <p:cNvPr id="3" name="內容版面配置區 2"/>
+          <p:cNvSpPr>
+            <a:spLocks noGrp="1"/>
+          </p:cNvSpPr>
+          <p:nvPr>
+            <p:ph idx="1"/>
+          </p:nvPr>
+        </p:nvSpPr>
+        <p:spPr/>
+        <p:txBody>
+          <a:bodyPr/>
+          <a:lstStyle/>
+          <a:p>
+            <a:pPr marL="742950" lvl="1" indent="-285750">
+              <a:buFont typeface="+mj-lt"/>
+              <a:buAutoNum type="arabicPeriod"/>
+            </a:pPr>
+            <a:r>
+              <a:rPr lang="zh-TW" altLang="en-US" dirty="0"/>
+              <a:t>啟動程式後，顯示遊戲開始畫面。</a:t>
+            </a:r>
+          </a:p>
+          <a:p>
+            <a:pPr marL="742950" lvl="1" indent="-285750">
+              <a:buFont typeface="+mj-lt"/>
+              <a:buAutoNum type="arabicPeriod"/>
+            </a:pPr>
+            <a:r>
+              <a:rPr lang="zh-TW" altLang="en-US" dirty="0"/>
+              <a:t>等待使用者觸摸觸控感測器以開始遊戲。</a:t>
+            </a:r>
+          </a:p>
+          <a:p>
+            <a:endParaRPr lang="zh-TW" altLang="en-US" dirty="0"/>
+          </a:p>
+        </p:txBody>
+      </p:sp>
+    </p:spTree>
+    <p:extLst>
+      <p:ext uri="{BB962C8B-B14F-4D97-AF65-F5344CB8AC3E}">
+        <p14:creationId xmlns:p14="http://schemas.microsoft.com/office/powerpoint/2010/main" val="1572111926"/>
+      </p:ext>
+    </p:extLst>
+  </p:cSld>
+  <p:clrMapOvr>
+    <a:masterClrMapping/>
+  </p:clrMapOvr>
+</p:sld>
+</file>
+
+<file path=ppt/slides/slide11.xml><?xml version="1.0" encoding="utf-8"?>
+<p:sld xmlns:a="http://schemas.openxmlformats.org/drawingml/2006/main" xmlns:r="http://schemas.openxmlformats.org/officeDocument/2006/relationships" xmlns:p="http://schemas.openxmlformats.org/presentationml/2006/main">
+  <p:cSld>
+    <p:spTree>
+      <p:nvGrpSpPr>
+        <p:cNvPr id="1" name=""/>
+        <p:cNvGrpSpPr/>
+        <p:nvPr/>
+      </p:nvGrpSpPr>
+      <p:grpSpPr>
+        <a:xfrm>
+          <a:off x="0" y="0"/>
+          <a:ext cx="0" cy="0"/>
+          <a:chOff x="0" y="0"/>
+          <a:chExt cx="0" cy="0"/>
+        </a:xfrm>
+      </p:grpSpPr>
+      <p:sp>
+        <p:nvSpPr>
+          <p:cNvPr id="2" name="標題 1"/>
+          <p:cNvSpPr>
+            <a:spLocks noGrp="1"/>
+          </p:cNvSpPr>
+          <p:nvPr>
+            <p:ph type="title"/>
+          </p:nvPr>
+        </p:nvSpPr>
+        <p:spPr/>
+        <p:txBody>
+          <a:bodyPr/>
+          <a:lstStyle/>
+          <a:p>
+            <a:r>
+              <a:rPr lang="zh-TW" altLang="en-US" dirty="0"/>
+              <a:t>遊戲進行</a:t>
+            </a:r>
+            <a:r>
+              <a:rPr lang="en-US" altLang="zh-TW" dirty="0"/>
+              <a:t/>
+            </a:r>
+            <a:br>
+              <a:rPr lang="en-US" altLang="zh-TW" dirty="0"/>
+            </a:br>
+            <a:endParaRPr lang="zh-TW" altLang="en-US" dirty="0"/>
+          </a:p>
+        </p:txBody>
+      </p:sp>
+      <p:sp>
+        <p:nvSpPr>
+          <p:cNvPr id="3" name="內容版面配置區 2"/>
+          <p:cNvSpPr>
+            <a:spLocks noGrp="1"/>
+          </p:cNvSpPr>
+          <p:nvPr>
+            <p:ph idx="1"/>
+          </p:nvPr>
+        </p:nvSpPr>
+        <p:spPr/>
+        <p:txBody>
+          <a:bodyPr/>
+          <a:lstStyle/>
+          <a:p>
+            <a:pPr marL="742950" lvl="1" indent="-285750">
+              <a:buFont typeface="+mj-lt"/>
+              <a:buAutoNum type="arabicPeriod"/>
+            </a:pPr>
+            <a:r>
+              <a:rPr lang="zh-TW" altLang="en-US" dirty="0"/>
+              <a:t>每個循環中，檢查觸控感測器是否被觸摸。如果是，則讓恐龍跳躍。</a:t>
+            </a:r>
+          </a:p>
+          <a:p>
+            <a:pPr marL="742950" lvl="1" indent="-285750">
+              <a:buFont typeface="+mj-lt"/>
+              <a:buAutoNum type="arabicPeriod"/>
+            </a:pPr>
+            <a:r>
+              <a:rPr lang="zh-TW" altLang="en-US" dirty="0"/>
+              <a:t>使用心率感測器讀取使用者的心率數據。心率越快，遊戲速度越快，難度越高。</a:t>
+            </a:r>
+          </a:p>
+          <a:p>
+            <a:pPr marL="742950" lvl="1" indent="-285750">
+              <a:buFont typeface="+mj-lt"/>
+              <a:buAutoNum type="arabicPeriod"/>
+            </a:pPr>
+            <a:r>
+              <a:rPr lang="zh-TW" altLang="en-US" dirty="0"/>
+              <a:t>更新遊戲畫面，包括恐龍位置和障礙物位置。</a:t>
+            </a:r>
+          </a:p>
+          <a:p>
+            <a:pPr marL="742950" lvl="1" indent="-285750">
+              <a:buFont typeface="+mj-lt"/>
+              <a:buAutoNum type="arabicPeriod"/>
+            </a:pPr>
+            <a:r>
+              <a:rPr lang="zh-TW" altLang="en-US" dirty="0"/>
+              <a:t>檢查是否發生碰撞。如果恐龍碰到障礙物，則遊戲結束。</a:t>
+            </a:r>
+          </a:p>
+          <a:p>
+            <a:endParaRPr lang="zh-TW" altLang="en-US" dirty="0"/>
+          </a:p>
+        </p:txBody>
+      </p:sp>
+    </p:spTree>
+    <p:extLst>
+      <p:ext uri="{BB962C8B-B14F-4D97-AF65-F5344CB8AC3E}">
+        <p14:creationId xmlns:p14="http://schemas.microsoft.com/office/powerpoint/2010/main" val="793730103"/>
+      </p:ext>
+    </p:extLst>
+  </p:cSld>
+  <p:clrMapOvr>
+    <a:masterClrMapping/>
+  </p:clrMapOvr>
+</p:sld>
+</file>
+
+<file path=ppt/slides/slide12.xml><?xml version="1.0" encoding="utf-8"?>
+<p:sld xmlns:a="http://schemas.openxmlformats.org/drawingml/2006/main" xmlns:r="http://schemas.openxmlformats.org/officeDocument/2006/relationships" xmlns:p="http://schemas.openxmlformats.org/presentationml/2006/main">
+  <p:cSld>
+    <p:spTree>
+      <p:nvGrpSpPr>
+        <p:cNvPr id="1" name=""/>
+        <p:cNvGrpSpPr/>
+        <p:nvPr/>
+      </p:nvGrpSpPr>
+      <p:grpSpPr>
+        <a:xfrm>
+          <a:off x="0" y="0"/>
+          <a:ext cx="0" cy="0"/>
+          <a:chOff x="0" y="0"/>
+          <a:chExt cx="0" cy="0"/>
+        </a:xfrm>
+      </p:grpSpPr>
+      <p:sp>
+        <p:nvSpPr>
+          <p:cNvPr id="2" name="標題 1"/>
+          <p:cNvSpPr>
+            <a:spLocks noGrp="1"/>
+          </p:cNvSpPr>
+          <p:nvPr>
+            <p:ph type="title"/>
+          </p:nvPr>
+        </p:nvSpPr>
+        <p:spPr/>
+        <p:txBody>
+          <a:bodyPr/>
+          <a:lstStyle/>
+          <a:p>
+            <a:r>
+              <a:rPr lang="zh-TW" altLang="en-US" dirty="0"/>
+              <a:t>遊戲結束</a:t>
+            </a:r>
+            <a:br>
+              <a:rPr lang="zh-TW" altLang="en-US" dirty="0"/>
+            </a:br>
+            <a:endParaRPr lang="zh-TW" altLang="en-US" dirty="0"/>
+          </a:p>
+        </p:txBody>
+      </p:sp>
+      <p:sp>
+        <p:nvSpPr>
+          <p:cNvPr id="3" name="內容版面配置區 2"/>
+          <p:cNvSpPr>
+            <a:spLocks noGrp="1"/>
+          </p:cNvSpPr>
+          <p:nvPr>
+            <p:ph idx="1"/>
+          </p:nvPr>
+        </p:nvSpPr>
+        <p:spPr/>
+        <p:txBody>
+          <a:bodyPr/>
+          <a:lstStyle/>
+          <a:p>
+            <a:pPr marL="742950" lvl="1" indent="-285750">
+              <a:buFont typeface="+mj-lt"/>
+              <a:buAutoNum type="arabicPeriod"/>
+            </a:pPr>
+            <a:r>
+              <a:rPr lang="zh-TW" altLang="en-US" dirty="0"/>
+              <a:t>顯示遊戲結束畫面，包括分數和選項重新開始遊戲。</a:t>
+            </a:r>
+          </a:p>
+          <a:p>
+            <a:pPr marL="742950" lvl="1" indent="-285750">
+              <a:buFont typeface="+mj-lt"/>
+              <a:buAutoNum type="arabicPeriod"/>
+            </a:pPr>
+            <a:r>
+              <a:rPr lang="zh-TW" altLang="en-US" dirty="0"/>
+              <a:t>等待使用者的指示，可以選擇重新開始遊戲或結束程式。</a:t>
+            </a:r>
+          </a:p>
+          <a:p>
+            <a:endParaRPr lang="zh-TW" altLang="en-US" dirty="0"/>
+          </a:p>
+        </p:txBody>
+      </p:sp>
+    </p:spTree>
+    <p:extLst>
+      <p:ext uri="{BB962C8B-B14F-4D97-AF65-F5344CB8AC3E}">
+        <p14:creationId xmlns:p14="http://schemas.microsoft.com/office/powerpoint/2010/main" val="2584603013"/>
+      </p:ext>
+    </p:extLst>
+  </p:cSld>
+  <p:clrMapOvr>
+    <a:masterClrMapping/>
+  </p:clrMapOvr>
+</p:sld>
+</file>
+
+<file path=ppt/slides/slide13.xml><?xml version="1.0" encoding="utf-8"?>
+<p:sld xmlns:a="http://schemas.openxmlformats.org/drawingml/2006/main" xmlns:r="http://schemas.openxmlformats.org/officeDocument/2006/relationships" xmlns:p="http://schemas.openxmlformats.org/presentationml/2006/main">
+  <p:cSld>
+    <p:spTree>
+      <p:nvGrpSpPr>
+        <p:cNvPr id="1" name=""/>
+        <p:cNvGrpSpPr/>
+        <p:nvPr/>
+      </p:nvGrpSpPr>
+      <p:grpSpPr>
+        <a:xfrm>
+          <a:off x="0" y="0"/>
+          <a:ext cx="0" cy="0"/>
+          <a:chOff x="0" y="0"/>
+          <a:chExt cx="0" cy="0"/>
+        </a:xfrm>
+      </p:grpSpPr>
+      <p:sp>
+        <p:nvSpPr>
+          <p:cNvPr id="2" name="標題 1"/>
+          <p:cNvSpPr>
+            <a:spLocks noGrp="1"/>
+          </p:cNvSpPr>
+          <p:nvPr>
+            <p:ph type="title"/>
+          </p:nvPr>
+        </p:nvSpPr>
+        <p:spPr/>
+        <p:txBody>
+          <a:bodyPr/>
+          <a:lstStyle/>
+          <a:p>
+            <a:r>
+              <a:rPr lang="zh-TW" altLang="en-US" dirty="0"/>
+              <a:t>連接觸控感測器（</a:t>
+            </a:r>
+            <a:r>
+              <a:rPr lang="en-US" altLang="zh-TW" dirty="0"/>
+              <a:t>TTP223B</a:t>
+            </a:r>
+            <a:r>
+              <a:rPr lang="zh-TW" altLang="en-US" dirty="0"/>
+              <a:t>） </a:t>
+            </a:r>
+            <a:r>
+              <a:rPr lang="zh-TW" altLang="en-US" b="1" dirty="0" smtClean="0"/>
+              <a:t>：</a:t>
+            </a:r>
+            <a:r>
+              <a:rPr lang="zh-TW" altLang="en-US" dirty="0"/>
+              <a:t/>
+            </a:r>
+            <a:br>
+              <a:rPr lang="zh-TW" altLang="en-US" dirty="0"/>
+            </a:br>
+            <a:endParaRPr lang="zh-TW" altLang="en-US" dirty="0"/>
+          </a:p>
+        </p:txBody>
+      </p:sp>
+      <p:sp>
+        <p:nvSpPr>
+          <p:cNvPr id="5" name="Rectangle 2"/>
+          <p:cNvSpPr>
+            <a:spLocks noGrp="1" noChangeArrowheads="1"/>
+          </p:cNvSpPr>
+          <p:nvPr>
+            <p:ph idx="1"/>
+          </p:nvPr>
+        </p:nvSpPr>
+        <p:spPr bwMode="auto">
+          <a:xfrm>
+            <a:off x="1451579" y="1853754"/>
+            <a:ext cx="9230880" cy="2031325"/>
+          </a:xfrm>
+          <a:prstGeom prst="rect">
+            <a:avLst/>
+          </a:prstGeom>
+          <a:noFill/>
+          <a:ln>
+            <a:noFill/>
+          </a:ln>
+          <a:effectLst/>
+          <a:extLst>
+            <a:ext uri="{909E8E84-426E-40DD-AFC4-6F175D3DCCD1}">
+              <a14:hiddenFill xmlns:a14="http://schemas.microsoft.com/office/drawing/2010/main">
+                <a:solidFill>
+                  <a:schemeClr val="accent1"/>
+                </a:solidFill>
+              </a14:hiddenFill>
+            </a:ext>
+            <a:ext uri="{91240B29-F687-4F45-9708-019B960494DF}">
+              <a14:hiddenLine xmlns:a14="http://schemas.microsoft.com/office/drawing/2010/main" w="9525">
+                <a:solidFill>
+                  <a:schemeClr val="tx1"/>
+                </a:solidFill>
+                <a:miter lim="800000"/>
+                <a:headEnd/>
+                <a:tailEnd/>
+              </a14:hiddenLine>
+            </a:ext>
+            <a:ext uri="{AF507438-7753-43E0-B8FC-AC1667EBCBE1}">
+              <a14:hiddenEffects xmlns:a14="http://schemas.microsoft.com/office/drawing/2010/main">
+                <a:effectLst>
+                  <a:outerShdw dist="35921" dir="2700000" algn="ctr" rotWithShape="0">
+                    <a:schemeClr val="bg2"/>
+                  </a:outerShdw>
+                </a:effectLst>
+              </a14:hiddenEffects>
+            </a:ext>
+          </a:extLst>
+        </p:spPr>
+        <p:txBody>
+          <a:bodyPr vert="horz" wrap="square" lIns="91440" tIns="45720" rIns="91440" bIns="45720" numCol="1" anchor="ctr" anchorCtr="0" compatLnSpc="1">
+            <a:prstTxWarp prst="textNoShape">
+              <a:avLst/>
+            </a:prstTxWarp>
+            <a:spAutoFit/>
+          </a:bodyPr>
+          <a:lstStyle/>
+          <a:p>
+            <a:pPr marL="0" marR="0" lvl="0" indent="0" algn="l" defTabSz="914400" rtl="0" eaLnBrk="0" fontAlgn="base" latinLnBrk="0" hangingPunct="0">
+              <a:lnSpc>
+                <a:spcPct val="100000"/>
+              </a:lnSpc>
+              <a:spcBef>
+                <a:spcPct val="0"/>
+              </a:spcBef>
+              <a:spcAft>
+                <a:spcPct val="0"/>
+              </a:spcAft>
+              <a:buClrTx/>
+              <a:buSzTx/>
+              <a:buFontTx/>
+              <a:buNone/>
+              <a:tabLst/>
+            </a:pPr>
+            <a:endParaRPr kumimoji="0" lang="zh-TW" altLang="zh-TW" sz="1800" b="0" i="0" u="none" strike="noStrike" cap="none" normalizeH="0" baseline="0" dirty="0" smtClean="0">
+              <a:ln>
+                <a:noFill/>
+              </a:ln>
+              <a:solidFill>
+                <a:schemeClr val="tx1"/>
+              </a:solidFill>
+              <a:effectLst/>
+              <a:latin typeface="Arial" panose="020B0604020202020204" pitchFamily="34" charset="0"/>
+            </a:endParaRPr>
+          </a:p>
+          <a:p>
+            <a:pPr marL="0" marR="0" lvl="0" indent="0" algn="l" defTabSz="914400" rtl="0" eaLnBrk="0" fontAlgn="base" latinLnBrk="0" hangingPunct="0">
+              <a:lnSpc>
+                <a:spcPct val="100000"/>
+              </a:lnSpc>
+              <a:spcBef>
+                <a:spcPct val="0"/>
+              </a:spcBef>
+              <a:spcAft>
+                <a:spcPct val="0"/>
+              </a:spcAft>
+              <a:buClrTx/>
+              <a:buSzTx/>
+              <a:buFontTx/>
+              <a:buChar char="•"/>
+              <a:tabLst/>
+            </a:pPr>
+            <a:r>
+              <a:rPr kumimoji="0" lang="zh-TW" altLang="zh-TW" sz="1800" b="0" i="0" u="none" strike="noStrike" cap="none" normalizeH="0" baseline="0" dirty="0" smtClean="0">
+                <a:ln>
+                  <a:noFill/>
+                </a:ln>
+                <a:solidFill>
+                  <a:schemeClr val="tx1"/>
+                </a:solidFill>
+                <a:effectLst/>
+                <a:latin typeface="Arial" panose="020B0604020202020204" pitchFamily="34" charset="0"/>
+              </a:rPr>
+              <a:t>將TTP223B模組的VCC引腳連接到樹莓派的3.3V引腳。</a:t>
+            </a:r>
+            <a:endParaRPr kumimoji="0" lang="en-US" altLang="zh-TW" sz="1800" b="0" i="0" u="none" strike="noStrike" cap="none" normalizeH="0" baseline="0" dirty="0" smtClean="0">
+              <a:ln>
+                <a:noFill/>
+              </a:ln>
+              <a:solidFill>
+                <a:schemeClr val="tx1"/>
+              </a:solidFill>
+              <a:effectLst/>
+              <a:latin typeface="Arial" panose="020B0604020202020204" pitchFamily="34" charset="0"/>
+            </a:endParaRPr>
+          </a:p>
+          <a:p>
+            <a:pPr marL="0" marR="0" lvl="0" indent="0" algn="l" defTabSz="914400" rtl="0" eaLnBrk="0" fontAlgn="base" latinLnBrk="0" hangingPunct="0">
+              <a:lnSpc>
+                <a:spcPct val="100000"/>
+              </a:lnSpc>
+              <a:spcBef>
+                <a:spcPct val="0"/>
+              </a:spcBef>
+              <a:spcAft>
+                <a:spcPct val="0"/>
+              </a:spcAft>
+              <a:buClrTx/>
+              <a:buSzTx/>
+              <a:buFontTx/>
+              <a:buChar char="•"/>
+              <a:tabLst/>
+            </a:pPr>
+            <a:endParaRPr kumimoji="0" lang="zh-TW" altLang="zh-TW" sz="1800" b="0" i="0" u="none" strike="noStrike" cap="none" normalizeH="0" baseline="0" dirty="0" smtClean="0">
+              <a:ln>
+                <a:noFill/>
+              </a:ln>
+              <a:solidFill>
+                <a:schemeClr val="tx1"/>
+              </a:solidFill>
+              <a:effectLst/>
+              <a:latin typeface="Arial" panose="020B0604020202020204" pitchFamily="34" charset="0"/>
+            </a:endParaRPr>
+          </a:p>
+          <a:p>
+            <a:pPr marL="0" marR="0" lvl="0" indent="0" algn="l" defTabSz="914400" rtl="0" eaLnBrk="0" fontAlgn="base" latinLnBrk="0" hangingPunct="0">
+              <a:lnSpc>
+                <a:spcPct val="100000"/>
+              </a:lnSpc>
+              <a:spcBef>
+                <a:spcPct val="0"/>
+              </a:spcBef>
+              <a:spcAft>
+                <a:spcPct val="0"/>
+              </a:spcAft>
+              <a:buClrTx/>
+              <a:buSzTx/>
+              <a:buFontTx/>
+              <a:buChar char="•"/>
+              <a:tabLst/>
+            </a:pPr>
+            <a:r>
+              <a:rPr kumimoji="0" lang="zh-TW" altLang="zh-TW" sz="1800" b="0" i="0" u="none" strike="noStrike" cap="none" normalizeH="0" baseline="0" dirty="0" smtClean="0">
+                <a:ln>
+                  <a:noFill/>
+                </a:ln>
+                <a:solidFill>
+                  <a:schemeClr val="tx1"/>
+                </a:solidFill>
+                <a:effectLst/>
+                <a:latin typeface="Arial" panose="020B0604020202020204" pitchFamily="34" charset="0"/>
+              </a:rPr>
+              <a:t>將TTP223B模組的OUT引腳連接到樹莓派的任何一個GPIO腳位（例如GPIO17）。</a:t>
+            </a:r>
+            <a:endParaRPr kumimoji="0" lang="en-US" altLang="zh-TW" sz="1800" b="0" i="0" u="none" strike="noStrike" cap="none" normalizeH="0" baseline="0" dirty="0" smtClean="0">
+              <a:ln>
+                <a:noFill/>
+              </a:ln>
+              <a:solidFill>
+                <a:schemeClr val="tx1"/>
+              </a:solidFill>
+              <a:effectLst/>
+              <a:latin typeface="Arial" panose="020B0604020202020204" pitchFamily="34" charset="0"/>
+            </a:endParaRPr>
+          </a:p>
+          <a:p>
+            <a:pPr marL="0" marR="0" lvl="0" indent="0" algn="l" defTabSz="914400" rtl="0" eaLnBrk="0" fontAlgn="base" latinLnBrk="0" hangingPunct="0">
+              <a:lnSpc>
+                <a:spcPct val="100000"/>
+              </a:lnSpc>
+              <a:spcBef>
+                <a:spcPct val="0"/>
+              </a:spcBef>
+              <a:spcAft>
+                <a:spcPct val="0"/>
+              </a:spcAft>
+              <a:buClrTx/>
+              <a:buSzTx/>
+              <a:buFontTx/>
+              <a:buChar char="•"/>
+              <a:tabLst/>
+            </a:pPr>
+            <a:endParaRPr kumimoji="0" lang="zh-TW" altLang="zh-TW" sz="1800" b="0" i="0" u="none" strike="noStrike" cap="none" normalizeH="0" baseline="0" dirty="0" smtClean="0">
+              <a:ln>
+                <a:noFill/>
+              </a:ln>
+              <a:solidFill>
+                <a:schemeClr val="tx1"/>
+              </a:solidFill>
+              <a:effectLst/>
+              <a:latin typeface="Arial" panose="020B0604020202020204" pitchFamily="34" charset="0"/>
+            </a:endParaRPr>
+          </a:p>
+          <a:p>
+            <a:pPr marL="0" marR="0" lvl="0" indent="0" algn="l" defTabSz="914400" rtl="0" eaLnBrk="0" fontAlgn="base" latinLnBrk="0" hangingPunct="0">
+              <a:lnSpc>
+                <a:spcPct val="100000"/>
+              </a:lnSpc>
+              <a:spcBef>
+                <a:spcPct val="0"/>
+              </a:spcBef>
+              <a:spcAft>
+                <a:spcPct val="0"/>
+              </a:spcAft>
+              <a:buClrTx/>
+              <a:buSzTx/>
+              <a:buFontTx/>
+              <a:buChar char="•"/>
+              <a:tabLst/>
+            </a:pPr>
+            <a:r>
+              <a:rPr kumimoji="0" lang="zh-TW" altLang="zh-TW" sz="1800" b="0" i="0" u="none" strike="noStrike" cap="none" normalizeH="0" baseline="0" dirty="0" smtClean="0">
+                <a:ln>
+                  <a:noFill/>
+                </a:ln>
+                <a:solidFill>
+                  <a:schemeClr val="tx1"/>
+                </a:solidFill>
+                <a:effectLst/>
+                <a:latin typeface="Arial" panose="020B0604020202020204" pitchFamily="34" charset="0"/>
+              </a:rPr>
+              <a:t>將TTP223B模組的GND引腳連接到樹莓派的GND引腳。 </a:t>
+            </a:r>
+            <a:endParaRPr kumimoji="0" lang="en-US" altLang="zh-TW" sz="1800" b="0" i="0" u="none" strike="noStrike" cap="none" normalizeH="0" baseline="0" dirty="0" smtClean="0">
+              <a:ln>
+                <a:noFill/>
+              </a:ln>
+              <a:solidFill>
+                <a:schemeClr val="tx1"/>
+              </a:solidFill>
+              <a:effectLst/>
+              <a:latin typeface="Arial" panose="020B0604020202020204" pitchFamily="34" charset="0"/>
+            </a:endParaRPr>
+          </a:p>
+          <a:p>
+            <a:pPr marL="0" marR="0" lvl="0" indent="0" algn="l" defTabSz="914400" rtl="0" eaLnBrk="0" fontAlgn="base" latinLnBrk="0" hangingPunct="0">
+              <a:lnSpc>
+                <a:spcPct val="100000"/>
+              </a:lnSpc>
+              <a:spcBef>
+                <a:spcPct val="0"/>
+              </a:spcBef>
+              <a:spcAft>
+                <a:spcPct val="0"/>
+              </a:spcAft>
+              <a:buClrTx/>
+              <a:buSzTx/>
+              <a:buFontTx/>
+              <a:buChar char="•"/>
+              <a:tabLst/>
+            </a:pPr>
+            <a:endParaRPr kumimoji="0" lang="zh-TW" altLang="zh-TW" sz="1800" b="0" i="0" u="none" strike="noStrike" cap="none" normalizeH="0" baseline="0" dirty="0" smtClean="0">
+              <a:ln>
+                <a:noFill/>
+              </a:ln>
+              <a:solidFill>
+                <a:schemeClr val="tx1"/>
+              </a:solidFill>
+              <a:effectLst/>
+              <a:latin typeface="Arial" panose="020B0604020202020204" pitchFamily="34" charset="0"/>
+            </a:endParaRPr>
+          </a:p>
+        </p:txBody>
+      </p:sp>
+    </p:spTree>
+    <p:extLst>
+      <p:ext uri="{BB962C8B-B14F-4D97-AF65-F5344CB8AC3E}">
+        <p14:creationId xmlns:p14="http://schemas.microsoft.com/office/powerpoint/2010/main" val="3425162811"/>
+      </p:ext>
+    </p:extLst>
+  </p:cSld>
+  <p:clrMapOvr>
+    <a:masterClrMapping/>
+  </p:clrMapOvr>
+</p:sld>
+</file>
+
+<file path=ppt/slides/slide14.xml><?xml version="1.0" encoding="utf-8"?>
+<p:sld xmlns:a="http://schemas.openxmlformats.org/drawingml/2006/main" xmlns:r="http://schemas.openxmlformats.org/officeDocument/2006/relationships" xmlns:p="http://schemas.openxmlformats.org/presentationml/2006/main">
+  <p:cSld>
+    <p:spTree>
+      <p:nvGrpSpPr>
+        <p:cNvPr id="1" name=""/>
+        <p:cNvGrpSpPr/>
+        <p:nvPr/>
+      </p:nvGrpSpPr>
+      <p:grpSpPr>
+        <a:xfrm>
+          <a:off x="0" y="0"/>
+          <a:ext cx="0" cy="0"/>
+          <a:chOff x="0" y="0"/>
+          <a:chExt cx="0" cy="0"/>
+        </a:xfrm>
+      </p:grpSpPr>
+      <p:sp>
+        <p:nvSpPr>
+          <p:cNvPr id="2" name="標題 1"/>
+          <p:cNvSpPr>
+            <a:spLocks noGrp="1"/>
+          </p:cNvSpPr>
+          <p:nvPr>
+            <p:ph type="title"/>
+          </p:nvPr>
+        </p:nvSpPr>
+        <p:spPr/>
+        <p:txBody>
+          <a:bodyPr/>
+          <a:lstStyle/>
+          <a:p>
+            <a:r>
+              <a:rPr lang="zh-TW" altLang="en-US" dirty="0"/>
+              <a:t>連接心率感測器（</a:t>
+            </a:r>
+            <a:r>
+              <a:rPr lang="en-US" altLang="zh-TW" dirty="0"/>
+              <a:t>MAX30102</a:t>
+            </a:r>
+            <a:r>
+              <a:rPr lang="zh-TW" altLang="en-US" dirty="0"/>
+              <a:t>） </a:t>
+            </a:r>
+            <a:r>
+              <a:rPr lang="zh-TW" altLang="en-US" b="1" dirty="0" smtClean="0"/>
+              <a:t>：</a:t>
+            </a:r>
+            <a:r>
+              <a:rPr lang="zh-TW" altLang="en-US" dirty="0"/>
+              <a:t/>
+            </a:r>
+            <a:br>
+              <a:rPr lang="zh-TW" altLang="en-US" dirty="0"/>
+            </a:br>
+            <a:endParaRPr lang="zh-TW" altLang="en-US" dirty="0"/>
+          </a:p>
+        </p:txBody>
+      </p:sp>
+      <p:sp>
+        <p:nvSpPr>
+          <p:cNvPr id="5" name="Rectangle 1"/>
+          <p:cNvSpPr>
+            <a:spLocks noGrp="1" noChangeArrowheads="1"/>
+          </p:cNvSpPr>
+          <p:nvPr>
+            <p:ph idx="1"/>
+          </p:nvPr>
+        </p:nvSpPr>
+        <p:spPr bwMode="auto">
+          <a:xfrm>
+            <a:off x="1451579" y="1853754"/>
+            <a:ext cx="7228261" cy="2308324"/>
+          </a:xfrm>
+          <a:prstGeom prst="rect">
+            <a:avLst/>
+          </a:prstGeom>
+          <a:noFill/>
+          <a:ln>
+            <a:noFill/>
+          </a:ln>
+          <a:effectLst/>
+          <a:extLst>
+            <a:ext uri="{909E8E84-426E-40DD-AFC4-6F175D3DCCD1}">
+              <a14:hiddenFill xmlns:a14="http://schemas.microsoft.com/office/drawing/2010/main">
+                <a:solidFill>
+                  <a:schemeClr val="accent1"/>
+                </a:solidFill>
+              </a14:hiddenFill>
+            </a:ext>
+            <a:ext uri="{91240B29-F687-4F45-9708-019B960494DF}">
+              <a14:hiddenLine xmlns:a14="http://schemas.microsoft.com/office/drawing/2010/main" w="9525">
+                <a:solidFill>
+                  <a:schemeClr val="tx1"/>
+                </a:solidFill>
+                <a:miter lim="800000"/>
+                <a:headEnd/>
+                <a:tailEnd/>
+              </a14:hiddenLine>
+            </a:ext>
+            <a:ext uri="{AF507438-7753-43E0-B8FC-AC1667EBCBE1}">
+              <a14:hiddenEffects xmlns:a14="http://schemas.microsoft.com/office/drawing/2010/main">
+                <a:effectLst>
+                  <a:outerShdw dist="35921" dir="2700000" algn="ctr" rotWithShape="0">
+                    <a:schemeClr val="bg2"/>
+                  </a:outerShdw>
+                </a:effectLst>
+              </a14:hiddenEffects>
+            </a:ext>
+          </a:extLst>
+        </p:spPr>
+        <p:txBody>
+          <a:bodyPr vert="horz" wrap="none" lIns="91440" tIns="45720" rIns="91440" bIns="45720" numCol="1" anchor="ctr" anchorCtr="0" compatLnSpc="1">
+            <a:prstTxWarp prst="textNoShape">
+              <a:avLst/>
+            </a:prstTxWarp>
+            <a:spAutoFit/>
+          </a:bodyPr>
+          <a:lstStyle/>
+          <a:p>
+            <a:pPr marL="0" marR="0" lvl="0" indent="0" algn="l" defTabSz="914400" rtl="0" eaLnBrk="0" fontAlgn="base" latinLnBrk="0" hangingPunct="0">
+              <a:lnSpc>
+                <a:spcPct val="100000"/>
+              </a:lnSpc>
+              <a:spcBef>
+                <a:spcPct val="0"/>
+              </a:spcBef>
+              <a:spcAft>
+                <a:spcPct val="0"/>
+              </a:spcAft>
+              <a:buClrTx/>
+              <a:buSzTx/>
+              <a:buFontTx/>
+              <a:buNone/>
+              <a:tabLst/>
+            </a:pPr>
+            <a:endParaRPr kumimoji="0" lang="zh-TW" altLang="zh-TW" sz="1800" b="0" i="0" u="none" strike="noStrike" cap="none" normalizeH="0" baseline="0" dirty="0" smtClean="0">
+              <a:ln>
+                <a:noFill/>
+              </a:ln>
+              <a:solidFill>
+                <a:schemeClr val="tx1"/>
+              </a:solidFill>
+              <a:effectLst/>
+              <a:latin typeface="Arial" panose="020B0604020202020204" pitchFamily="34" charset="0"/>
+            </a:endParaRPr>
+          </a:p>
+          <a:p>
+            <a:pPr marL="0" marR="0" lvl="0" indent="0" algn="l" defTabSz="914400" rtl="0" eaLnBrk="0" fontAlgn="base" latinLnBrk="0" hangingPunct="0">
+              <a:lnSpc>
+                <a:spcPct val="100000"/>
+              </a:lnSpc>
+              <a:spcBef>
+                <a:spcPct val="0"/>
+              </a:spcBef>
+              <a:spcAft>
+                <a:spcPct val="0"/>
+              </a:spcAft>
+              <a:buClrTx/>
+              <a:buSzTx/>
+              <a:buFontTx/>
+              <a:buChar char="•"/>
+              <a:tabLst/>
+            </a:pPr>
+            <a:r>
+              <a:rPr kumimoji="0" lang="zh-TW" altLang="zh-TW" sz="1800" b="0" i="0" u="none" strike="noStrike" cap="none" normalizeH="0" baseline="0" dirty="0" smtClean="0">
+                <a:ln>
+                  <a:noFill/>
+                </a:ln>
+                <a:solidFill>
+                  <a:schemeClr val="tx1"/>
+                </a:solidFill>
+                <a:effectLst/>
+                <a:latin typeface="Arial" panose="020B0604020202020204" pitchFamily="34" charset="0"/>
+              </a:rPr>
+              <a:t>將MAX30102模組的VCC引腳連接到樹莓派的3.3V引腳。</a:t>
+            </a:r>
+            <a:endParaRPr kumimoji="0" lang="en-US" altLang="zh-TW" sz="1800" b="0" i="0" u="none" strike="noStrike" cap="none" normalizeH="0" baseline="0" dirty="0" smtClean="0">
+              <a:ln>
+                <a:noFill/>
+              </a:ln>
+              <a:solidFill>
+                <a:schemeClr val="tx1"/>
+              </a:solidFill>
+              <a:effectLst/>
+              <a:latin typeface="Arial" panose="020B0604020202020204" pitchFamily="34" charset="0"/>
+            </a:endParaRPr>
+          </a:p>
+          <a:p>
+            <a:pPr marL="0" marR="0" lvl="0" indent="0" algn="l" defTabSz="914400" rtl="0" eaLnBrk="0" fontAlgn="base" latinLnBrk="0" hangingPunct="0">
+              <a:lnSpc>
+                <a:spcPct val="100000"/>
+              </a:lnSpc>
+              <a:spcBef>
+                <a:spcPct val="0"/>
+              </a:spcBef>
+              <a:spcAft>
+                <a:spcPct val="0"/>
+              </a:spcAft>
+              <a:buClrTx/>
+              <a:buSzTx/>
+              <a:buFontTx/>
+              <a:buChar char="•"/>
+              <a:tabLst/>
+            </a:pPr>
+            <a:endParaRPr kumimoji="0" lang="zh-TW" altLang="zh-TW" sz="1800" b="0" i="0" u="none" strike="noStrike" cap="none" normalizeH="0" baseline="0" dirty="0" smtClean="0">
+              <a:ln>
+                <a:noFill/>
+              </a:ln>
+              <a:solidFill>
+                <a:schemeClr val="tx1"/>
+              </a:solidFill>
+              <a:effectLst/>
+              <a:latin typeface="Arial" panose="020B0604020202020204" pitchFamily="34" charset="0"/>
+            </a:endParaRPr>
+          </a:p>
+          <a:p>
+            <a:pPr marL="0" marR="0" lvl="0" indent="0" algn="l" defTabSz="914400" rtl="0" eaLnBrk="0" fontAlgn="base" latinLnBrk="0" hangingPunct="0">
+              <a:lnSpc>
+                <a:spcPct val="100000"/>
+              </a:lnSpc>
+              <a:spcBef>
+                <a:spcPct val="0"/>
+              </a:spcBef>
+              <a:spcAft>
+                <a:spcPct val="0"/>
+              </a:spcAft>
+              <a:buClrTx/>
+              <a:buSzTx/>
+              <a:buFontTx/>
+              <a:buChar char="•"/>
+              <a:tabLst/>
+            </a:pPr>
+            <a:r>
+              <a:rPr kumimoji="0" lang="zh-TW" altLang="zh-TW" sz="1800" b="0" i="0" u="none" strike="noStrike" cap="none" normalizeH="0" baseline="0" dirty="0" smtClean="0">
+                <a:ln>
+                  <a:noFill/>
+                </a:ln>
+                <a:solidFill>
+                  <a:schemeClr val="tx1"/>
+                </a:solidFill>
+                <a:effectLst/>
+                <a:latin typeface="Arial" panose="020B0604020202020204" pitchFamily="34" charset="0"/>
+              </a:rPr>
+              <a:t>將MAX30102模組的GND引腳連接到樹莓派的GND引腳。</a:t>
+            </a:r>
+            <a:endParaRPr kumimoji="0" lang="en-US" altLang="zh-TW" sz="1800" b="0" i="0" u="none" strike="noStrike" cap="none" normalizeH="0" baseline="0" dirty="0" smtClean="0">
+              <a:ln>
+                <a:noFill/>
+              </a:ln>
+              <a:solidFill>
+                <a:schemeClr val="tx1"/>
+              </a:solidFill>
+              <a:effectLst/>
+              <a:latin typeface="Arial" panose="020B0604020202020204" pitchFamily="34" charset="0"/>
+            </a:endParaRPr>
+          </a:p>
+          <a:p>
+            <a:pPr marL="0" marR="0" lvl="0" indent="0" algn="l" defTabSz="914400" rtl="0" eaLnBrk="0" fontAlgn="base" latinLnBrk="0" hangingPunct="0">
+              <a:lnSpc>
+                <a:spcPct val="100000"/>
+              </a:lnSpc>
+              <a:spcBef>
+                <a:spcPct val="0"/>
+              </a:spcBef>
+              <a:spcAft>
+                <a:spcPct val="0"/>
+              </a:spcAft>
+              <a:buClrTx/>
+              <a:buSzTx/>
+              <a:buFontTx/>
+              <a:buChar char="•"/>
+              <a:tabLst/>
+            </a:pPr>
+            <a:endParaRPr kumimoji="0" lang="zh-TW" altLang="zh-TW" sz="1800" b="0" i="0" u="none" strike="noStrike" cap="none" normalizeH="0" baseline="0" dirty="0" smtClean="0">
+              <a:ln>
+                <a:noFill/>
+              </a:ln>
+              <a:solidFill>
+                <a:schemeClr val="tx1"/>
+              </a:solidFill>
+              <a:effectLst/>
+              <a:latin typeface="Arial" panose="020B0604020202020204" pitchFamily="34" charset="0"/>
+            </a:endParaRPr>
+          </a:p>
+          <a:p>
+            <a:pPr marL="0" marR="0" lvl="0" indent="0" algn="l" defTabSz="914400" rtl="0" eaLnBrk="0" fontAlgn="base" latinLnBrk="0" hangingPunct="0">
+              <a:lnSpc>
+                <a:spcPct val="100000"/>
+              </a:lnSpc>
+              <a:spcBef>
+                <a:spcPct val="0"/>
+              </a:spcBef>
+              <a:spcAft>
+                <a:spcPct val="0"/>
+              </a:spcAft>
+              <a:buClrTx/>
+              <a:buSzTx/>
+              <a:buFontTx/>
+              <a:buChar char="•"/>
+              <a:tabLst/>
+            </a:pPr>
+            <a:r>
+              <a:rPr kumimoji="0" lang="zh-TW" altLang="zh-TW" sz="1800" b="0" i="0" u="none" strike="noStrike" cap="none" normalizeH="0" baseline="0" dirty="0" smtClean="0">
+                <a:ln>
+                  <a:noFill/>
+                </a:ln>
+                <a:solidFill>
+                  <a:schemeClr val="tx1"/>
+                </a:solidFill>
+                <a:effectLst/>
+                <a:latin typeface="Arial" panose="020B0604020202020204" pitchFamily="34" charset="0"/>
+              </a:rPr>
+              <a:t>將MAX30102模組的SDA引腳連接到樹莓派的SDA引腳（GPIO2）。</a:t>
+            </a:r>
+            <a:endParaRPr kumimoji="0" lang="en-US" altLang="zh-TW" sz="1800" b="0" i="0" u="none" strike="noStrike" cap="none" normalizeH="0" baseline="0" dirty="0" smtClean="0">
+              <a:ln>
+                <a:noFill/>
+              </a:ln>
+              <a:solidFill>
+                <a:schemeClr val="tx1"/>
+              </a:solidFill>
+              <a:effectLst/>
+              <a:latin typeface="Arial" panose="020B0604020202020204" pitchFamily="34" charset="0"/>
+            </a:endParaRPr>
+          </a:p>
+          <a:p>
+            <a:pPr marL="0" marR="0" lvl="0" indent="0" algn="l" defTabSz="914400" rtl="0" eaLnBrk="0" fontAlgn="base" latinLnBrk="0" hangingPunct="0">
+              <a:lnSpc>
+                <a:spcPct val="100000"/>
+              </a:lnSpc>
+              <a:spcBef>
+                <a:spcPct val="0"/>
+              </a:spcBef>
+              <a:spcAft>
+                <a:spcPct val="0"/>
+              </a:spcAft>
+              <a:buClrTx/>
+              <a:buSzTx/>
+              <a:buFontTx/>
+              <a:buChar char="•"/>
+              <a:tabLst/>
+            </a:pPr>
+            <a:endParaRPr kumimoji="0" lang="zh-TW" altLang="zh-TW" sz="1800" b="0" i="0" u="none" strike="noStrike" cap="none" normalizeH="0" baseline="0" dirty="0" smtClean="0">
+              <a:ln>
+                <a:noFill/>
+              </a:ln>
+              <a:solidFill>
+                <a:schemeClr val="tx1"/>
+              </a:solidFill>
+              <a:effectLst/>
+              <a:latin typeface="Arial" panose="020B0604020202020204" pitchFamily="34" charset="0"/>
+            </a:endParaRPr>
+          </a:p>
+          <a:p>
+            <a:pPr marL="0" marR="0" lvl="0" indent="0" algn="l" defTabSz="914400" rtl="0" eaLnBrk="0" fontAlgn="base" latinLnBrk="0" hangingPunct="0">
+              <a:lnSpc>
+                <a:spcPct val="100000"/>
+              </a:lnSpc>
+              <a:spcBef>
+                <a:spcPct val="0"/>
+              </a:spcBef>
+              <a:spcAft>
+                <a:spcPct val="0"/>
+              </a:spcAft>
+              <a:buClrTx/>
+              <a:buSzTx/>
+              <a:buFontTx/>
+              <a:buChar char="•"/>
+              <a:tabLst/>
+            </a:pPr>
+            <a:r>
+              <a:rPr kumimoji="0" lang="zh-TW" altLang="zh-TW" sz="1800" b="0" i="0" u="none" strike="noStrike" cap="none" normalizeH="0" baseline="0" dirty="0" smtClean="0">
+                <a:ln>
+                  <a:noFill/>
+                </a:ln>
+                <a:solidFill>
+                  <a:schemeClr val="tx1"/>
+                </a:solidFill>
+                <a:effectLst/>
+                <a:latin typeface="Arial" panose="020B0604020202020204" pitchFamily="34" charset="0"/>
+              </a:rPr>
+              <a:t>將MAX30102模組的SCL引腳連接到樹莓派的SCL引腳（GPIO3）。 </a:t>
+            </a:r>
+          </a:p>
+        </p:txBody>
+      </p:sp>
+    </p:spTree>
+    <p:extLst>
+      <p:ext uri="{BB962C8B-B14F-4D97-AF65-F5344CB8AC3E}">
+        <p14:creationId xmlns:p14="http://schemas.microsoft.com/office/powerpoint/2010/main" val="1118489855"/>
+      </p:ext>
+    </p:extLst>
+  </p:cSld>
+  <p:clrMapOvr>
+    <a:masterClrMapping/>
+  </p:clrMapOvr>
+</p:sld>
+</file>
+
+<file path=ppt/slides/slide15.xml><?xml version="1.0" encoding="utf-8"?>
+<p:sld xmlns:a="http://schemas.openxmlformats.org/drawingml/2006/main" xmlns:r="http://schemas.openxmlformats.org/officeDocument/2006/relationships" xmlns:p="http://schemas.openxmlformats.org/presentationml/2006/main">
+  <p:cSld>
+    <p:spTree>
+      <p:nvGrpSpPr>
+        <p:cNvPr id="1" name=""/>
+        <p:cNvGrpSpPr/>
+        <p:nvPr/>
+      </p:nvGrpSpPr>
+      <p:grpSpPr>
+        <a:xfrm>
+          <a:off x="0" y="0"/>
+          <a:ext cx="0" cy="0"/>
+          <a:chOff x="0" y="0"/>
+          <a:chExt cx="0" cy="0"/>
+        </a:xfrm>
+      </p:grpSpPr>
+      <p:sp>
+        <p:nvSpPr>
+          <p:cNvPr id="2" name="標題 1"/>
+          <p:cNvSpPr>
+            <a:spLocks noGrp="1"/>
+          </p:cNvSpPr>
+          <p:nvPr>
+            <p:ph type="title"/>
+          </p:nvPr>
+        </p:nvSpPr>
+        <p:spPr>
+          <a:xfrm rot="5400000">
+            <a:off x="311231" y="-298130"/>
+            <a:ext cx="1325487" cy="1921748"/>
+          </a:xfrm>
+        </p:spPr>
+        <p:txBody>
+          <a:bodyPr vert="vert270"/>
+          <a:lstStyle/>
+          <a:p>
+            <a:r>
+              <a:rPr lang="zh-TW" altLang="en-US" dirty="0" smtClean="0"/>
+              <a:t>程式碼</a:t>
+            </a:r>
+            <a:r>
+              <a:rPr lang="en-US" altLang="zh-TW" dirty="0" smtClean="0"/>
+              <a:t>:</a:t>
+            </a:r>
+            <a:endParaRPr lang="zh-TW" altLang="en-US" dirty="0"/>
+          </a:p>
+        </p:txBody>
+      </p:sp>
+      <p:sp>
+        <p:nvSpPr>
+          <p:cNvPr id="3" name="內容版面配置區 2"/>
+          <p:cNvSpPr>
+            <a:spLocks noGrp="1"/>
+          </p:cNvSpPr>
+          <p:nvPr>
+            <p:ph idx="1"/>
+          </p:nvPr>
+        </p:nvSpPr>
+        <p:spPr>
+          <a:xfrm>
+            <a:off x="13100" y="499108"/>
+            <a:ext cx="2144684" cy="4208395"/>
+          </a:xfrm>
+        </p:spPr>
+        <p:txBody>
+          <a:bodyPr vert="horz">
+            <a:noAutofit/>
+          </a:bodyPr>
+          <a:lstStyle/>
+          <a:p>
+            <a:pPr marL="0" indent="0">
+              <a:buNone/>
+            </a:pPr>
+            <a:r>
+              <a:rPr lang="en-US" altLang="zh-TW" sz="1200" dirty="0"/>
+              <a:t>import </a:t>
+            </a:r>
+            <a:r>
+              <a:rPr lang="en-US" altLang="zh-TW" sz="1200" dirty="0" err="1"/>
+              <a:t>RPi.GPIO</a:t>
+            </a:r>
+            <a:r>
+              <a:rPr lang="en-US" altLang="zh-TW" sz="1200" dirty="0"/>
+              <a:t> as GPIO</a:t>
+            </a:r>
+          </a:p>
+          <a:p>
+            <a:pPr marL="0" indent="0">
+              <a:buNone/>
+            </a:pPr>
+            <a:r>
+              <a:rPr lang="en-US" altLang="zh-TW" sz="1200" dirty="0"/>
+              <a:t>import time</a:t>
+            </a:r>
+          </a:p>
+          <a:p>
+            <a:pPr marL="0" indent="0">
+              <a:buNone/>
+            </a:pPr>
+            <a:r>
+              <a:rPr lang="en-US" altLang="zh-TW" sz="1200" dirty="0"/>
+              <a:t>import random</a:t>
+            </a:r>
+          </a:p>
+          <a:p>
+            <a:pPr marL="0" indent="0">
+              <a:buNone/>
+            </a:pPr>
+            <a:endParaRPr lang="en-US" altLang="zh-TW" sz="1200" dirty="0"/>
+          </a:p>
+          <a:p>
+            <a:pPr marL="0" indent="0">
+              <a:buNone/>
+            </a:pPr>
+            <a:r>
+              <a:rPr lang="en-US" altLang="zh-TW" sz="1200" dirty="0"/>
+              <a:t># </a:t>
+            </a:r>
+            <a:r>
+              <a:rPr lang="zh-TW" altLang="en-US" sz="1200" dirty="0"/>
+              <a:t>設置</a:t>
+            </a:r>
+            <a:r>
+              <a:rPr lang="en-US" altLang="zh-TW" sz="1200" dirty="0"/>
+              <a:t>GPIO</a:t>
+            </a:r>
+            <a:r>
+              <a:rPr lang="zh-TW" altLang="en-US" sz="1200" dirty="0"/>
+              <a:t>模式</a:t>
+            </a:r>
+          </a:p>
+          <a:p>
+            <a:pPr marL="0" indent="0">
+              <a:buNone/>
+            </a:pPr>
+            <a:r>
+              <a:rPr lang="en-US" altLang="zh-TW" sz="1200" dirty="0" err="1"/>
+              <a:t>GPIO.setmode</a:t>
+            </a:r>
+            <a:r>
+              <a:rPr lang="en-US" altLang="zh-TW" sz="1200" dirty="0"/>
+              <a:t>(GPIO.BCM)</a:t>
+            </a:r>
+          </a:p>
+          <a:p>
+            <a:pPr marL="0" indent="0">
+              <a:buNone/>
+            </a:pPr>
+            <a:endParaRPr lang="en-US" altLang="zh-TW" sz="1200" dirty="0"/>
+          </a:p>
+          <a:p>
+            <a:pPr marL="0" indent="0">
+              <a:buNone/>
+            </a:pPr>
+            <a:r>
+              <a:rPr lang="en-US" altLang="zh-TW" sz="1200" dirty="0"/>
+              <a:t># </a:t>
+            </a:r>
+            <a:r>
+              <a:rPr lang="zh-TW" altLang="en-US" sz="1200" dirty="0"/>
+              <a:t>定義觸控感測器的引腳</a:t>
+            </a:r>
+          </a:p>
+          <a:p>
+            <a:pPr marL="0" indent="0">
+              <a:buNone/>
+            </a:pPr>
+            <a:r>
+              <a:rPr lang="en-US" altLang="zh-TW" sz="1200" dirty="0"/>
+              <a:t>TOUCH_PIN = 17</a:t>
+            </a:r>
+          </a:p>
+          <a:p>
+            <a:pPr marL="0" indent="0">
+              <a:buNone/>
+            </a:pPr>
+            <a:endParaRPr lang="en-US" altLang="zh-TW" sz="1200" dirty="0"/>
+          </a:p>
+          <a:p>
+            <a:pPr marL="0" indent="0">
+              <a:buNone/>
+            </a:pPr>
+            <a:r>
+              <a:rPr lang="en-US" altLang="zh-TW" sz="1200" dirty="0"/>
+              <a:t># </a:t>
+            </a:r>
+            <a:r>
+              <a:rPr lang="zh-TW" altLang="en-US" sz="1200" dirty="0"/>
+              <a:t>設置觸控感測器的引腳為輸入模式</a:t>
+            </a:r>
+          </a:p>
+          <a:p>
+            <a:pPr marL="0" indent="0">
+              <a:buNone/>
+            </a:pPr>
+            <a:r>
+              <a:rPr lang="en-US" altLang="zh-TW" sz="1200" dirty="0" err="1"/>
+              <a:t>GPIO.setup</a:t>
+            </a:r>
+            <a:r>
+              <a:rPr lang="en-US" altLang="zh-TW" sz="1200" dirty="0"/>
+              <a:t>(TOUCH_PIN, GPIO.IN)</a:t>
+            </a:r>
+          </a:p>
+          <a:p>
+            <a:pPr marL="0" indent="0">
+              <a:buNone/>
+            </a:pPr>
+            <a:endParaRPr lang="en-US" altLang="zh-TW" sz="1200" dirty="0"/>
+          </a:p>
+          <a:p>
+            <a:pPr marL="0" indent="0">
+              <a:buNone/>
+            </a:pPr>
+            <a:r>
+              <a:rPr lang="en-US" altLang="zh-TW" sz="1200" dirty="0"/>
+              <a:t># </a:t>
+            </a:r>
+            <a:r>
+              <a:rPr lang="zh-TW" altLang="en-US" sz="1200" dirty="0"/>
+              <a:t>設置心率感測器的虛擬數據，這裡使用隨機</a:t>
+            </a:r>
+            <a:r>
+              <a:rPr lang="zh-TW" altLang="en-US" sz="1200" dirty="0" smtClean="0"/>
+              <a:t>數</a:t>
+            </a:r>
+            <a:endParaRPr lang="zh-TW" altLang="en-US" sz="1200" dirty="0"/>
+          </a:p>
+        </p:txBody>
+      </p:sp>
+      <p:sp>
+        <p:nvSpPr>
+          <p:cNvPr id="7" name="矩形 6"/>
+          <p:cNvSpPr/>
+          <p:nvPr/>
+        </p:nvSpPr>
+        <p:spPr>
+          <a:xfrm>
+            <a:off x="6791498" y="68606"/>
+            <a:ext cx="3560618" cy="430502"/>
+          </a:xfrm>
+          <a:prstGeom prst="rect">
+            <a:avLst/>
+          </a:prstGeom>
+        </p:spPr>
+        <p:txBody>
+          <a:bodyPr wrap="square">
+            <a:spAutoFit/>
+          </a:bodyPr>
+          <a:lstStyle/>
+          <a:p>
+            <a:pPr lvl="0" defTabSz="914400">
+              <a:lnSpc>
+                <a:spcPct val="120000"/>
+              </a:lnSpc>
+              <a:spcBef>
+                <a:spcPts val="1000"/>
+              </a:spcBef>
+              <a:buClr>
+                <a:srgbClr val="B71E42"/>
+              </a:buClr>
+              <a:buSzPct val="100000"/>
+            </a:pPr>
+            <a:r>
+              <a:rPr lang="en-US" altLang="zh-TW" sz="2000" dirty="0">
+                <a:solidFill>
+                  <a:prstClr val="black"/>
+                </a:solidFill>
+              </a:rPr>
+              <a:t> </a:t>
+            </a:r>
+            <a:endParaRPr lang="en-US" altLang="zh-TW" sz="1200" dirty="0">
+              <a:solidFill>
+                <a:prstClr val="black"/>
+              </a:solidFill>
+            </a:endParaRPr>
+          </a:p>
+        </p:txBody>
+      </p:sp>
+      <p:sp>
+        <p:nvSpPr>
+          <p:cNvPr id="10" name="矩形 9"/>
+          <p:cNvSpPr/>
+          <p:nvPr/>
+        </p:nvSpPr>
+        <p:spPr>
+          <a:xfrm>
+            <a:off x="1934849" y="499108"/>
+            <a:ext cx="2441295" cy="5211683"/>
+          </a:xfrm>
+          <a:prstGeom prst="rect">
+            <a:avLst/>
+          </a:prstGeom>
+        </p:spPr>
+        <p:txBody>
+          <a:bodyPr wrap="square">
+            <a:spAutoFit/>
+          </a:bodyPr>
+          <a:lstStyle/>
+          <a:p>
+            <a:pPr lvl="0" defTabSz="914400">
+              <a:lnSpc>
+                <a:spcPct val="120000"/>
+              </a:lnSpc>
+              <a:spcBef>
+                <a:spcPts val="1000"/>
+              </a:spcBef>
+              <a:buClr>
+                <a:srgbClr val="B71E42"/>
+              </a:buClr>
+              <a:buSzPct val="100000"/>
+            </a:pPr>
+            <a:r>
+              <a:rPr lang="en-US" altLang="zh-TW" sz="1200" dirty="0" err="1">
+                <a:solidFill>
+                  <a:prstClr val="black"/>
+                </a:solidFill>
+              </a:rPr>
+              <a:t>def</a:t>
+            </a:r>
+            <a:r>
+              <a:rPr lang="en-US" altLang="zh-TW" sz="1200" dirty="0">
+                <a:solidFill>
+                  <a:prstClr val="black"/>
+                </a:solidFill>
+              </a:rPr>
+              <a:t> </a:t>
+            </a:r>
+            <a:r>
+              <a:rPr lang="en-US" altLang="zh-TW" sz="1200" dirty="0" err="1">
+                <a:solidFill>
+                  <a:prstClr val="black"/>
+                </a:solidFill>
+              </a:rPr>
+              <a:t>get_heart_rate</a:t>
+            </a:r>
+            <a:r>
+              <a:rPr lang="en-US" altLang="zh-TW" sz="1200" dirty="0">
+                <a:solidFill>
+                  <a:prstClr val="black"/>
+                </a:solidFill>
+              </a:rPr>
+              <a:t>():</a:t>
+            </a:r>
+          </a:p>
+          <a:p>
+            <a:pPr lvl="0" defTabSz="914400">
+              <a:lnSpc>
+                <a:spcPct val="120000"/>
+              </a:lnSpc>
+              <a:spcBef>
+                <a:spcPts val="1000"/>
+              </a:spcBef>
+              <a:buClr>
+                <a:srgbClr val="B71E42"/>
+              </a:buClr>
+              <a:buSzPct val="100000"/>
+            </a:pPr>
+            <a:r>
+              <a:rPr lang="en-US" altLang="zh-TW" sz="1200" dirty="0">
+                <a:solidFill>
+                  <a:prstClr val="black"/>
+                </a:solidFill>
+              </a:rPr>
+              <a:t>    return </a:t>
+            </a:r>
+            <a:r>
+              <a:rPr lang="en-US" altLang="zh-TW" sz="1200" dirty="0" err="1">
+                <a:solidFill>
+                  <a:prstClr val="black"/>
+                </a:solidFill>
+              </a:rPr>
+              <a:t>random.randint</a:t>
+            </a:r>
+            <a:r>
+              <a:rPr lang="en-US" altLang="zh-TW" sz="1200" dirty="0">
+                <a:solidFill>
+                  <a:prstClr val="black"/>
+                </a:solidFill>
+              </a:rPr>
+              <a:t>(60, 120)</a:t>
+            </a:r>
+          </a:p>
+          <a:p>
+            <a:pPr lvl="0" defTabSz="914400">
+              <a:lnSpc>
+                <a:spcPct val="120000"/>
+              </a:lnSpc>
+              <a:spcBef>
+                <a:spcPts val="1000"/>
+              </a:spcBef>
+              <a:buClr>
+                <a:srgbClr val="B71E42"/>
+              </a:buClr>
+              <a:buSzPct val="100000"/>
+            </a:pPr>
+            <a:endParaRPr lang="en-US" altLang="zh-TW" sz="1200" dirty="0">
+              <a:solidFill>
+                <a:prstClr val="black"/>
+              </a:solidFill>
+            </a:endParaRPr>
+          </a:p>
+          <a:p>
+            <a:pPr lvl="0" defTabSz="914400">
+              <a:lnSpc>
+                <a:spcPct val="120000"/>
+              </a:lnSpc>
+              <a:spcBef>
+                <a:spcPts val="1000"/>
+              </a:spcBef>
+              <a:buClr>
+                <a:srgbClr val="B71E42"/>
+              </a:buClr>
+              <a:buSzPct val="100000"/>
+            </a:pPr>
+            <a:r>
+              <a:rPr lang="en-US" altLang="zh-TW" sz="1200" dirty="0">
+                <a:solidFill>
+                  <a:prstClr val="black"/>
+                </a:solidFill>
+              </a:rPr>
+              <a:t># </a:t>
+            </a:r>
+            <a:r>
+              <a:rPr lang="zh-TW" altLang="en-US" sz="1200" dirty="0">
+                <a:solidFill>
+                  <a:prstClr val="black"/>
+                </a:solidFill>
+              </a:rPr>
+              <a:t>定義小恐龍的類別</a:t>
+            </a:r>
+          </a:p>
+          <a:p>
+            <a:pPr lvl="0" defTabSz="914400">
+              <a:lnSpc>
+                <a:spcPct val="120000"/>
+              </a:lnSpc>
+              <a:spcBef>
+                <a:spcPts val="1000"/>
+              </a:spcBef>
+              <a:buClr>
+                <a:srgbClr val="B71E42"/>
+              </a:buClr>
+              <a:buSzPct val="100000"/>
+            </a:pPr>
+            <a:r>
+              <a:rPr lang="en-US" altLang="zh-TW" sz="1200" dirty="0">
+                <a:solidFill>
+                  <a:prstClr val="black"/>
+                </a:solidFill>
+              </a:rPr>
+              <a:t>class Dinosaur:</a:t>
+            </a:r>
+          </a:p>
+          <a:p>
+            <a:pPr lvl="0" defTabSz="914400">
+              <a:lnSpc>
+                <a:spcPct val="120000"/>
+              </a:lnSpc>
+              <a:spcBef>
+                <a:spcPts val="1000"/>
+              </a:spcBef>
+              <a:buClr>
+                <a:srgbClr val="B71E42"/>
+              </a:buClr>
+              <a:buSzPct val="100000"/>
+            </a:pPr>
+            <a:r>
+              <a:rPr lang="en-US" altLang="zh-TW" sz="1200" dirty="0">
+                <a:solidFill>
+                  <a:prstClr val="black"/>
+                </a:solidFill>
+              </a:rPr>
+              <a:t>    </a:t>
+            </a:r>
+            <a:r>
+              <a:rPr lang="en-US" altLang="zh-TW" sz="1200" dirty="0" err="1">
+                <a:solidFill>
+                  <a:prstClr val="black"/>
+                </a:solidFill>
+              </a:rPr>
+              <a:t>def</a:t>
+            </a:r>
+            <a:r>
+              <a:rPr lang="en-US" altLang="zh-TW" sz="1200" dirty="0">
+                <a:solidFill>
+                  <a:prstClr val="black"/>
+                </a:solidFill>
+              </a:rPr>
+              <a:t> __</a:t>
+            </a:r>
+            <a:r>
+              <a:rPr lang="en-US" altLang="zh-TW" sz="1200" dirty="0" err="1">
+                <a:solidFill>
+                  <a:prstClr val="black"/>
+                </a:solidFill>
+              </a:rPr>
+              <a:t>init</a:t>
+            </a:r>
+            <a:r>
+              <a:rPr lang="en-US" altLang="zh-TW" sz="1200" dirty="0">
+                <a:solidFill>
+                  <a:prstClr val="black"/>
+                </a:solidFill>
+              </a:rPr>
+              <a:t>__(self):</a:t>
+            </a:r>
+          </a:p>
+          <a:p>
+            <a:pPr lvl="0" defTabSz="914400">
+              <a:lnSpc>
+                <a:spcPct val="120000"/>
+              </a:lnSpc>
+              <a:spcBef>
+                <a:spcPts val="1000"/>
+              </a:spcBef>
+              <a:buClr>
+                <a:srgbClr val="B71E42"/>
+              </a:buClr>
+              <a:buSzPct val="100000"/>
+            </a:pPr>
+            <a:r>
+              <a:rPr lang="en-US" altLang="zh-TW" sz="1200" dirty="0">
+                <a:solidFill>
+                  <a:prstClr val="black"/>
+                </a:solidFill>
+              </a:rPr>
+              <a:t>        </a:t>
+            </a:r>
+            <a:r>
+              <a:rPr lang="en-US" altLang="zh-TW" sz="1200" dirty="0" err="1">
+                <a:solidFill>
+                  <a:prstClr val="black"/>
+                </a:solidFill>
+              </a:rPr>
+              <a:t>self.y</a:t>
+            </a:r>
+            <a:r>
+              <a:rPr lang="en-US" altLang="zh-TW" sz="1200" dirty="0">
+                <a:solidFill>
+                  <a:prstClr val="black"/>
+                </a:solidFill>
+              </a:rPr>
+              <a:t> = 0</a:t>
+            </a:r>
+          </a:p>
+          <a:p>
+            <a:pPr lvl="0" defTabSz="914400">
+              <a:lnSpc>
+                <a:spcPct val="120000"/>
+              </a:lnSpc>
+              <a:spcBef>
+                <a:spcPts val="1000"/>
+              </a:spcBef>
+              <a:buClr>
+                <a:srgbClr val="B71E42"/>
+              </a:buClr>
+              <a:buSzPct val="100000"/>
+            </a:pPr>
+            <a:r>
+              <a:rPr lang="en-US" altLang="zh-TW" sz="1200" dirty="0">
+                <a:solidFill>
+                  <a:prstClr val="black"/>
+                </a:solidFill>
+              </a:rPr>
+              <a:t>        </a:t>
+            </a:r>
+            <a:r>
+              <a:rPr lang="en-US" altLang="zh-TW" sz="1200" dirty="0" err="1">
+                <a:solidFill>
+                  <a:prstClr val="black"/>
+                </a:solidFill>
+              </a:rPr>
+              <a:t>self.vel_y</a:t>
+            </a:r>
+            <a:r>
+              <a:rPr lang="en-US" altLang="zh-TW" sz="1200" dirty="0">
+                <a:solidFill>
+                  <a:prstClr val="black"/>
+                </a:solidFill>
+              </a:rPr>
+              <a:t> = 0</a:t>
+            </a:r>
+          </a:p>
+          <a:p>
+            <a:pPr lvl="0" defTabSz="914400">
+              <a:lnSpc>
+                <a:spcPct val="120000"/>
+              </a:lnSpc>
+              <a:spcBef>
+                <a:spcPts val="1000"/>
+              </a:spcBef>
+              <a:buClr>
+                <a:srgbClr val="B71E42"/>
+              </a:buClr>
+              <a:buSzPct val="100000"/>
+            </a:pPr>
+            <a:endParaRPr lang="en-US" altLang="zh-TW" sz="1200" dirty="0">
+              <a:solidFill>
+                <a:prstClr val="black"/>
+              </a:solidFill>
+            </a:endParaRPr>
+          </a:p>
+          <a:p>
+            <a:pPr lvl="0" defTabSz="914400">
+              <a:lnSpc>
+                <a:spcPct val="120000"/>
+              </a:lnSpc>
+              <a:spcBef>
+                <a:spcPts val="1000"/>
+              </a:spcBef>
+              <a:buClr>
+                <a:srgbClr val="B71E42"/>
+              </a:buClr>
+              <a:buSzPct val="100000"/>
+            </a:pPr>
+            <a:r>
+              <a:rPr lang="en-US" altLang="zh-TW" sz="1200" dirty="0">
+                <a:solidFill>
+                  <a:prstClr val="black"/>
+                </a:solidFill>
+              </a:rPr>
+              <a:t>    # </a:t>
+            </a:r>
+            <a:r>
+              <a:rPr lang="zh-TW" altLang="en-US" sz="1200" dirty="0">
+                <a:solidFill>
+                  <a:prstClr val="black"/>
+                </a:solidFill>
+              </a:rPr>
+              <a:t>跳躍功能</a:t>
+            </a:r>
+          </a:p>
+          <a:p>
+            <a:pPr lvl="0" defTabSz="914400">
+              <a:lnSpc>
+                <a:spcPct val="120000"/>
+              </a:lnSpc>
+              <a:spcBef>
+                <a:spcPts val="1000"/>
+              </a:spcBef>
+              <a:buClr>
+                <a:srgbClr val="B71E42"/>
+              </a:buClr>
+              <a:buSzPct val="100000"/>
+            </a:pPr>
+            <a:r>
+              <a:rPr lang="zh-TW" altLang="en-US" sz="1200" dirty="0">
+                <a:solidFill>
+                  <a:prstClr val="black"/>
+                </a:solidFill>
+              </a:rPr>
+              <a:t>    </a:t>
+            </a:r>
+            <a:r>
+              <a:rPr lang="en-US" altLang="zh-TW" sz="1200" dirty="0" err="1">
+                <a:solidFill>
+                  <a:prstClr val="black"/>
+                </a:solidFill>
+              </a:rPr>
+              <a:t>def</a:t>
+            </a:r>
+            <a:r>
+              <a:rPr lang="en-US" altLang="zh-TW" sz="1200" dirty="0">
+                <a:solidFill>
+                  <a:prstClr val="black"/>
+                </a:solidFill>
+              </a:rPr>
+              <a:t> jump(self):</a:t>
+            </a:r>
+          </a:p>
+          <a:p>
+            <a:pPr lvl="0" defTabSz="914400">
+              <a:lnSpc>
+                <a:spcPct val="120000"/>
+              </a:lnSpc>
+              <a:spcBef>
+                <a:spcPts val="1000"/>
+              </a:spcBef>
+              <a:buClr>
+                <a:srgbClr val="B71E42"/>
+              </a:buClr>
+              <a:buSzPct val="100000"/>
+            </a:pPr>
+            <a:r>
+              <a:rPr lang="en-US" altLang="zh-TW" sz="1200" dirty="0">
+                <a:solidFill>
+                  <a:prstClr val="black"/>
+                </a:solidFill>
+              </a:rPr>
+              <a:t>        if </a:t>
+            </a:r>
+            <a:r>
+              <a:rPr lang="en-US" altLang="zh-TW" sz="1200" dirty="0" err="1">
+                <a:solidFill>
+                  <a:prstClr val="black"/>
+                </a:solidFill>
+              </a:rPr>
+              <a:t>self.y</a:t>
+            </a:r>
+            <a:r>
+              <a:rPr lang="en-US" altLang="zh-TW" sz="1200" dirty="0">
+                <a:solidFill>
+                  <a:prstClr val="black"/>
+                </a:solidFill>
+              </a:rPr>
+              <a:t> == 0:</a:t>
+            </a:r>
+          </a:p>
+          <a:p>
+            <a:pPr lvl="0" defTabSz="914400">
+              <a:lnSpc>
+                <a:spcPct val="120000"/>
+              </a:lnSpc>
+              <a:spcBef>
+                <a:spcPts val="1000"/>
+              </a:spcBef>
+              <a:buClr>
+                <a:srgbClr val="B71E42"/>
+              </a:buClr>
+              <a:buSzPct val="100000"/>
+            </a:pPr>
+            <a:r>
+              <a:rPr lang="en-US" altLang="zh-TW" sz="1200" dirty="0">
+                <a:solidFill>
+                  <a:prstClr val="black"/>
+                </a:solidFill>
+              </a:rPr>
+              <a:t>            </a:t>
+            </a:r>
+            <a:r>
+              <a:rPr lang="en-US" altLang="zh-TW" sz="1200" dirty="0" err="1">
+                <a:solidFill>
+                  <a:prstClr val="black"/>
+                </a:solidFill>
+              </a:rPr>
+              <a:t>self.vel_y</a:t>
+            </a:r>
+            <a:r>
+              <a:rPr lang="en-US" altLang="zh-TW" sz="1200" dirty="0">
+                <a:solidFill>
+                  <a:prstClr val="black"/>
+                </a:solidFill>
+              </a:rPr>
+              <a:t> = 10</a:t>
+            </a:r>
+          </a:p>
+          <a:p>
+            <a:pPr lvl="0" defTabSz="914400">
+              <a:lnSpc>
+                <a:spcPct val="120000"/>
+              </a:lnSpc>
+              <a:spcBef>
+                <a:spcPts val="1000"/>
+              </a:spcBef>
+              <a:buClr>
+                <a:srgbClr val="B71E42"/>
+              </a:buClr>
+              <a:buSzPct val="100000"/>
+            </a:pPr>
+            <a:endParaRPr lang="en-US" altLang="zh-TW" sz="1200" dirty="0">
+              <a:solidFill>
+                <a:prstClr val="black"/>
+              </a:solidFill>
+            </a:endParaRPr>
+          </a:p>
+          <a:p>
+            <a:pPr lvl="0" defTabSz="914400">
+              <a:lnSpc>
+                <a:spcPct val="120000"/>
+              </a:lnSpc>
+              <a:spcBef>
+                <a:spcPts val="1000"/>
+              </a:spcBef>
+              <a:buClr>
+                <a:srgbClr val="B71E42"/>
+              </a:buClr>
+              <a:buSzPct val="100000"/>
+            </a:pPr>
+            <a:r>
+              <a:rPr lang="en-US" altLang="zh-TW" sz="1200" dirty="0">
+                <a:solidFill>
+                  <a:prstClr val="black"/>
+                </a:solidFill>
+              </a:rPr>
+              <a:t>    # </a:t>
+            </a:r>
+            <a:r>
+              <a:rPr lang="zh-TW" altLang="en-US" sz="1200" dirty="0">
+                <a:solidFill>
+                  <a:prstClr val="black"/>
+                </a:solidFill>
+              </a:rPr>
+              <a:t>更新小恐龍的</a:t>
+            </a:r>
+            <a:r>
+              <a:rPr lang="zh-TW" altLang="en-US" sz="1200" dirty="0" smtClean="0">
+                <a:solidFill>
+                  <a:prstClr val="black"/>
+                </a:solidFill>
+              </a:rPr>
+              <a:t>位置</a:t>
+            </a:r>
+            <a:endParaRPr lang="zh-TW" altLang="en-US" sz="1200" dirty="0">
+              <a:solidFill>
+                <a:prstClr val="black"/>
+              </a:solidFill>
+            </a:endParaRPr>
+          </a:p>
+        </p:txBody>
+      </p:sp>
+      <p:sp>
+        <p:nvSpPr>
+          <p:cNvPr id="11" name="矩形 10"/>
+          <p:cNvSpPr/>
+          <p:nvPr/>
+        </p:nvSpPr>
+        <p:spPr>
+          <a:xfrm>
+            <a:off x="4376144" y="499108"/>
+            <a:ext cx="3136669" cy="5561522"/>
+          </a:xfrm>
+          <a:prstGeom prst="rect">
+            <a:avLst/>
+          </a:prstGeom>
+        </p:spPr>
+        <p:txBody>
+          <a:bodyPr wrap="square">
+            <a:spAutoFit/>
+          </a:bodyPr>
+          <a:lstStyle/>
+          <a:p>
+            <a:pPr lvl="0" defTabSz="914400">
+              <a:lnSpc>
+                <a:spcPct val="120000"/>
+              </a:lnSpc>
+              <a:spcBef>
+                <a:spcPts val="1000"/>
+              </a:spcBef>
+              <a:buClr>
+                <a:srgbClr val="B71E42"/>
+              </a:buClr>
+              <a:buSzPct val="100000"/>
+            </a:pPr>
+            <a:r>
+              <a:rPr lang="zh-TW" altLang="en-US" sz="1200" dirty="0">
+                <a:solidFill>
+                  <a:prstClr val="black"/>
+                </a:solidFill>
+              </a:rPr>
+              <a:t> </a:t>
+            </a:r>
+            <a:r>
+              <a:rPr lang="en-US" altLang="zh-TW" sz="1200" dirty="0" err="1">
+                <a:solidFill>
+                  <a:prstClr val="black"/>
+                </a:solidFill>
+              </a:rPr>
+              <a:t>def</a:t>
+            </a:r>
+            <a:r>
+              <a:rPr lang="en-US" altLang="zh-TW" sz="1200" dirty="0">
+                <a:solidFill>
+                  <a:prstClr val="black"/>
+                </a:solidFill>
+              </a:rPr>
+              <a:t> update(self):</a:t>
+            </a:r>
+          </a:p>
+          <a:p>
+            <a:pPr lvl="0" defTabSz="914400">
+              <a:lnSpc>
+                <a:spcPct val="120000"/>
+              </a:lnSpc>
+              <a:spcBef>
+                <a:spcPts val="1000"/>
+              </a:spcBef>
+              <a:buClr>
+                <a:srgbClr val="B71E42"/>
+              </a:buClr>
+              <a:buSzPct val="100000"/>
+            </a:pPr>
+            <a:r>
+              <a:rPr lang="en-US" altLang="zh-TW" sz="1200" dirty="0">
+                <a:solidFill>
+                  <a:prstClr val="black"/>
+                </a:solidFill>
+              </a:rPr>
+              <a:t>        </a:t>
+            </a:r>
+            <a:r>
+              <a:rPr lang="en-US" altLang="zh-TW" sz="1200" dirty="0" err="1">
+                <a:solidFill>
+                  <a:prstClr val="black"/>
+                </a:solidFill>
+              </a:rPr>
+              <a:t>self.y</a:t>
+            </a:r>
+            <a:r>
+              <a:rPr lang="en-US" altLang="zh-TW" sz="1200" dirty="0">
+                <a:solidFill>
+                  <a:prstClr val="black"/>
+                </a:solidFill>
+              </a:rPr>
+              <a:t> += </a:t>
+            </a:r>
+            <a:r>
+              <a:rPr lang="en-US" altLang="zh-TW" sz="1200" dirty="0" err="1">
+                <a:solidFill>
+                  <a:prstClr val="black"/>
+                </a:solidFill>
+              </a:rPr>
+              <a:t>self.vel_y</a:t>
+            </a:r>
+            <a:endParaRPr lang="en-US" altLang="zh-TW" sz="1200" dirty="0">
+              <a:solidFill>
+                <a:prstClr val="black"/>
+              </a:solidFill>
+            </a:endParaRPr>
+          </a:p>
+          <a:p>
+            <a:pPr lvl="0" defTabSz="914400">
+              <a:lnSpc>
+                <a:spcPct val="120000"/>
+              </a:lnSpc>
+              <a:spcBef>
+                <a:spcPts val="1000"/>
+              </a:spcBef>
+              <a:buClr>
+                <a:srgbClr val="B71E42"/>
+              </a:buClr>
+              <a:buSzPct val="100000"/>
+            </a:pPr>
+            <a:r>
+              <a:rPr lang="en-US" altLang="zh-TW" sz="1200" dirty="0">
+                <a:solidFill>
+                  <a:prstClr val="black"/>
+                </a:solidFill>
+              </a:rPr>
+              <a:t>        </a:t>
+            </a:r>
+            <a:r>
+              <a:rPr lang="en-US" altLang="zh-TW" sz="1200" dirty="0" err="1">
+                <a:solidFill>
+                  <a:prstClr val="black"/>
+                </a:solidFill>
+              </a:rPr>
+              <a:t>self.vel_y</a:t>
+            </a:r>
+            <a:r>
+              <a:rPr lang="en-US" altLang="zh-TW" sz="1200" dirty="0">
+                <a:solidFill>
+                  <a:prstClr val="black"/>
+                </a:solidFill>
+              </a:rPr>
+              <a:t> -= 1</a:t>
+            </a:r>
+          </a:p>
+          <a:p>
+            <a:pPr lvl="0" defTabSz="914400">
+              <a:lnSpc>
+                <a:spcPct val="120000"/>
+              </a:lnSpc>
+              <a:spcBef>
+                <a:spcPts val="1000"/>
+              </a:spcBef>
+              <a:buClr>
+                <a:srgbClr val="B71E42"/>
+              </a:buClr>
+              <a:buSzPct val="100000"/>
+            </a:pPr>
+            <a:r>
+              <a:rPr lang="en-US" altLang="zh-TW" sz="1200" dirty="0">
+                <a:solidFill>
+                  <a:prstClr val="black"/>
+                </a:solidFill>
+              </a:rPr>
+              <a:t>        if </a:t>
+            </a:r>
+            <a:r>
+              <a:rPr lang="en-US" altLang="zh-TW" sz="1200" dirty="0" err="1">
+                <a:solidFill>
+                  <a:prstClr val="black"/>
+                </a:solidFill>
+              </a:rPr>
+              <a:t>self.y</a:t>
+            </a:r>
+            <a:r>
+              <a:rPr lang="en-US" altLang="zh-TW" sz="1200" dirty="0">
+                <a:solidFill>
+                  <a:prstClr val="black"/>
+                </a:solidFill>
+              </a:rPr>
+              <a:t> &lt; 0:</a:t>
+            </a:r>
+          </a:p>
+          <a:p>
+            <a:pPr lvl="0" defTabSz="914400">
+              <a:lnSpc>
+                <a:spcPct val="120000"/>
+              </a:lnSpc>
+              <a:spcBef>
+                <a:spcPts val="1000"/>
+              </a:spcBef>
+              <a:buClr>
+                <a:srgbClr val="B71E42"/>
+              </a:buClr>
+              <a:buSzPct val="100000"/>
+            </a:pPr>
+            <a:r>
+              <a:rPr lang="en-US" altLang="zh-TW" sz="1200" dirty="0">
+                <a:solidFill>
+                  <a:prstClr val="black"/>
+                </a:solidFill>
+              </a:rPr>
+              <a:t>            </a:t>
+            </a:r>
+            <a:r>
+              <a:rPr lang="en-US" altLang="zh-TW" sz="1200" dirty="0" err="1">
+                <a:solidFill>
+                  <a:prstClr val="black"/>
+                </a:solidFill>
+              </a:rPr>
+              <a:t>self.y</a:t>
+            </a:r>
+            <a:r>
+              <a:rPr lang="en-US" altLang="zh-TW" sz="1200" dirty="0">
+                <a:solidFill>
+                  <a:prstClr val="black"/>
+                </a:solidFill>
+              </a:rPr>
+              <a:t> = 0</a:t>
+            </a:r>
+          </a:p>
+          <a:p>
+            <a:pPr lvl="0" defTabSz="914400">
+              <a:lnSpc>
+                <a:spcPct val="120000"/>
+              </a:lnSpc>
+              <a:spcBef>
+                <a:spcPts val="1000"/>
+              </a:spcBef>
+              <a:buClr>
+                <a:srgbClr val="B71E42"/>
+              </a:buClr>
+              <a:buSzPct val="100000"/>
+            </a:pPr>
+            <a:endParaRPr lang="en-US" altLang="zh-TW" sz="1200" dirty="0">
+              <a:solidFill>
+                <a:prstClr val="black"/>
+              </a:solidFill>
+            </a:endParaRPr>
+          </a:p>
+          <a:p>
+            <a:pPr lvl="0" defTabSz="914400">
+              <a:lnSpc>
+                <a:spcPct val="120000"/>
+              </a:lnSpc>
+              <a:spcBef>
+                <a:spcPts val="1000"/>
+              </a:spcBef>
+              <a:buClr>
+                <a:srgbClr val="B71E42"/>
+              </a:buClr>
+              <a:buSzPct val="100000"/>
+            </a:pPr>
+            <a:r>
+              <a:rPr lang="en-US" altLang="zh-TW" sz="1200" dirty="0">
+                <a:solidFill>
+                  <a:prstClr val="black"/>
+                </a:solidFill>
+              </a:rPr>
+              <a:t># </a:t>
+            </a:r>
+            <a:r>
+              <a:rPr lang="zh-TW" altLang="en-US" sz="1200" dirty="0">
+                <a:solidFill>
+                  <a:prstClr val="black"/>
+                </a:solidFill>
+              </a:rPr>
+              <a:t>初始化小恐龍</a:t>
+            </a:r>
+          </a:p>
+          <a:p>
+            <a:pPr lvl="0" defTabSz="914400">
+              <a:lnSpc>
+                <a:spcPct val="120000"/>
+              </a:lnSpc>
+              <a:spcBef>
+                <a:spcPts val="1000"/>
+              </a:spcBef>
+              <a:buClr>
+                <a:srgbClr val="B71E42"/>
+              </a:buClr>
+              <a:buSzPct val="100000"/>
+            </a:pPr>
+            <a:r>
+              <a:rPr lang="en-US" altLang="zh-TW" sz="1200" dirty="0" err="1">
+                <a:solidFill>
+                  <a:prstClr val="black"/>
+                </a:solidFill>
+              </a:rPr>
+              <a:t>dino</a:t>
+            </a:r>
+            <a:r>
+              <a:rPr lang="en-US" altLang="zh-TW" sz="1200" dirty="0">
+                <a:solidFill>
+                  <a:prstClr val="black"/>
+                </a:solidFill>
+              </a:rPr>
+              <a:t> = Dinosaur()</a:t>
+            </a:r>
+          </a:p>
+          <a:p>
+            <a:pPr lvl="0" defTabSz="914400">
+              <a:lnSpc>
+                <a:spcPct val="120000"/>
+              </a:lnSpc>
+              <a:spcBef>
+                <a:spcPts val="1000"/>
+              </a:spcBef>
+              <a:buClr>
+                <a:srgbClr val="B71E42"/>
+              </a:buClr>
+              <a:buSzPct val="100000"/>
+            </a:pPr>
+            <a:endParaRPr lang="en-US" altLang="zh-TW" sz="1200" dirty="0">
+              <a:solidFill>
+                <a:prstClr val="black"/>
+              </a:solidFill>
+            </a:endParaRPr>
+          </a:p>
+          <a:p>
+            <a:pPr lvl="0" defTabSz="914400">
+              <a:lnSpc>
+                <a:spcPct val="120000"/>
+              </a:lnSpc>
+              <a:spcBef>
+                <a:spcPts val="1000"/>
+              </a:spcBef>
+              <a:buClr>
+                <a:srgbClr val="B71E42"/>
+              </a:buClr>
+              <a:buSzPct val="100000"/>
+            </a:pPr>
+            <a:r>
+              <a:rPr lang="en-US" altLang="zh-TW" sz="1200" dirty="0">
+                <a:solidFill>
+                  <a:prstClr val="black"/>
+                </a:solidFill>
+              </a:rPr>
+              <a:t>try:</a:t>
+            </a:r>
+          </a:p>
+          <a:p>
+            <a:pPr lvl="0" defTabSz="914400">
+              <a:lnSpc>
+                <a:spcPct val="120000"/>
+              </a:lnSpc>
+              <a:spcBef>
+                <a:spcPts val="1000"/>
+              </a:spcBef>
+              <a:buClr>
+                <a:srgbClr val="B71E42"/>
+              </a:buClr>
+              <a:buSzPct val="100000"/>
+            </a:pPr>
+            <a:r>
+              <a:rPr lang="en-US" altLang="zh-TW" sz="1200" dirty="0">
+                <a:solidFill>
+                  <a:prstClr val="black"/>
+                </a:solidFill>
+              </a:rPr>
+              <a:t>    while True:</a:t>
+            </a:r>
+          </a:p>
+          <a:p>
+            <a:pPr lvl="0" defTabSz="914400">
+              <a:lnSpc>
+                <a:spcPct val="120000"/>
+              </a:lnSpc>
+              <a:spcBef>
+                <a:spcPts val="1000"/>
+              </a:spcBef>
+              <a:buClr>
+                <a:srgbClr val="B71E42"/>
+              </a:buClr>
+              <a:buSzPct val="100000"/>
+            </a:pPr>
+            <a:r>
+              <a:rPr lang="en-US" altLang="zh-TW" sz="1200" dirty="0">
+                <a:solidFill>
+                  <a:prstClr val="black"/>
+                </a:solidFill>
+              </a:rPr>
+              <a:t>        # </a:t>
+            </a:r>
+            <a:r>
+              <a:rPr lang="zh-TW" altLang="en-US" sz="1200" dirty="0">
+                <a:solidFill>
+                  <a:prstClr val="black"/>
+                </a:solidFill>
+              </a:rPr>
+              <a:t>讀取觸摸感測器的狀態</a:t>
+            </a:r>
+          </a:p>
+          <a:p>
+            <a:pPr lvl="0" defTabSz="914400">
+              <a:lnSpc>
+                <a:spcPct val="120000"/>
+              </a:lnSpc>
+              <a:spcBef>
+                <a:spcPts val="1000"/>
+              </a:spcBef>
+              <a:buClr>
+                <a:srgbClr val="B71E42"/>
+              </a:buClr>
+              <a:buSzPct val="100000"/>
+            </a:pPr>
+            <a:r>
+              <a:rPr lang="zh-TW" altLang="en-US" sz="1200" dirty="0">
+                <a:solidFill>
+                  <a:prstClr val="black"/>
+                </a:solidFill>
+              </a:rPr>
+              <a:t>        </a:t>
+            </a:r>
+            <a:r>
+              <a:rPr lang="en-US" altLang="zh-TW" sz="1200" dirty="0" err="1">
+                <a:solidFill>
+                  <a:prstClr val="black"/>
+                </a:solidFill>
+              </a:rPr>
+              <a:t>touch_state</a:t>
+            </a:r>
+            <a:r>
+              <a:rPr lang="en-US" altLang="zh-TW" sz="1200" dirty="0">
+                <a:solidFill>
+                  <a:prstClr val="black"/>
+                </a:solidFill>
+              </a:rPr>
+              <a:t> = </a:t>
+            </a:r>
+            <a:r>
+              <a:rPr lang="en-US" altLang="zh-TW" sz="1200" dirty="0" err="1">
+                <a:solidFill>
+                  <a:prstClr val="black"/>
+                </a:solidFill>
+              </a:rPr>
+              <a:t>GPIO.input</a:t>
+            </a:r>
+            <a:r>
+              <a:rPr lang="en-US" altLang="zh-TW" sz="1200" dirty="0">
+                <a:solidFill>
+                  <a:prstClr val="black"/>
+                </a:solidFill>
+              </a:rPr>
+              <a:t>(TOUCH_PIN)</a:t>
+            </a:r>
+          </a:p>
+          <a:p>
+            <a:pPr lvl="0" defTabSz="914400">
+              <a:lnSpc>
+                <a:spcPct val="120000"/>
+              </a:lnSpc>
+              <a:spcBef>
+                <a:spcPts val="1000"/>
+              </a:spcBef>
+              <a:buClr>
+                <a:srgbClr val="B71E42"/>
+              </a:buClr>
+              <a:buSzPct val="100000"/>
+            </a:pPr>
+            <a:endParaRPr lang="en-US" altLang="zh-TW" sz="1200" dirty="0">
+              <a:solidFill>
+                <a:prstClr val="black"/>
+              </a:solidFill>
+            </a:endParaRPr>
+          </a:p>
+          <a:p>
+            <a:pPr lvl="0" defTabSz="914400">
+              <a:lnSpc>
+                <a:spcPct val="120000"/>
+              </a:lnSpc>
+              <a:spcBef>
+                <a:spcPts val="1000"/>
+              </a:spcBef>
+              <a:buClr>
+                <a:srgbClr val="B71E42"/>
+              </a:buClr>
+              <a:buSzPct val="100000"/>
+            </a:pPr>
+            <a:r>
+              <a:rPr lang="en-US" altLang="zh-TW" sz="1200" dirty="0">
+                <a:solidFill>
+                  <a:prstClr val="black"/>
+                </a:solidFill>
+              </a:rPr>
+              <a:t>        # </a:t>
+            </a:r>
+            <a:r>
+              <a:rPr lang="zh-TW" altLang="en-US" sz="1200" dirty="0">
+                <a:solidFill>
+                  <a:prstClr val="black"/>
+                </a:solidFill>
+              </a:rPr>
+              <a:t>如果觸摸感測器被觸摸，小恐龍跳躍</a:t>
+            </a:r>
+          </a:p>
+          <a:p>
+            <a:pPr lvl="0" defTabSz="914400">
+              <a:lnSpc>
+                <a:spcPct val="120000"/>
+              </a:lnSpc>
+              <a:spcBef>
+                <a:spcPts val="1000"/>
+              </a:spcBef>
+              <a:buClr>
+                <a:srgbClr val="B71E42"/>
+              </a:buClr>
+              <a:buSzPct val="100000"/>
+            </a:pPr>
+            <a:r>
+              <a:rPr lang="zh-TW" altLang="en-US" sz="1200" dirty="0">
+                <a:solidFill>
+                  <a:prstClr val="black"/>
+                </a:solidFill>
+              </a:rPr>
+              <a:t>        </a:t>
+            </a:r>
+            <a:endParaRPr lang="en-US" altLang="zh-TW" sz="1200" dirty="0">
+              <a:solidFill>
+                <a:prstClr val="black"/>
+              </a:solidFill>
+            </a:endParaRPr>
+          </a:p>
+        </p:txBody>
+      </p:sp>
+      <p:sp>
+        <p:nvSpPr>
+          <p:cNvPr id="12" name="矩形 11"/>
+          <p:cNvSpPr/>
+          <p:nvPr/>
+        </p:nvSpPr>
+        <p:spPr>
+          <a:xfrm>
+            <a:off x="7252854" y="499108"/>
+            <a:ext cx="2637905" cy="5526641"/>
+          </a:xfrm>
+          <a:prstGeom prst="rect">
+            <a:avLst/>
+          </a:prstGeom>
+        </p:spPr>
+        <p:txBody>
+          <a:bodyPr wrap="square">
+            <a:spAutoFit/>
+          </a:bodyPr>
+          <a:lstStyle/>
+          <a:p>
+            <a:pPr lvl="0" defTabSz="914400">
+              <a:lnSpc>
+                <a:spcPct val="120000"/>
+              </a:lnSpc>
+              <a:spcBef>
+                <a:spcPts val="1000"/>
+              </a:spcBef>
+              <a:buClr>
+                <a:srgbClr val="B71E42"/>
+              </a:buClr>
+              <a:buSzPct val="100000"/>
+            </a:pPr>
+            <a:r>
+              <a:rPr lang="en-US" altLang="zh-TW" sz="1200" dirty="0">
+                <a:solidFill>
+                  <a:prstClr val="black"/>
+                </a:solidFill>
+              </a:rPr>
+              <a:t>if </a:t>
+            </a:r>
+            <a:r>
+              <a:rPr lang="en-US" altLang="zh-TW" sz="1200" dirty="0" err="1">
+                <a:solidFill>
+                  <a:prstClr val="black"/>
+                </a:solidFill>
+              </a:rPr>
+              <a:t>touch_state</a:t>
+            </a:r>
+            <a:r>
+              <a:rPr lang="en-US" altLang="zh-TW" sz="1200" dirty="0">
+                <a:solidFill>
+                  <a:prstClr val="black"/>
+                </a:solidFill>
+              </a:rPr>
+              <a:t> == GPIO.HIGH:</a:t>
+            </a:r>
+          </a:p>
+          <a:p>
+            <a:pPr lvl="0" defTabSz="914400">
+              <a:lnSpc>
+                <a:spcPct val="120000"/>
+              </a:lnSpc>
+              <a:spcBef>
+                <a:spcPts val="1000"/>
+              </a:spcBef>
+              <a:buClr>
+                <a:srgbClr val="B71E42"/>
+              </a:buClr>
+              <a:buSzPct val="100000"/>
+            </a:pPr>
+            <a:r>
+              <a:rPr lang="en-US" altLang="zh-TW" sz="1200" dirty="0">
+                <a:solidFill>
+                  <a:prstClr val="black"/>
+                </a:solidFill>
+              </a:rPr>
+              <a:t>            </a:t>
+            </a:r>
+            <a:r>
+              <a:rPr lang="en-US" altLang="zh-TW" sz="1200" dirty="0" err="1">
+                <a:solidFill>
+                  <a:prstClr val="black"/>
+                </a:solidFill>
+              </a:rPr>
+              <a:t>dino.jump</a:t>
+            </a:r>
+            <a:r>
+              <a:rPr lang="en-US" altLang="zh-TW" sz="1200" dirty="0">
+                <a:solidFill>
+                  <a:prstClr val="black"/>
+                </a:solidFill>
+              </a:rPr>
+              <a:t>()</a:t>
+            </a:r>
+          </a:p>
+          <a:p>
+            <a:pPr lvl="0" defTabSz="914400">
+              <a:lnSpc>
+                <a:spcPct val="120000"/>
+              </a:lnSpc>
+              <a:spcBef>
+                <a:spcPts val="1000"/>
+              </a:spcBef>
+              <a:buClr>
+                <a:srgbClr val="B71E42"/>
+              </a:buClr>
+              <a:buSzPct val="100000"/>
+            </a:pPr>
+            <a:endParaRPr lang="en-US" altLang="zh-TW" sz="1200" dirty="0">
+              <a:solidFill>
+                <a:prstClr val="black"/>
+              </a:solidFill>
+            </a:endParaRPr>
+          </a:p>
+          <a:p>
+            <a:pPr lvl="0" defTabSz="914400">
+              <a:lnSpc>
+                <a:spcPct val="120000"/>
+              </a:lnSpc>
+              <a:spcBef>
+                <a:spcPts val="1000"/>
+              </a:spcBef>
+              <a:buClr>
+                <a:srgbClr val="B71E42"/>
+              </a:buClr>
+              <a:buSzPct val="100000"/>
+            </a:pPr>
+            <a:r>
+              <a:rPr lang="en-US" altLang="zh-TW" sz="1200" dirty="0">
+                <a:solidFill>
+                  <a:prstClr val="black"/>
+                </a:solidFill>
+              </a:rPr>
+              <a:t>        # </a:t>
+            </a:r>
+            <a:r>
+              <a:rPr lang="zh-TW" altLang="en-US" sz="1200" dirty="0">
+                <a:solidFill>
+                  <a:prstClr val="black"/>
+                </a:solidFill>
+              </a:rPr>
+              <a:t>更新小恐龍的位置</a:t>
+            </a:r>
+          </a:p>
+          <a:p>
+            <a:pPr lvl="0" defTabSz="914400">
+              <a:lnSpc>
+                <a:spcPct val="120000"/>
+              </a:lnSpc>
+              <a:spcBef>
+                <a:spcPts val="1000"/>
+              </a:spcBef>
+              <a:buClr>
+                <a:srgbClr val="B71E42"/>
+              </a:buClr>
+              <a:buSzPct val="100000"/>
+            </a:pPr>
+            <a:r>
+              <a:rPr lang="zh-TW" altLang="en-US" sz="1200" dirty="0">
+                <a:solidFill>
+                  <a:prstClr val="black"/>
+                </a:solidFill>
+              </a:rPr>
+              <a:t>        </a:t>
+            </a:r>
+            <a:r>
+              <a:rPr lang="en-US" altLang="zh-TW" sz="1200" dirty="0" err="1">
+                <a:solidFill>
+                  <a:prstClr val="black"/>
+                </a:solidFill>
+              </a:rPr>
+              <a:t>dino.update</a:t>
+            </a:r>
+            <a:r>
+              <a:rPr lang="en-US" altLang="zh-TW" sz="1200" dirty="0">
+                <a:solidFill>
+                  <a:prstClr val="black"/>
+                </a:solidFill>
+              </a:rPr>
+              <a:t>()</a:t>
+            </a:r>
+          </a:p>
+          <a:p>
+            <a:pPr lvl="0" defTabSz="914400">
+              <a:lnSpc>
+                <a:spcPct val="120000"/>
+              </a:lnSpc>
+              <a:spcBef>
+                <a:spcPts val="1000"/>
+              </a:spcBef>
+              <a:buClr>
+                <a:srgbClr val="B71E42"/>
+              </a:buClr>
+              <a:buSzPct val="100000"/>
+            </a:pPr>
+            <a:endParaRPr lang="en-US" altLang="zh-TW" sz="1200" dirty="0">
+              <a:solidFill>
+                <a:prstClr val="black"/>
+              </a:solidFill>
+            </a:endParaRPr>
+          </a:p>
+          <a:p>
+            <a:pPr lvl="0" defTabSz="914400">
+              <a:lnSpc>
+                <a:spcPct val="120000"/>
+              </a:lnSpc>
+              <a:spcBef>
+                <a:spcPts val="1000"/>
+              </a:spcBef>
+              <a:buClr>
+                <a:srgbClr val="B71E42"/>
+              </a:buClr>
+              <a:buSzPct val="100000"/>
+            </a:pPr>
+            <a:r>
+              <a:rPr lang="en-US" altLang="zh-TW" sz="1200" dirty="0">
+                <a:solidFill>
+                  <a:prstClr val="black"/>
+                </a:solidFill>
+              </a:rPr>
+              <a:t>        # </a:t>
+            </a:r>
+            <a:r>
+              <a:rPr lang="zh-TW" altLang="en-US" sz="1200" dirty="0">
+                <a:solidFill>
+                  <a:prstClr val="black"/>
+                </a:solidFill>
+              </a:rPr>
+              <a:t>獲取心率數據</a:t>
+            </a:r>
+          </a:p>
+          <a:p>
+            <a:pPr lvl="0" defTabSz="914400">
+              <a:lnSpc>
+                <a:spcPct val="120000"/>
+              </a:lnSpc>
+              <a:spcBef>
+                <a:spcPts val="1000"/>
+              </a:spcBef>
+              <a:buClr>
+                <a:srgbClr val="B71E42"/>
+              </a:buClr>
+              <a:buSzPct val="100000"/>
+            </a:pPr>
+            <a:r>
+              <a:rPr lang="zh-TW" altLang="en-US" sz="1200" dirty="0">
+                <a:solidFill>
+                  <a:prstClr val="black"/>
+                </a:solidFill>
+              </a:rPr>
+              <a:t>        </a:t>
+            </a:r>
+            <a:r>
+              <a:rPr lang="en-US" altLang="zh-TW" sz="1200" dirty="0" err="1">
+                <a:solidFill>
+                  <a:prstClr val="black"/>
+                </a:solidFill>
+              </a:rPr>
+              <a:t>heart_rate</a:t>
+            </a:r>
+            <a:r>
+              <a:rPr lang="en-US" altLang="zh-TW" sz="1200" dirty="0">
+                <a:solidFill>
+                  <a:prstClr val="black"/>
+                </a:solidFill>
+              </a:rPr>
+              <a:t> = </a:t>
+            </a:r>
+            <a:r>
+              <a:rPr lang="en-US" altLang="zh-TW" sz="1200" dirty="0" err="1">
+                <a:solidFill>
+                  <a:prstClr val="black"/>
+                </a:solidFill>
+              </a:rPr>
+              <a:t>get_heart_rate</a:t>
+            </a:r>
+            <a:r>
+              <a:rPr lang="en-US" altLang="zh-TW" sz="1200" dirty="0">
+                <a:solidFill>
+                  <a:prstClr val="black"/>
+                </a:solidFill>
+              </a:rPr>
+              <a:t>()</a:t>
+            </a:r>
+          </a:p>
+          <a:p>
+            <a:pPr lvl="0" defTabSz="914400">
+              <a:lnSpc>
+                <a:spcPct val="120000"/>
+              </a:lnSpc>
+              <a:spcBef>
+                <a:spcPts val="1000"/>
+              </a:spcBef>
+              <a:buClr>
+                <a:srgbClr val="B71E42"/>
+              </a:buClr>
+              <a:buSzPct val="100000"/>
+            </a:pPr>
+            <a:endParaRPr lang="en-US" altLang="zh-TW" sz="1200" dirty="0">
+              <a:solidFill>
+                <a:prstClr val="black"/>
+              </a:solidFill>
+            </a:endParaRPr>
+          </a:p>
+          <a:p>
+            <a:pPr lvl="0" defTabSz="914400">
+              <a:lnSpc>
+                <a:spcPct val="120000"/>
+              </a:lnSpc>
+              <a:spcBef>
+                <a:spcPts val="1000"/>
+              </a:spcBef>
+              <a:buClr>
+                <a:srgbClr val="B71E42"/>
+              </a:buClr>
+              <a:buSzPct val="100000"/>
+            </a:pPr>
+            <a:r>
+              <a:rPr lang="en-US" altLang="zh-TW" sz="1200" dirty="0">
+                <a:solidFill>
+                  <a:prstClr val="black"/>
+                </a:solidFill>
+              </a:rPr>
+              <a:t>        # </a:t>
+            </a:r>
+            <a:r>
+              <a:rPr lang="zh-TW" altLang="en-US" sz="1200" dirty="0">
+                <a:solidFill>
+                  <a:prstClr val="black"/>
+                </a:solidFill>
+              </a:rPr>
+              <a:t>根據心率調整遊戲速度和難度</a:t>
+            </a:r>
+          </a:p>
+          <a:p>
+            <a:pPr lvl="0" defTabSz="914400">
+              <a:lnSpc>
+                <a:spcPct val="120000"/>
+              </a:lnSpc>
+              <a:spcBef>
+                <a:spcPts val="1000"/>
+              </a:spcBef>
+              <a:buClr>
+                <a:srgbClr val="B71E42"/>
+              </a:buClr>
+              <a:buSzPct val="100000"/>
+            </a:pPr>
+            <a:r>
+              <a:rPr lang="zh-TW" altLang="en-US" sz="1200" dirty="0">
+                <a:solidFill>
+                  <a:prstClr val="black"/>
+                </a:solidFill>
+              </a:rPr>
+              <a:t>        </a:t>
+            </a:r>
+            <a:r>
+              <a:rPr lang="en-US" altLang="zh-TW" sz="1200" dirty="0">
+                <a:solidFill>
+                  <a:prstClr val="black"/>
+                </a:solidFill>
+              </a:rPr>
+              <a:t># </a:t>
+            </a:r>
+            <a:r>
+              <a:rPr lang="zh-TW" altLang="en-US" sz="1200" dirty="0">
+                <a:solidFill>
+                  <a:prstClr val="black"/>
+                </a:solidFill>
+              </a:rPr>
+              <a:t>這裡只是一個示例，你可以根據具體需求調整遊戲邏輯</a:t>
+            </a:r>
+          </a:p>
+          <a:p>
+            <a:pPr lvl="0" defTabSz="914400">
+              <a:lnSpc>
+                <a:spcPct val="120000"/>
+              </a:lnSpc>
+              <a:spcBef>
+                <a:spcPts val="1000"/>
+              </a:spcBef>
+              <a:buClr>
+                <a:srgbClr val="B71E42"/>
+              </a:buClr>
+              <a:buSzPct val="100000"/>
+            </a:pPr>
+            <a:r>
+              <a:rPr lang="zh-TW" altLang="en-US" sz="1200" dirty="0">
+                <a:solidFill>
+                  <a:prstClr val="black"/>
+                </a:solidFill>
+              </a:rPr>
+              <a:t>        </a:t>
+            </a:r>
+            <a:r>
+              <a:rPr lang="en-US" altLang="zh-TW" sz="1200" dirty="0">
+                <a:solidFill>
+                  <a:prstClr val="black"/>
+                </a:solidFill>
+              </a:rPr>
+              <a:t># </a:t>
+            </a:r>
+            <a:r>
+              <a:rPr lang="zh-TW" altLang="en-US" sz="1200" dirty="0">
+                <a:solidFill>
+                  <a:prstClr val="black"/>
+                </a:solidFill>
+              </a:rPr>
+              <a:t>例如，根據心率增加障礙物的數量或移動速度</a:t>
+            </a:r>
+          </a:p>
+          <a:p>
+            <a:pPr lvl="0" defTabSz="914400">
+              <a:lnSpc>
+                <a:spcPct val="120000"/>
+              </a:lnSpc>
+              <a:spcBef>
+                <a:spcPts val="1000"/>
+              </a:spcBef>
+              <a:buClr>
+                <a:srgbClr val="B71E42"/>
+              </a:buClr>
+              <a:buSzPct val="100000"/>
+            </a:pPr>
+            <a:r>
+              <a:rPr lang="zh-TW" altLang="en-US" sz="1200" dirty="0">
+                <a:solidFill>
+                  <a:prstClr val="black"/>
+                </a:solidFill>
+              </a:rPr>
+              <a:t>        </a:t>
+            </a:r>
+            <a:r>
+              <a:rPr lang="en-US" altLang="zh-TW" sz="1200" dirty="0">
+                <a:solidFill>
+                  <a:prstClr val="black"/>
+                </a:solidFill>
+              </a:rPr>
+              <a:t>print("</a:t>
+            </a:r>
+            <a:r>
+              <a:rPr lang="zh-TW" altLang="en-US" sz="1200" dirty="0">
+                <a:solidFill>
+                  <a:prstClr val="black"/>
+                </a:solidFill>
+              </a:rPr>
+              <a:t>心率：</a:t>
+            </a:r>
+            <a:r>
+              <a:rPr lang="en-US" altLang="zh-TW" sz="1200" dirty="0">
+                <a:solidFill>
+                  <a:prstClr val="black"/>
+                </a:solidFill>
+              </a:rPr>
+              <a:t>", </a:t>
+            </a:r>
+            <a:r>
+              <a:rPr lang="en-US" altLang="zh-TW" sz="1200" dirty="0" err="1">
+                <a:solidFill>
+                  <a:prstClr val="black"/>
+                </a:solidFill>
+              </a:rPr>
+              <a:t>heart_rate</a:t>
+            </a:r>
+            <a:r>
+              <a:rPr lang="en-US" altLang="zh-TW" sz="1200" dirty="0">
+                <a:solidFill>
+                  <a:prstClr val="black"/>
+                </a:solidFill>
+              </a:rPr>
+              <a:t>)</a:t>
+            </a:r>
+          </a:p>
+          <a:p>
+            <a:pPr lvl="0" defTabSz="914400">
+              <a:lnSpc>
+                <a:spcPct val="120000"/>
+              </a:lnSpc>
+              <a:spcBef>
+                <a:spcPts val="1000"/>
+              </a:spcBef>
+              <a:buClr>
+                <a:srgbClr val="B71E42"/>
+              </a:buClr>
+              <a:buSzPct val="100000"/>
+            </a:pPr>
+            <a:endParaRPr lang="en-US" altLang="zh-TW" sz="1200" dirty="0">
+              <a:solidFill>
+                <a:prstClr val="black"/>
+              </a:solidFill>
+            </a:endParaRPr>
+          </a:p>
+        </p:txBody>
+      </p:sp>
+      <p:sp>
+        <p:nvSpPr>
+          <p:cNvPr id="13" name="矩形 12"/>
+          <p:cNvSpPr/>
+          <p:nvPr/>
+        </p:nvSpPr>
+        <p:spPr>
+          <a:xfrm>
+            <a:off x="9731173" y="3039719"/>
+            <a:ext cx="2255520" cy="2284728"/>
+          </a:xfrm>
+          <a:prstGeom prst="rect">
+            <a:avLst/>
+          </a:prstGeom>
+        </p:spPr>
+        <p:txBody>
+          <a:bodyPr wrap="square">
+            <a:spAutoFit/>
+          </a:bodyPr>
+          <a:lstStyle/>
+          <a:p>
+            <a:pPr lvl="0" defTabSz="914400">
+              <a:lnSpc>
+                <a:spcPct val="120000"/>
+              </a:lnSpc>
+              <a:spcBef>
+                <a:spcPts val="1000"/>
+              </a:spcBef>
+              <a:buClr>
+                <a:srgbClr val="B71E42"/>
+              </a:buClr>
+              <a:buSzPct val="100000"/>
+            </a:pPr>
+            <a:r>
+              <a:rPr lang="en-US" altLang="zh-TW" sz="1200" dirty="0">
+                <a:solidFill>
+                  <a:prstClr val="black"/>
+                </a:solidFill>
+              </a:rPr>
+              <a:t> # </a:t>
+            </a:r>
+            <a:r>
+              <a:rPr lang="zh-TW" altLang="en-US" sz="1200" dirty="0">
+                <a:solidFill>
+                  <a:prstClr val="black"/>
+                </a:solidFill>
+              </a:rPr>
+              <a:t>等待一段時間，模擬遊戲的更新速度</a:t>
+            </a:r>
+          </a:p>
+          <a:p>
+            <a:pPr lvl="0" defTabSz="914400">
+              <a:lnSpc>
+                <a:spcPct val="120000"/>
+              </a:lnSpc>
+              <a:spcBef>
+                <a:spcPts val="1000"/>
+              </a:spcBef>
+              <a:buClr>
+                <a:srgbClr val="B71E42"/>
+              </a:buClr>
+              <a:buSzPct val="100000"/>
+            </a:pPr>
+            <a:r>
+              <a:rPr lang="zh-TW" altLang="en-US" sz="1200" dirty="0">
+                <a:solidFill>
+                  <a:prstClr val="black"/>
+                </a:solidFill>
+              </a:rPr>
+              <a:t>        </a:t>
+            </a:r>
+            <a:r>
+              <a:rPr lang="en-US" altLang="zh-TW" sz="1200" dirty="0" err="1">
+                <a:solidFill>
+                  <a:prstClr val="black"/>
+                </a:solidFill>
+              </a:rPr>
+              <a:t>time.sleep</a:t>
+            </a:r>
+            <a:r>
+              <a:rPr lang="en-US" altLang="zh-TW" sz="1200" dirty="0">
+                <a:solidFill>
+                  <a:prstClr val="black"/>
+                </a:solidFill>
+              </a:rPr>
+              <a:t>(0.1)</a:t>
+            </a:r>
+          </a:p>
+          <a:p>
+            <a:pPr lvl="0" defTabSz="914400">
+              <a:lnSpc>
+                <a:spcPct val="120000"/>
+              </a:lnSpc>
+              <a:spcBef>
+                <a:spcPts val="1000"/>
+              </a:spcBef>
+              <a:buClr>
+                <a:srgbClr val="B71E42"/>
+              </a:buClr>
+              <a:buSzPct val="100000"/>
+            </a:pPr>
+            <a:endParaRPr lang="en-US" altLang="zh-TW" sz="1200" dirty="0">
+              <a:solidFill>
+                <a:prstClr val="black"/>
+              </a:solidFill>
+            </a:endParaRPr>
+          </a:p>
+          <a:p>
+            <a:pPr lvl="0" defTabSz="914400">
+              <a:lnSpc>
+                <a:spcPct val="120000"/>
+              </a:lnSpc>
+              <a:spcBef>
+                <a:spcPts val="1000"/>
+              </a:spcBef>
+              <a:buClr>
+                <a:srgbClr val="B71E42"/>
+              </a:buClr>
+              <a:buSzPct val="100000"/>
+            </a:pPr>
+            <a:r>
+              <a:rPr lang="en-US" altLang="zh-TW" sz="1200" dirty="0">
+                <a:solidFill>
+                  <a:prstClr val="black"/>
+                </a:solidFill>
+              </a:rPr>
+              <a:t>except </a:t>
+            </a:r>
+            <a:r>
+              <a:rPr lang="en-US" altLang="zh-TW" sz="1200" dirty="0" err="1">
+                <a:solidFill>
+                  <a:prstClr val="black"/>
+                </a:solidFill>
+              </a:rPr>
+              <a:t>KeyboardInterrupt</a:t>
+            </a:r>
+            <a:r>
+              <a:rPr lang="en-US" altLang="zh-TW" sz="1200" dirty="0">
+                <a:solidFill>
+                  <a:prstClr val="black"/>
+                </a:solidFill>
+              </a:rPr>
+              <a:t>:</a:t>
+            </a:r>
+          </a:p>
+          <a:p>
+            <a:pPr lvl="0" defTabSz="914400">
+              <a:lnSpc>
+                <a:spcPct val="120000"/>
+              </a:lnSpc>
+              <a:spcBef>
+                <a:spcPts val="1000"/>
+              </a:spcBef>
+              <a:buClr>
+                <a:srgbClr val="B71E42"/>
+              </a:buClr>
+              <a:buSzPct val="100000"/>
+            </a:pPr>
+            <a:r>
+              <a:rPr lang="en-US" altLang="zh-TW" sz="1200" dirty="0">
+                <a:solidFill>
+                  <a:prstClr val="black"/>
+                </a:solidFill>
+              </a:rPr>
+              <a:t>    # </a:t>
+            </a:r>
+            <a:r>
+              <a:rPr lang="zh-TW" altLang="en-US" sz="1200" dirty="0">
+                <a:solidFill>
+                  <a:prstClr val="black"/>
+                </a:solidFill>
+              </a:rPr>
+              <a:t>程式結束時清理</a:t>
+            </a:r>
+            <a:r>
+              <a:rPr lang="en-US" altLang="zh-TW" sz="1200" dirty="0">
+                <a:solidFill>
+                  <a:prstClr val="black"/>
+                </a:solidFill>
+              </a:rPr>
+              <a:t>GPIO</a:t>
+            </a:r>
+          </a:p>
+          <a:p>
+            <a:pPr lvl="0" defTabSz="914400">
+              <a:lnSpc>
+                <a:spcPct val="120000"/>
+              </a:lnSpc>
+              <a:spcBef>
+                <a:spcPts val="1000"/>
+              </a:spcBef>
+              <a:buClr>
+                <a:srgbClr val="B71E42"/>
+              </a:buClr>
+              <a:buSzPct val="100000"/>
+            </a:pPr>
+            <a:r>
+              <a:rPr lang="en-US" altLang="zh-TW" sz="1200" dirty="0">
+                <a:solidFill>
+                  <a:prstClr val="black"/>
+                </a:solidFill>
+              </a:rPr>
+              <a:t>    </a:t>
+            </a:r>
+            <a:r>
+              <a:rPr lang="en-US" altLang="zh-TW" sz="1200" dirty="0" err="1">
+                <a:solidFill>
+                  <a:prstClr val="black"/>
+                </a:solidFill>
+              </a:rPr>
+              <a:t>GPIO.cleanup</a:t>
+            </a:r>
+            <a:r>
+              <a:rPr lang="en-US" altLang="zh-TW" sz="1200" dirty="0">
+                <a:solidFill>
+                  <a:prstClr val="black"/>
+                </a:solidFill>
+              </a:rPr>
+              <a:t>()</a:t>
+            </a:r>
+            <a:endParaRPr lang="zh-TW" altLang="en-US" dirty="0"/>
+          </a:p>
+        </p:txBody>
+      </p:sp>
+    </p:spTree>
+    <p:extLst>
+      <p:ext uri="{BB962C8B-B14F-4D97-AF65-F5344CB8AC3E}">
+        <p14:creationId xmlns:p14="http://schemas.microsoft.com/office/powerpoint/2010/main" val="977769303"/>
+      </p:ext>
+    </p:extLst>
+  </p:cSld>
+  <p:clrMapOvr>
+    <a:masterClrMapping/>
+  </p:clrMapOvr>
+</p:sld>
+</file>
+
+<file path=ppt/slides/slide16.xml><?xml version="1.0" encoding="utf-8"?>
+<p:sld xmlns:a="http://schemas.openxmlformats.org/drawingml/2006/main" xmlns:r="http://schemas.openxmlformats.org/officeDocument/2006/relationships" xmlns:p="http://schemas.openxmlformats.org/presentationml/2006/main">
+  <p:cSld>
+    <p:spTree>
+      <p:nvGrpSpPr>
+        <p:cNvPr id="1" name=""/>
+        <p:cNvGrpSpPr/>
+        <p:nvPr/>
+      </p:nvGrpSpPr>
+      <p:grpSpPr>
+        <a:xfrm>
+          <a:off x="0" y="0"/>
+          <a:ext cx="0" cy="0"/>
+          <a:chOff x="0" y="0"/>
+          <a:chExt cx="0" cy="0"/>
+        </a:xfrm>
+      </p:grpSpPr>
+      <p:sp>
+        <p:nvSpPr>
+          <p:cNvPr id="2" name="標題 1"/>
+          <p:cNvSpPr>
+            <a:spLocks noGrp="1"/>
+          </p:cNvSpPr>
+          <p:nvPr>
+            <p:ph type="title"/>
+          </p:nvPr>
+        </p:nvSpPr>
+        <p:spPr/>
+        <p:txBody>
+          <a:bodyPr>
+            <a:normAutofit fontScale="90000"/>
+          </a:bodyPr>
+          <a:lstStyle/>
+          <a:p>
+            <a:r>
+              <a:rPr lang="zh-TW" altLang="en-US" dirty="0"/>
+              <a:t>使用樹梅派和觸控感測器（</a:t>
+            </a:r>
+            <a:r>
+              <a:rPr lang="en-US" altLang="zh-TW" dirty="0"/>
+              <a:t>TTP223B</a:t>
+            </a:r>
+            <a:r>
+              <a:rPr lang="zh-TW" altLang="en-US" dirty="0"/>
+              <a:t>）的電容式觸控開關模組 和新率感測器</a:t>
+            </a:r>
+            <a:r>
+              <a:rPr lang="en-US" altLang="zh-TW" dirty="0"/>
+              <a:t>MAX30102</a:t>
+            </a:r>
+            <a:r>
+              <a:rPr lang="zh-TW" altLang="en-US" dirty="0"/>
+              <a:t>做出類似</a:t>
+            </a:r>
+            <a:r>
+              <a:rPr lang="en-US" altLang="zh-TW" dirty="0"/>
+              <a:t>GOOGLE</a:t>
+            </a:r>
+            <a:r>
+              <a:rPr lang="zh-TW" altLang="en-US" dirty="0"/>
+              <a:t>小恐龍遊戲，使用觸摸電容式觸控開關模組控制，觸摸跳</a:t>
+            </a:r>
+            <a:r>
+              <a:rPr lang="en-US" altLang="zh-TW" dirty="0"/>
+              <a:t>,</a:t>
+            </a:r>
+            <a:r>
+              <a:rPr lang="zh-TW" altLang="en-US" dirty="0"/>
+              <a:t>且根據心率感測控制速度難度的遊戲</a:t>
+            </a:r>
+          </a:p>
+        </p:txBody>
+      </p:sp>
+      <p:sp>
+        <p:nvSpPr>
+          <p:cNvPr id="3" name="內容版面配置區 2"/>
+          <p:cNvSpPr>
+            <a:spLocks noGrp="1"/>
+          </p:cNvSpPr>
+          <p:nvPr>
+            <p:ph idx="1"/>
+          </p:nvPr>
+        </p:nvSpPr>
+        <p:spPr/>
+        <p:txBody>
+          <a:bodyPr>
+            <a:normAutofit fontScale="25000" lnSpcReduction="20000"/>
+          </a:bodyPr>
+          <a:lstStyle/>
+          <a:p>
+            <a:pPr marL="0" indent="0">
+              <a:buNone/>
+            </a:pPr>
+            <a:r>
+              <a:rPr lang="en-US" altLang="zh-TW" dirty="0"/>
+              <a:t>import </a:t>
+            </a:r>
+            <a:r>
+              <a:rPr lang="en-US" altLang="zh-TW" dirty="0" err="1"/>
+              <a:t>RPi.GPIO</a:t>
+            </a:r>
+            <a:r>
+              <a:rPr lang="en-US" altLang="zh-TW" dirty="0"/>
+              <a:t> as GPIO</a:t>
+            </a:r>
+          </a:p>
+          <a:p>
+            <a:pPr marL="0" indent="0">
+              <a:buNone/>
+            </a:pPr>
+            <a:r>
+              <a:rPr lang="en-US" altLang="zh-TW" dirty="0"/>
+              <a:t>import time</a:t>
+            </a:r>
+          </a:p>
+          <a:p>
+            <a:pPr marL="0" indent="0">
+              <a:buNone/>
+            </a:pPr>
+            <a:r>
+              <a:rPr lang="en-US" altLang="zh-TW" dirty="0"/>
+              <a:t>import random</a:t>
+            </a:r>
+          </a:p>
+          <a:p>
+            <a:pPr marL="0" indent="0">
+              <a:buNone/>
+            </a:pPr>
+            <a:endParaRPr lang="en-US" altLang="zh-TW" dirty="0"/>
+          </a:p>
+          <a:p>
+            <a:pPr marL="0" indent="0">
+              <a:buNone/>
+            </a:pPr>
+            <a:r>
+              <a:rPr lang="en-US" altLang="zh-TW" dirty="0"/>
+              <a:t># </a:t>
+            </a:r>
+            <a:r>
+              <a:rPr lang="zh-TW" altLang="en-US" dirty="0"/>
+              <a:t>設置</a:t>
+            </a:r>
+            <a:r>
+              <a:rPr lang="en-US" altLang="zh-TW" dirty="0"/>
+              <a:t>GPIO</a:t>
+            </a:r>
+            <a:r>
+              <a:rPr lang="zh-TW" altLang="en-US" dirty="0"/>
+              <a:t>模式</a:t>
+            </a:r>
+          </a:p>
+          <a:p>
+            <a:pPr marL="0" indent="0">
+              <a:buNone/>
+            </a:pPr>
+            <a:r>
+              <a:rPr lang="en-US" altLang="zh-TW" dirty="0" err="1"/>
+              <a:t>GPIO.setmode</a:t>
+            </a:r>
+            <a:r>
+              <a:rPr lang="en-US" altLang="zh-TW" dirty="0"/>
+              <a:t>(GPIO.BCM)</a:t>
+            </a:r>
+          </a:p>
+          <a:p>
+            <a:pPr marL="0" indent="0">
+              <a:buNone/>
+            </a:pPr>
+            <a:endParaRPr lang="en-US" altLang="zh-TW" dirty="0"/>
+          </a:p>
+          <a:p>
+            <a:pPr marL="0" indent="0">
+              <a:buNone/>
+            </a:pPr>
+            <a:r>
+              <a:rPr lang="en-US" altLang="zh-TW" dirty="0"/>
+              <a:t># </a:t>
+            </a:r>
+            <a:r>
+              <a:rPr lang="zh-TW" altLang="en-US" dirty="0"/>
+              <a:t>定義觸控感測器的引腳</a:t>
+            </a:r>
+          </a:p>
+          <a:p>
+            <a:pPr marL="0" indent="0">
+              <a:buNone/>
+            </a:pPr>
+            <a:r>
+              <a:rPr lang="en-US" altLang="zh-TW" dirty="0"/>
+              <a:t>TOUCH_PIN = 17</a:t>
+            </a:r>
+          </a:p>
+          <a:p>
+            <a:pPr marL="0" indent="0">
+              <a:buNone/>
+            </a:pPr>
+            <a:endParaRPr lang="en-US" altLang="zh-TW" dirty="0"/>
+          </a:p>
+          <a:p>
+            <a:pPr marL="0" indent="0">
+              <a:buNone/>
+            </a:pPr>
+            <a:r>
+              <a:rPr lang="en-US" altLang="zh-TW" dirty="0"/>
+              <a:t># </a:t>
+            </a:r>
+            <a:r>
+              <a:rPr lang="zh-TW" altLang="en-US" dirty="0"/>
+              <a:t>設置觸控感測器的引腳為輸入模式</a:t>
+            </a:r>
+          </a:p>
+          <a:p>
+            <a:pPr marL="0" indent="0">
+              <a:buNone/>
+            </a:pPr>
+            <a:r>
+              <a:rPr lang="en-US" altLang="zh-TW" dirty="0" err="1"/>
+              <a:t>GPIO.setup</a:t>
+            </a:r>
+            <a:r>
+              <a:rPr lang="en-US" altLang="zh-TW" dirty="0"/>
+              <a:t>(TOUCH_PIN, GPIO.IN)</a:t>
+            </a:r>
+          </a:p>
+          <a:p>
+            <a:pPr marL="0" indent="0">
+              <a:buNone/>
+            </a:pPr>
+            <a:endParaRPr lang="en-US" altLang="zh-TW" dirty="0"/>
+          </a:p>
+          <a:p>
+            <a:pPr marL="0" indent="0">
+              <a:buNone/>
+            </a:pPr>
+            <a:r>
+              <a:rPr lang="en-US" altLang="zh-TW" dirty="0"/>
+              <a:t># </a:t>
+            </a:r>
+            <a:r>
+              <a:rPr lang="zh-TW" altLang="en-US" dirty="0"/>
+              <a:t>設置心率感測器的虛擬數據，這裡使用隨機數</a:t>
+            </a:r>
+          </a:p>
+          <a:p>
+            <a:pPr marL="0" indent="0">
+              <a:buNone/>
+            </a:pPr>
+            <a:r>
+              <a:rPr lang="en-US" altLang="zh-TW" dirty="0" err="1"/>
+              <a:t>def</a:t>
+            </a:r>
+            <a:r>
+              <a:rPr lang="en-US" altLang="zh-TW" dirty="0"/>
+              <a:t> </a:t>
+            </a:r>
+            <a:r>
+              <a:rPr lang="en-US" altLang="zh-TW" dirty="0" err="1"/>
+              <a:t>get_heart_rate</a:t>
+            </a:r>
+            <a:r>
+              <a:rPr lang="en-US" altLang="zh-TW" dirty="0"/>
+              <a:t>():</a:t>
+            </a:r>
+          </a:p>
+          <a:p>
+            <a:pPr marL="0" indent="0">
+              <a:buNone/>
+            </a:pPr>
+            <a:r>
+              <a:rPr lang="en-US" altLang="zh-TW" dirty="0"/>
+              <a:t>    return </a:t>
+            </a:r>
+            <a:r>
+              <a:rPr lang="en-US" altLang="zh-TW" dirty="0" err="1"/>
+              <a:t>random.randint</a:t>
+            </a:r>
+            <a:r>
+              <a:rPr lang="en-US" altLang="zh-TW" dirty="0"/>
+              <a:t>(60, 120)</a:t>
+            </a:r>
+          </a:p>
+          <a:p>
+            <a:pPr marL="0" indent="0">
+              <a:buNone/>
+            </a:pPr>
+            <a:endParaRPr lang="en-US" altLang="zh-TW" dirty="0"/>
+          </a:p>
+          <a:p>
+            <a:pPr marL="0" indent="0">
+              <a:buNone/>
+            </a:pPr>
+            <a:r>
+              <a:rPr lang="en-US" altLang="zh-TW" dirty="0"/>
+              <a:t># </a:t>
+            </a:r>
+            <a:r>
+              <a:rPr lang="zh-TW" altLang="en-US" dirty="0"/>
+              <a:t>定義小恐龍的類別</a:t>
+            </a:r>
+          </a:p>
+          <a:p>
+            <a:pPr marL="0" indent="0">
+              <a:buNone/>
+            </a:pPr>
+            <a:r>
+              <a:rPr lang="en-US" altLang="zh-TW" dirty="0"/>
+              <a:t>class Dinosaur:</a:t>
+            </a:r>
+          </a:p>
+          <a:p>
+            <a:pPr marL="0" indent="0">
+              <a:buNone/>
+            </a:pPr>
+            <a:r>
+              <a:rPr lang="en-US" altLang="zh-TW" dirty="0"/>
+              <a:t>    </a:t>
+            </a:r>
+            <a:r>
+              <a:rPr lang="en-US" altLang="zh-TW" dirty="0" err="1"/>
+              <a:t>def</a:t>
+            </a:r>
+            <a:r>
+              <a:rPr lang="en-US" altLang="zh-TW" dirty="0"/>
+              <a:t> __</a:t>
+            </a:r>
+            <a:r>
+              <a:rPr lang="en-US" altLang="zh-TW" dirty="0" err="1"/>
+              <a:t>init</a:t>
+            </a:r>
+            <a:r>
+              <a:rPr lang="en-US" altLang="zh-TW" dirty="0"/>
+              <a:t>__(self):</a:t>
+            </a:r>
+          </a:p>
+          <a:p>
+            <a:pPr marL="0" indent="0">
+              <a:buNone/>
+            </a:pPr>
+            <a:r>
+              <a:rPr lang="en-US" altLang="zh-TW" dirty="0"/>
+              <a:t>        </a:t>
+            </a:r>
+            <a:r>
+              <a:rPr lang="en-US" altLang="zh-TW" dirty="0" err="1"/>
+              <a:t>self.y</a:t>
+            </a:r>
+            <a:r>
+              <a:rPr lang="en-US" altLang="zh-TW" dirty="0"/>
+              <a:t> = 0</a:t>
+            </a:r>
+          </a:p>
+          <a:p>
+            <a:pPr marL="0" indent="0">
+              <a:buNone/>
+            </a:pPr>
+            <a:r>
+              <a:rPr lang="en-US" altLang="zh-TW" dirty="0"/>
+              <a:t>        </a:t>
+            </a:r>
+            <a:r>
+              <a:rPr lang="en-US" altLang="zh-TW" dirty="0" err="1"/>
+              <a:t>self.vel_y</a:t>
+            </a:r>
+            <a:r>
+              <a:rPr lang="en-US" altLang="zh-TW" dirty="0"/>
+              <a:t> = 0</a:t>
+            </a:r>
+          </a:p>
+          <a:p>
+            <a:pPr marL="0" indent="0">
+              <a:buNone/>
+            </a:pPr>
+            <a:endParaRPr lang="en-US" altLang="zh-TW" dirty="0"/>
+          </a:p>
+          <a:p>
+            <a:pPr marL="0" indent="0">
+              <a:buNone/>
+            </a:pPr>
+            <a:r>
+              <a:rPr lang="en-US" altLang="zh-TW" dirty="0"/>
+              <a:t>    # </a:t>
+            </a:r>
+            <a:r>
+              <a:rPr lang="zh-TW" altLang="en-US" dirty="0"/>
+              <a:t>跳躍功能</a:t>
+            </a:r>
+          </a:p>
+          <a:p>
+            <a:pPr marL="0" indent="0">
+              <a:buNone/>
+            </a:pPr>
+            <a:r>
+              <a:rPr lang="zh-TW" altLang="en-US" dirty="0"/>
+              <a:t>    </a:t>
+            </a:r>
+            <a:r>
+              <a:rPr lang="en-US" altLang="zh-TW" dirty="0" err="1"/>
+              <a:t>def</a:t>
+            </a:r>
+            <a:r>
+              <a:rPr lang="en-US" altLang="zh-TW" dirty="0"/>
+              <a:t> jump(self):</a:t>
+            </a:r>
+          </a:p>
+          <a:p>
+            <a:pPr marL="0" indent="0">
+              <a:buNone/>
+            </a:pPr>
+            <a:r>
+              <a:rPr lang="en-US" altLang="zh-TW" dirty="0"/>
+              <a:t>        if </a:t>
+            </a:r>
+            <a:r>
+              <a:rPr lang="en-US" altLang="zh-TW" dirty="0" err="1"/>
+              <a:t>self.y</a:t>
+            </a:r>
+            <a:r>
+              <a:rPr lang="en-US" altLang="zh-TW" dirty="0"/>
+              <a:t> == 0:</a:t>
+            </a:r>
+          </a:p>
+          <a:p>
+            <a:pPr marL="0" indent="0">
+              <a:buNone/>
+            </a:pPr>
+            <a:r>
+              <a:rPr lang="en-US" altLang="zh-TW" dirty="0"/>
+              <a:t>            </a:t>
+            </a:r>
+            <a:r>
+              <a:rPr lang="en-US" altLang="zh-TW" dirty="0" err="1"/>
+              <a:t>self.vel_y</a:t>
+            </a:r>
+            <a:r>
+              <a:rPr lang="en-US" altLang="zh-TW" dirty="0"/>
+              <a:t> = 10</a:t>
+            </a:r>
+          </a:p>
+          <a:p>
+            <a:pPr marL="0" indent="0">
+              <a:buNone/>
+            </a:pPr>
+            <a:endParaRPr lang="en-US" altLang="zh-TW" dirty="0"/>
+          </a:p>
+          <a:p>
+            <a:pPr marL="0" indent="0">
+              <a:buNone/>
+            </a:pPr>
+            <a:r>
+              <a:rPr lang="en-US" altLang="zh-TW" dirty="0"/>
+              <a:t>    # </a:t>
+            </a:r>
+            <a:r>
+              <a:rPr lang="zh-TW" altLang="en-US" dirty="0"/>
+              <a:t>更新小恐龍的位置</a:t>
+            </a:r>
+          </a:p>
+          <a:p>
+            <a:pPr marL="0" indent="0">
+              <a:buNone/>
+            </a:pPr>
+            <a:r>
+              <a:rPr lang="zh-TW" altLang="en-US" dirty="0"/>
+              <a:t>    </a:t>
+            </a:r>
+            <a:r>
+              <a:rPr lang="en-US" altLang="zh-TW" dirty="0" err="1"/>
+              <a:t>def</a:t>
+            </a:r>
+            <a:r>
+              <a:rPr lang="en-US" altLang="zh-TW" dirty="0"/>
+              <a:t> update(self):</a:t>
+            </a:r>
+          </a:p>
+          <a:p>
+            <a:pPr marL="0" indent="0">
+              <a:buNone/>
+            </a:pPr>
+            <a:r>
+              <a:rPr lang="en-US" altLang="zh-TW" dirty="0"/>
+              <a:t>        </a:t>
+            </a:r>
+            <a:r>
+              <a:rPr lang="en-US" altLang="zh-TW" dirty="0" err="1"/>
+              <a:t>self.y</a:t>
+            </a:r>
+            <a:r>
+              <a:rPr lang="en-US" altLang="zh-TW" dirty="0"/>
+              <a:t> += </a:t>
+            </a:r>
+            <a:r>
+              <a:rPr lang="en-US" altLang="zh-TW" dirty="0" err="1"/>
+              <a:t>self.vel_y</a:t>
+            </a:r>
+            <a:endParaRPr lang="en-US" altLang="zh-TW" dirty="0"/>
+          </a:p>
+          <a:p>
+            <a:pPr marL="0" indent="0">
+              <a:buNone/>
+            </a:pPr>
+            <a:r>
+              <a:rPr lang="en-US" altLang="zh-TW" dirty="0"/>
+              <a:t>        </a:t>
+            </a:r>
+            <a:r>
+              <a:rPr lang="en-US" altLang="zh-TW" dirty="0" err="1"/>
+              <a:t>self.vel_y</a:t>
+            </a:r>
+            <a:r>
+              <a:rPr lang="en-US" altLang="zh-TW" dirty="0"/>
+              <a:t> -= 1</a:t>
+            </a:r>
+          </a:p>
+          <a:p>
+            <a:pPr marL="0" indent="0">
+              <a:buNone/>
+            </a:pPr>
+            <a:r>
+              <a:rPr lang="en-US" altLang="zh-TW" dirty="0"/>
+              <a:t>        if </a:t>
+            </a:r>
+            <a:r>
+              <a:rPr lang="en-US" altLang="zh-TW" dirty="0" err="1"/>
+              <a:t>self.y</a:t>
+            </a:r>
+            <a:r>
+              <a:rPr lang="en-US" altLang="zh-TW" dirty="0"/>
+              <a:t> &lt; 0:</a:t>
+            </a:r>
+          </a:p>
+          <a:p>
+            <a:pPr marL="0" indent="0">
+              <a:buNone/>
+            </a:pPr>
+            <a:r>
+              <a:rPr lang="en-US" altLang="zh-TW" dirty="0"/>
+              <a:t>            </a:t>
+            </a:r>
+            <a:r>
+              <a:rPr lang="en-US" altLang="zh-TW" dirty="0" err="1"/>
+              <a:t>self.y</a:t>
+            </a:r>
+            <a:r>
+              <a:rPr lang="en-US" altLang="zh-TW" dirty="0"/>
+              <a:t> = 0</a:t>
+            </a:r>
+          </a:p>
+          <a:p>
+            <a:pPr marL="0" indent="0">
+              <a:buNone/>
+            </a:pPr>
+            <a:endParaRPr lang="en-US" altLang="zh-TW" dirty="0"/>
+          </a:p>
+          <a:p>
+            <a:pPr marL="0" indent="0">
+              <a:buNone/>
+            </a:pPr>
+            <a:r>
+              <a:rPr lang="en-US" altLang="zh-TW" dirty="0"/>
+              <a:t># </a:t>
+            </a:r>
+            <a:r>
+              <a:rPr lang="zh-TW" altLang="en-US" dirty="0"/>
+              <a:t>初始化小恐龍</a:t>
+            </a:r>
+          </a:p>
+          <a:p>
+            <a:pPr marL="0" indent="0">
+              <a:buNone/>
+            </a:pPr>
+            <a:r>
+              <a:rPr lang="en-US" altLang="zh-TW" dirty="0" err="1"/>
+              <a:t>dino</a:t>
+            </a:r>
+            <a:r>
+              <a:rPr lang="en-US" altLang="zh-TW" dirty="0"/>
+              <a:t> = Dinosaur()</a:t>
+            </a:r>
+          </a:p>
+          <a:p>
+            <a:pPr marL="0" indent="0">
+              <a:buNone/>
+            </a:pPr>
+            <a:endParaRPr lang="en-US" altLang="zh-TW" dirty="0"/>
+          </a:p>
+          <a:p>
+            <a:pPr marL="0" indent="0">
+              <a:buNone/>
+            </a:pPr>
+            <a:r>
+              <a:rPr lang="en-US" altLang="zh-TW" dirty="0"/>
+              <a:t>try:</a:t>
+            </a:r>
+          </a:p>
+          <a:p>
+            <a:pPr marL="0" indent="0">
+              <a:buNone/>
+            </a:pPr>
+            <a:r>
+              <a:rPr lang="en-US" altLang="zh-TW" dirty="0"/>
+              <a:t>    while True:</a:t>
+            </a:r>
+          </a:p>
+          <a:p>
+            <a:pPr marL="0" indent="0">
+              <a:buNone/>
+            </a:pPr>
+            <a:r>
+              <a:rPr lang="en-US" altLang="zh-TW" dirty="0"/>
+              <a:t>        # </a:t>
+            </a:r>
+            <a:r>
+              <a:rPr lang="zh-TW" altLang="en-US" dirty="0"/>
+              <a:t>讀取觸摸感測器的狀態</a:t>
+            </a:r>
+          </a:p>
+          <a:p>
+            <a:pPr marL="0" indent="0">
+              <a:buNone/>
+            </a:pPr>
+            <a:r>
+              <a:rPr lang="zh-TW" altLang="en-US" dirty="0"/>
+              <a:t>        </a:t>
+            </a:r>
+            <a:r>
+              <a:rPr lang="en-US" altLang="zh-TW" dirty="0" err="1"/>
+              <a:t>touch_state</a:t>
+            </a:r>
+            <a:r>
+              <a:rPr lang="en-US" altLang="zh-TW" dirty="0"/>
+              <a:t> = </a:t>
+            </a:r>
+            <a:r>
+              <a:rPr lang="en-US" altLang="zh-TW" dirty="0" err="1"/>
+              <a:t>GPIO.input</a:t>
+            </a:r>
+            <a:r>
+              <a:rPr lang="en-US" altLang="zh-TW" dirty="0"/>
+              <a:t>(TOUCH_PIN)</a:t>
+            </a:r>
+          </a:p>
+          <a:p>
+            <a:pPr marL="0" indent="0">
+              <a:buNone/>
+            </a:pPr>
+            <a:endParaRPr lang="en-US" altLang="zh-TW" dirty="0"/>
+          </a:p>
+          <a:p>
+            <a:pPr marL="0" indent="0">
+              <a:buNone/>
+            </a:pPr>
+            <a:r>
+              <a:rPr lang="en-US" altLang="zh-TW" dirty="0"/>
+              <a:t>        # </a:t>
+            </a:r>
+            <a:r>
+              <a:rPr lang="zh-TW" altLang="en-US" dirty="0"/>
+              <a:t>如果觸摸感測器被觸摸，小恐龍跳躍</a:t>
+            </a:r>
+          </a:p>
+          <a:p>
+            <a:pPr marL="0" indent="0">
+              <a:buNone/>
+            </a:pPr>
+            <a:r>
+              <a:rPr lang="zh-TW" altLang="en-US" dirty="0"/>
+              <a:t>        </a:t>
+            </a:r>
+            <a:r>
+              <a:rPr lang="en-US" altLang="zh-TW" dirty="0"/>
+              <a:t>if </a:t>
+            </a:r>
+            <a:r>
+              <a:rPr lang="en-US" altLang="zh-TW" dirty="0" err="1"/>
+              <a:t>touch_state</a:t>
+            </a:r>
+            <a:r>
+              <a:rPr lang="en-US" altLang="zh-TW" dirty="0"/>
+              <a:t> == GPIO.HIGH:</a:t>
+            </a:r>
+          </a:p>
+          <a:p>
+            <a:pPr marL="0" indent="0">
+              <a:buNone/>
+            </a:pPr>
+            <a:r>
+              <a:rPr lang="en-US" altLang="zh-TW" dirty="0"/>
+              <a:t>            </a:t>
+            </a:r>
+            <a:r>
+              <a:rPr lang="en-US" altLang="zh-TW" dirty="0" err="1"/>
+              <a:t>dino.jump</a:t>
+            </a:r>
+            <a:r>
+              <a:rPr lang="en-US" altLang="zh-TW" dirty="0"/>
+              <a:t>()</a:t>
+            </a:r>
+          </a:p>
+          <a:p>
+            <a:pPr marL="0" indent="0">
+              <a:buNone/>
+            </a:pPr>
+            <a:endParaRPr lang="en-US" altLang="zh-TW" dirty="0"/>
+          </a:p>
+          <a:p>
+            <a:pPr marL="0" indent="0">
+              <a:buNone/>
+            </a:pPr>
+            <a:r>
+              <a:rPr lang="en-US" altLang="zh-TW" dirty="0"/>
+              <a:t>        # </a:t>
+            </a:r>
+            <a:r>
+              <a:rPr lang="zh-TW" altLang="en-US" dirty="0"/>
+              <a:t>更新小恐龍的位置</a:t>
+            </a:r>
+          </a:p>
+          <a:p>
+            <a:pPr marL="0" indent="0">
+              <a:buNone/>
+            </a:pPr>
+            <a:r>
+              <a:rPr lang="zh-TW" altLang="en-US" dirty="0"/>
+              <a:t>        </a:t>
+            </a:r>
+            <a:r>
+              <a:rPr lang="en-US" altLang="zh-TW" dirty="0" err="1"/>
+              <a:t>dino.update</a:t>
+            </a:r>
+            <a:r>
+              <a:rPr lang="en-US" altLang="zh-TW" dirty="0"/>
+              <a:t>()</a:t>
+            </a:r>
+          </a:p>
+          <a:p>
+            <a:pPr marL="0" indent="0">
+              <a:buNone/>
+            </a:pPr>
+            <a:endParaRPr lang="en-US" altLang="zh-TW" dirty="0"/>
+          </a:p>
+          <a:p>
+            <a:pPr marL="0" indent="0">
+              <a:buNone/>
+            </a:pPr>
+            <a:r>
+              <a:rPr lang="en-US" altLang="zh-TW" dirty="0"/>
+              <a:t>        # </a:t>
+            </a:r>
+            <a:r>
+              <a:rPr lang="zh-TW" altLang="en-US" dirty="0"/>
+              <a:t>獲取心率數據</a:t>
+            </a:r>
+          </a:p>
+          <a:p>
+            <a:pPr marL="0" indent="0">
+              <a:buNone/>
+            </a:pPr>
+            <a:r>
+              <a:rPr lang="zh-TW" altLang="en-US" dirty="0"/>
+              <a:t>        </a:t>
+            </a:r>
+            <a:r>
+              <a:rPr lang="en-US" altLang="zh-TW" dirty="0" err="1"/>
+              <a:t>heart_rate</a:t>
+            </a:r>
+            <a:r>
+              <a:rPr lang="en-US" altLang="zh-TW" dirty="0"/>
+              <a:t> = </a:t>
+            </a:r>
+            <a:r>
+              <a:rPr lang="en-US" altLang="zh-TW" dirty="0" err="1"/>
+              <a:t>get_heart_rate</a:t>
+            </a:r>
+            <a:r>
+              <a:rPr lang="en-US" altLang="zh-TW" dirty="0"/>
+              <a:t>()</a:t>
+            </a:r>
+          </a:p>
+          <a:p>
+            <a:pPr marL="0" indent="0">
+              <a:buNone/>
+            </a:pPr>
+            <a:endParaRPr lang="en-US" altLang="zh-TW" dirty="0"/>
+          </a:p>
+          <a:p>
+            <a:pPr marL="0" indent="0">
+              <a:buNone/>
+            </a:pPr>
+            <a:r>
+              <a:rPr lang="en-US" altLang="zh-TW" dirty="0"/>
+              <a:t>        # </a:t>
+            </a:r>
+            <a:r>
+              <a:rPr lang="zh-TW" altLang="en-US" dirty="0"/>
+              <a:t>根據心率調整遊戲速度和難度</a:t>
+            </a:r>
+          </a:p>
+          <a:p>
+            <a:pPr marL="0" indent="0">
+              <a:buNone/>
+            </a:pPr>
+            <a:r>
+              <a:rPr lang="zh-TW" altLang="en-US" dirty="0"/>
+              <a:t>        </a:t>
+            </a:r>
+            <a:r>
+              <a:rPr lang="en-US" altLang="zh-TW" dirty="0"/>
+              <a:t># </a:t>
+            </a:r>
+            <a:r>
+              <a:rPr lang="zh-TW" altLang="en-US" dirty="0"/>
+              <a:t>這裡只是一個示例，你可以根據具體需求調整遊戲邏輯</a:t>
+            </a:r>
+          </a:p>
+          <a:p>
+            <a:pPr marL="0" indent="0">
+              <a:buNone/>
+            </a:pPr>
+            <a:r>
+              <a:rPr lang="zh-TW" altLang="en-US" dirty="0"/>
+              <a:t>        </a:t>
+            </a:r>
+            <a:r>
+              <a:rPr lang="en-US" altLang="zh-TW" dirty="0"/>
+              <a:t># </a:t>
+            </a:r>
+            <a:r>
+              <a:rPr lang="zh-TW" altLang="en-US" dirty="0"/>
+              <a:t>例如，根據心率增加障礙物的數量或移動速度</a:t>
+            </a:r>
+          </a:p>
+          <a:p>
+            <a:pPr marL="0" indent="0">
+              <a:buNone/>
+            </a:pPr>
+            <a:r>
+              <a:rPr lang="zh-TW" altLang="en-US" dirty="0"/>
+              <a:t>        </a:t>
+            </a:r>
+            <a:r>
+              <a:rPr lang="en-US" altLang="zh-TW" dirty="0"/>
+              <a:t>print("</a:t>
+            </a:r>
+            <a:r>
+              <a:rPr lang="zh-TW" altLang="en-US" dirty="0"/>
+              <a:t>心率：</a:t>
+            </a:r>
+            <a:r>
+              <a:rPr lang="en-US" altLang="zh-TW" dirty="0"/>
+              <a:t>", </a:t>
+            </a:r>
+            <a:r>
+              <a:rPr lang="en-US" altLang="zh-TW" dirty="0" err="1"/>
+              <a:t>heart_rate</a:t>
+            </a:r>
+            <a:r>
+              <a:rPr lang="en-US" altLang="zh-TW" dirty="0"/>
+              <a:t>)</a:t>
+            </a:r>
+          </a:p>
+          <a:p>
+            <a:pPr marL="0" indent="0">
+              <a:buNone/>
+            </a:pPr>
+            <a:endParaRPr lang="en-US" altLang="zh-TW" dirty="0"/>
+          </a:p>
+          <a:p>
+            <a:pPr marL="0" indent="0">
+              <a:buNone/>
+            </a:pPr>
+            <a:r>
+              <a:rPr lang="en-US" altLang="zh-TW" dirty="0"/>
+              <a:t>        # </a:t>
+            </a:r>
+            <a:r>
+              <a:rPr lang="zh-TW" altLang="en-US" dirty="0"/>
+              <a:t>等待一段時間，模擬遊戲的更新速度</a:t>
+            </a:r>
+          </a:p>
+          <a:p>
+            <a:pPr marL="0" indent="0">
+              <a:buNone/>
+            </a:pPr>
+            <a:r>
+              <a:rPr lang="zh-TW" altLang="en-US" dirty="0"/>
+              <a:t>        </a:t>
+            </a:r>
+            <a:r>
+              <a:rPr lang="en-US" altLang="zh-TW" dirty="0" err="1"/>
+              <a:t>time.sleep</a:t>
+            </a:r>
+            <a:r>
+              <a:rPr lang="en-US" altLang="zh-TW" dirty="0"/>
+              <a:t>(0.1)</a:t>
+            </a:r>
+          </a:p>
+          <a:p>
+            <a:pPr marL="0" indent="0">
+              <a:buNone/>
+            </a:pPr>
+            <a:endParaRPr lang="en-US" altLang="zh-TW" dirty="0"/>
+          </a:p>
+          <a:p>
+            <a:pPr marL="0" indent="0">
+              <a:buNone/>
+            </a:pPr>
+            <a:r>
+              <a:rPr lang="en-US" altLang="zh-TW" dirty="0"/>
+              <a:t>except </a:t>
+            </a:r>
+            <a:r>
+              <a:rPr lang="en-US" altLang="zh-TW" dirty="0" err="1"/>
+              <a:t>KeyboardInterrupt</a:t>
+            </a:r>
+            <a:r>
+              <a:rPr lang="en-US" altLang="zh-TW" dirty="0"/>
+              <a:t>:</a:t>
+            </a:r>
+          </a:p>
+          <a:p>
+            <a:pPr marL="0" indent="0">
+              <a:buNone/>
+            </a:pPr>
+            <a:r>
+              <a:rPr lang="en-US" altLang="zh-TW" dirty="0"/>
+              <a:t>    # </a:t>
+            </a:r>
+            <a:r>
+              <a:rPr lang="zh-TW" altLang="en-US" dirty="0"/>
+              <a:t>程式結束時清理</a:t>
+            </a:r>
+            <a:r>
+              <a:rPr lang="en-US" altLang="zh-TW" dirty="0"/>
+              <a:t>GPIO</a:t>
+            </a:r>
+          </a:p>
+          <a:p>
+            <a:pPr marL="0" indent="0">
+              <a:buNone/>
+            </a:pPr>
+            <a:r>
+              <a:rPr lang="en-US" altLang="zh-TW" dirty="0"/>
+              <a:t>    </a:t>
+            </a:r>
+            <a:r>
+              <a:rPr lang="en-US" altLang="zh-TW" dirty="0" err="1"/>
+              <a:t>GPIO.cleanup</a:t>
+            </a:r>
+            <a:r>
+              <a:rPr lang="en-US" altLang="zh-TW" dirty="0"/>
+              <a:t>()</a:t>
+            </a:r>
+          </a:p>
+          <a:p>
+            <a:pPr marL="0" indent="0">
+              <a:buNone/>
+            </a:pPr>
+            <a:endParaRPr lang="en-US" altLang="zh-TW" dirty="0"/>
+          </a:p>
+        </p:txBody>
+      </p:sp>
+    </p:spTree>
+    <p:extLst>
+      <p:ext uri="{BB962C8B-B14F-4D97-AF65-F5344CB8AC3E}">
+        <p14:creationId xmlns:p14="http://schemas.microsoft.com/office/powerpoint/2010/main" val="2411104058"/>
+      </p:ext>
+    </p:extLst>
+  </p:cSld>
+  <p:clrMapOvr>
+    <a:masterClrMapping/>
+  </p:clrMapOvr>
+</p:sld>
+</file>
+
+<file path=ppt/slides/slide17.xml><?xml version="1.0" encoding="utf-8"?>
+<p:sld xmlns:a="http://schemas.openxmlformats.org/drawingml/2006/main" xmlns:r="http://schemas.openxmlformats.org/officeDocument/2006/relationships" xmlns:p="http://schemas.openxmlformats.org/presentationml/2006/main">
+  <p:cSld>
+    <p:spTree>
+      <p:nvGrpSpPr>
+        <p:cNvPr id="1" name=""/>
+        <p:cNvGrpSpPr/>
+        <p:nvPr/>
+      </p:nvGrpSpPr>
+      <p:grpSpPr>
+        <a:xfrm>
+          <a:off x="0" y="0"/>
+          <a:ext cx="0" cy="0"/>
+          <a:chOff x="0" y="0"/>
+          <a:chExt cx="0" cy="0"/>
+        </a:xfrm>
+      </p:grpSpPr>
+      <p:sp>
+        <p:nvSpPr>
+          <p:cNvPr id="2" name="標題 1"/>
+          <p:cNvSpPr>
+            <a:spLocks noGrp="1"/>
+          </p:cNvSpPr>
+          <p:nvPr>
+            <p:ph type="title"/>
+          </p:nvPr>
+        </p:nvSpPr>
+        <p:spPr/>
+        <p:txBody>
+          <a:bodyPr/>
+          <a:lstStyle/>
+          <a:p>
+            <a:endParaRPr lang="zh-TW" altLang="en-US"/>
+          </a:p>
+        </p:txBody>
+      </p:sp>
+      <p:sp>
+        <p:nvSpPr>
+          <p:cNvPr id="3" name="內容版面配置區 2"/>
+          <p:cNvSpPr>
+            <a:spLocks noGrp="1"/>
+          </p:cNvSpPr>
+          <p:nvPr>
+            <p:ph idx="1"/>
+          </p:nvPr>
+        </p:nvSpPr>
+        <p:spPr/>
+        <p:txBody>
+          <a:bodyPr>
+            <a:normAutofit fontScale="25000" lnSpcReduction="20000"/>
+          </a:bodyPr>
+          <a:lstStyle/>
+          <a:p>
+            <a:r>
+              <a:rPr lang="en-US" altLang="zh-TW" dirty="0"/>
+              <a:t>import </a:t>
+            </a:r>
+            <a:r>
+              <a:rPr lang="en-US" altLang="zh-TW" dirty="0" err="1"/>
+              <a:t>pygame</a:t>
+            </a:r>
+            <a:endParaRPr lang="en-US" altLang="zh-TW" dirty="0"/>
+          </a:p>
+          <a:p>
+            <a:r>
+              <a:rPr lang="en-US" altLang="zh-TW" dirty="0"/>
+              <a:t>from </a:t>
+            </a:r>
+            <a:r>
+              <a:rPr lang="en-US" altLang="zh-TW" dirty="0" err="1"/>
+              <a:t>pygame.locals</a:t>
+            </a:r>
+            <a:r>
+              <a:rPr lang="en-US" altLang="zh-TW" dirty="0"/>
+              <a:t> import *</a:t>
+            </a:r>
+          </a:p>
+          <a:p>
+            <a:r>
+              <a:rPr lang="en-US" altLang="zh-TW" dirty="0"/>
+              <a:t>import </a:t>
+            </a:r>
+            <a:r>
+              <a:rPr lang="en-US" altLang="zh-TW" dirty="0" err="1"/>
+              <a:t>RPi.GPIO</a:t>
+            </a:r>
+            <a:r>
+              <a:rPr lang="en-US" altLang="zh-TW" dirty="0"/>
+              <a:t> as GPIO</a:t>
+            </a:r>
+          </a:p>
+          <a:p>
+            <a:r>
+              <a:rPr lang="en-US" altLang="zh-TW" dirty="0"/>
+              <a:t>import time</a:t>
+            </a:r>
+          </a:p>
+          <a:p>
+            <a:r>
+              <a:rPr lang="en-US" altLang="zh-TW" dirty="0"/>
+              <a:t>import </a:t>
+            </a:r>
+            <a:r>
+              <a:rPr lang="en-US" altLang="zh-TW" dirty="0" err="1"/>
+              <a:t>smbus</a:t>
+            </a:r>
+            <a:endParaRPr lang="en-US" altLang="zh-TW" dirty="0"/>
+          </a:p>
+          <a:p>
+            <a:endParaRPr lang="en-US" altLang="zh-TW" dirty="0"/>
+          </a:p>
+          <a:p>
+            <a:r>
+              <a:rPr lang="en-US" altLang="zh-TW" dirty="0"/>
+              <a:t># </a:t>
+            </a:r>
+            <a:r>
+              <a:rPr lang="zh-TW" altLang="en-US" dirty="0"/>
+              <a:t>初始化</a:t>
+            </a:r>
+            <a:r>
+              <a:rPr lang="en-US" altLang="zh-TW" dirty="0" err="1"/>
+              <a:t>pygame</a:t>
+            </a:r>
+            <a:endParaRPr lang="en-US" altLang="zh-TW" dirty="0"/>
+          </a:p>
+          <a:p>
+            <a:r>
+              <a:rPr lang="en-US" altLang="zh-TW" dirty="0" err="1"/>
+              <a:t>pygame.init</a:t>
+            </a:r>
+            <a:r>
+              <a:rPr lang="en-US" altLang="zh-TW" dirty="0"/>
+              <a:t>()</a:t>
+            </a:r>
+          </a:p>
+          <a:p>
+            <a:endParaRPr lang="en-US" altLang="zh-TW" dirty="0"/>
+          </a:p>
+          <a:p>
+            <a:r>
+              <a:rPr lang="en-US" altLang="zh-TW" dirty="0"/>
+              <a:t># </a:t>
+            </a:r>
+            <a:r>
+              <a:rPr lang="zh-TW" altLang="en-US" dirty="0"/>
+              <a:t>設置遊戲視窗</a:t>
+            </a:r>
+          </a:p>
+          <a:p>
+            <a:r>
+              <a:rPr lang="en-US" altLang="zh-TW" dirty="0"/>
+              <a:t>WINDOW_WIDTH = 800</a:t>
+            </a:r>
+          </a:p>
+          <a:p>
+            <a:r>
+              <a:rPr lang="en-US" altLang="zh-TW" dirty="0"/>
+              <a:t>WINDOW_HEIGHT = 400</a:t>
+            </a:r>
+          </a:p>
+          <a:p>
+            <a:r>
+              <a:rPr lang="en-US" altLang="zh-TW" dirty="0"/>
+              <a:t>window = </a:t>
+            </a:r>
+            <a:r>
+              <a:rPr lang="en-US" altLang="zh-TW" dirty="0" err="1"/>
+              <a:t>pygame.display.set_mode</a:t>
+            </a:r>
+            <a:r>
+              <a:rPr lang="en-US" altLang="zh-TW" dirty="0"/>
+              <a:t>((WINDOW_WIDTH, WINDOW_HEIGHT))</a:t>
+            </a:r>
+          </a:p>
+          <a:p>
+            <a:r>
+              <a:rPr lang="en-US" altLang="zh-TW" dirty="0" err="1"/>
+              <a:t>pygame.display.set_caption</a:t>
+            </a:r>
+            <a:r>
+              <a:rPr lang="en-US" altLang="zh-TW" dirty="0"/>
+              <a:t>('Dino Jump Game')</a:t>
+            </a:r>
+          </a:p>
+          <a:p>
+            <a:endParaRPr lang="en-US" altLang="zh-TW" dirty="0"/>
+          </a:p>
+          <a:p>
+            <a:r>
+              <a:rPr lang="en-US" altLang="zh-TW" dirty="0"/>
+              <a:t># </a:t>
+            </a:r>
+            <a:r>
+              <a:rPr lang="zh-TW" altLang="en-US" dirty="0"/>
+              <a:t>初始化</a:t>
+            </a:r>
+            <a:r>
+              <a:rPr lang="en-US" altLang="zh-TW" dirty="0"/>
+              <a:t>GPIO</a:t>
+            </a:r>
+          </a:p>
+          <a:p>
+            <a:r>
+              <a:rPr lang="en-US" altLang="zh-TW" dirty="0"/>
+              <a:t>TOUCH_PIN = 18</a:t>
+            </a:r>
+          </a:p>
+          <a:p>
+            <a:r>
+              <a:rPr lang="en-US" altLang="zh-TW" dirty="0" err="1"/>
+              <a:t>GPIO.setmode</a:t>
+            </a:r>
+            <a:r>
+              <a:rPr lang="en-US" altLang="zh-TW" dirty="0"/>
+              <a:t>(GPIO.BCM)</a:t>
+            </a:r>
+          </a:p>
+          <a:p>
+            <a:r>
+              <a:rPr lang="en-US" altLang="zh-TW" dirty="0" err="1"/>
+              <a:t>GPIO.setup</a:t>
+            </a:r>
+            <a:r>
+              <a:rPr lang="en-US" altLang="zh-TW" dirty="0"/>
+              <a:t>(TOUCH_PIN, GPIO.IN)</a:t>
+            </a:r>
+          </a:p>
+          <a:p>
+            <a:endParaRPr lang="en-US" altLang="zh-TW" dirty="0"/>
+          </a:p>
+          <a:p>
+            <a:r>
+              <a:rPr lang="en-US" altLang="zh-TW" dirty="0"/>
+              <a:t># </a:t>
+            </a:r>
+            <a:r>
+              <a:rPr lang="zh-TW" altLang="en-US" dirty="0"/>
+              <a:t>初始化</a:t>
+            </a:r>
+            <a:r>
+              <a:rPr lang="en-US" altLang="zh-TW" dirty="0"/>
+              <a:t>I2C</a:t>
+            </a:r>
+            <a:r>
+              <a:rPr lang="zh-TW" altLang="en-US" dirty="0"/>
+              <a:t>接口</a:t>
+            </a:r>
+          </a:p>
+          <a:p>
+            <a:r>
+              <a:rPr lang="en-US" altLang="zh-TW" dirty="0"/>
+              <a:t>bus = </a:t>
+            </a:r>
+            <a:r>
+              <a:rPr lang="en-US" altLang="zh-TW" dirty="0" err="1"/>
+              <a:t>smbus.SMBus</a:t>
+            </a:r>
+            <a:r>
+              <a:rPr lang="en-US" altLang="zh-TW" dirty="0"/>
+              <a:t>(1)</a:t>
+            </a:r>
+          </a:p>
+          <a:p>
+            <a:r>
+              <a:rPr lang="en-US" altLang="zh-TW" dirty="0"/>
+              <a:t>MAX30102_ADDR = 0x57</a:t>
+            </a:r>
+          </a:p>
+          <a:p>
+            <a:endParaRPr lang="en-US" altLang="zh-TW" dirty="0"/>
+          </a:p>
+          <a:p>
+            <a:r>
+              <a:rPr lang="en-US" altLang="zh-TW" dirty="0"/>
+              <a:t># </a:t>
+            </a:r>
+            <a:r>
+              <a:rPr lang="zh-TW" altLang="en-US" dirty="0"/>
+              <a:t>定義一些顏色</a:t>
+            </a:r>
+          </a:p>
+          <a:p>
+            <a:r>
+              <a:rPr lang="en-US" altLang="zh-TW" dirty="0"/>
+              <a:t>WHITE = (255, 255, 255)</a:t>
+            </a:r>
+          </a:p>
+          <a:p>
+            <a:r>
+              <a:rPr lang="en-US" altLang="zh-TW" dirty="0"/>
+              <a:t>BLACK = (0, 0, 0)</a:t>
+            </a:r>
+          </a:p>
+          <a:p>
+            <a:endParaRPr lang="en-US" altLang="zh-TW" dirty="0"/>
+          </a:p>
+          <a:p>
+            <a:r>
+              <a:rPr lang="en-US" altLang="zh-TW" dirty="0"/>
+              <a:t># </a:t>
+            </a:r>
+            <a:r>
+              <a:rPr lang="zh-TW" altLang="en-US" dirty="0"/>
+              <a:t>定義小恐龍的初始位置和速度</a:t>
+            </a:r>
+          </a:p>
+          <a:p>
+            <a:r>
+              <a:rPr lang="en-US" altLang="zh-TW" dirty="0" err="1"/>
+              <a:t>dino_x</a:t>
+            </a:r>
+            <a:r>
+              <a:rPr lang="en-US" altLang="zh-TW" dirty="0"/>
+              <a:t> = 100</a:t>
+            </a:r>
+          </a:p>
+          <a:p>
+            <a:r>
+              <a:rPr lang="en-US" altLang="zh-TW" dirty="0" err="1"/>
+              <a:t>dino_y</a:t>
+            </a:r>
+            <a:r>
+              <a:rPr lang="en-US" altLang="zh-TW" dirty="0"/>
+              <a:t> = WINDOW_HEIGHT - 50</a:t>
+            </a:r>
+          </a:p>
+          <a:p>
+            <a:r>
+              <a:rPr lang="en-US" altLang="zh-TW" dirty="0" err="1"/>
+              <a:t>dino_vel_y</a:t>
+            </a:r>
+            <a:r>
+              <a:rPr lang="en-US" altLang="zh-TW" dirty="0"/>
+              <a:t> = 0</a:t>
+            </a:r>
+          </a:p>
+          <a:p>
+            <a:endParaRPr lang="en-US" altLang="zh-TW" dirty="0"/>
+          </a:p>
+          <a:p>
+            <a:r>
+              <a:rPr lang="en-US" altLang="zh-TW" dirty="0"/>
+              <a:t># </a:t>
+            </a:r>
+            <a:r>
+              <a:rPr lang="zh-TW" altLang="en-US" dirty="0"/>
+              <a:t>定義障礙物的初始位置和速度</a:t>
+            </a:r>
+          </a:p>
+          <a:p>
+            <a:r>
+              <a:rPr lang="en-US" altLang="zh-TW" dirty="0" err="1"/>
+              <a:t>obstacle_x</a:t>
+            </a:r>
+            <a:r>
+              <a:rPr lang="en-US" altLang="zh-TW" dirty="0"/>
+              <a:t> = WINDOW_WIDTH</a:t>
+            </a:r>
+          </a:p>
+          <a:p>
+            <a:r>
+              <a:rPr lang="en-US" altLang="zh-TW" dirty="0" err="1"/>
+              <a:t>obstacle_y</a:t>
+            </a:r>
+            <a:r>
+              <a:rPr lang="en-US" altLang="zh-TW" dirty="0"/>
+              <a:t> = WINDOW_HEIGHT - 50</a:t>
+            </a:r>
+          </a:p>
+          <a:p>
+            <a:r>
+              <a:rPr lang="en-US" altLang="zh-TW" dirty="0" err="1"/>
+              <a:t>obstacle_vel_x</a:t>
+            </a:r>
+            <a:r>
+              <a:rPr lang="en-US" altLang="zh-TW" dirty="0"/>
+              <a:t> = -5</a:t>
+            </a:r>
+          </a:p>
+          <a:p>
+            <a:endParaRPr lang="en-US" altLang="zh-TW" dirty="0"/>
+          </a:p>
+          <a:p>
+            <a:r>
+              <a:rPr lang="en-US" altLang="zh-TW" dirty="0"/>
+              <a:t># </a:t>
+            </a:r>
+            <a:r>
+              <a:rPr lang="zh-TW" altLang="en-US" dirty="0"/>
+              <a:t>主遊戲循環</a:t>
+            </a:r>
+          </a:p>
+          <a:p>
+            <a:r>
+              <a:rPr lang="en-US" altLang="zh-TW" dirty="0"/>
+              <a:t>running = True</a:t>
+            </a:r>
+          </a:p>
+          <a:p>
+            <a:r>
+              <a:rPr lang="en-US" altLang="zh-TW" dirty="0"/>
+              <a:t>while running:</a:t>
+            </a:r>
+          </a:p>
+          <a:p>
+            <a:r>
+              <a:rPr lang="en-US" altLang="zh-TW" dirty="0"/>
+              <a:t>    </a:t>
+            </a:r>
+            <a:r>
+              <a:rPr lang="en-US" altLang="zh-TW" dirty="0" err="1"/>
+              <a:t>window.fill</a:t>
+            </a:r>
+            <a:r>
+              <a:rPr lang="en-US" altLang="zh-TW" dirty="0"/>
+              <a:t>(WHITE)</a:t>
+            </a:r>
+          </a:p>
+          <a:p>
+            <a:endParaRPr lang="en-US" altLang="zh-TW" dirty="0"/>
+          </a:p>
+          <a:p>
+            <a:r>
+              <a:rPr lang="en-US" altLang="zh-TW" dirty="0"/>
+              <a:t>    # </a:t>
+            </a:r>
+            <a:r>
+              <a:rPr lang="zh-TW" altLang="en-US" dirty="0"/>
+              <a:t>監聽觸控感測器觸摸事件</a:t>
+            </a:r>
+          </a:p>
+          <a:p>
+            <a:r>
+              <a:rPr lang="zh-TW" altLang="en-US" dirty="0"/>
+              <a:t>    </a:t>
+            </a:r>
+            <a:r>
+              <a:rPr lang="en-US" altLang="zh-TW" dirty="0"/>
+              <a:t>if </a:t>
+            </a:r>
+            <a:r>
+              <a:rPr lang="en-US" altLang="zh-TW" dirty="0" err="1"/>
+              <a:t>GPIO.input</a:t>
+            </a:r>
+            <a:r>
+              <a:rPr lang="en-US" altLang="zh-TW" dirty="0"/>
+              <a:t>(TOUCH_PIN):</a:t>
+            </a:r>
+          </a:p>
+          <a:p>
+            <a:r>
+              <a:rPr lang="en-US" altLang="zh-TW" dirty="0"/>
+              <a:t>        </a:t>
+            </a:r>
+            <a:r>
+              <a:rPr lang="en-US" altLang="zh-TW" dirty="0" err="1"/>
+              <a:t>dino_vel_y</a:t>
+            </a:r>
+            <a:r>
+              <a:rPr lang="en-US" altLang="zh-TW" dirty="0"/>
+              <a:t> = -10</a:t>
+            </a:r>
+          </a:p>
+          <a:p>
+            <a:endParaRPr lang="en-US" altLang="zh-TW" dirty="0"/>
+          </a:p>
+          <a:p>
+            <a:r>
+              <a:rPr lang="en-US" altLang="zh-TW" dirty="0"/>
+              <a:t>    # </a:t>
+            </a:r>
+            <a:r>
+              <a:rPr lang="zh-TW" altLang="en-US" dirty="0"/>
+              <a:t>讀取心率感測器的數值，這裡只是一個示例，實際根據你的硬體和需求進行修改</a:t>
+            </a:r>
+          </a:p>
+          <a:p>
+            <a:r>
+              <a:rPr lang="zh-TW" altLang="en-US" dirty="0"/>
+              <a:t>    </a:t>
+            </a:r>
+            <a:r>
+              <a:rPr lang="en-US" altLang="zh-TW" dirty="0"/>
+              <a:t>try:</a:t>
+            </a:r>
+          </a:p>
+          <a:p>
+            <a:r>
+              <a:rPr lang="en-US" altLang="zh-TW" dirty="0"/>
+              <a:t>        data = bus.read_i2c_block_data(MAX30102_ADDR, 0x00, 6)</a:t>
+            </a:r>
+          </a:p>
+          <a:p>
+            <a:r>
+              <a:rPr lang="en-US" altLang="zh-TW" dirty="0"/>
+              <a:t>        </a:t>
+            </a:r>
+            <a:r>
+              <a:rPr lang="en-US" altLang="zh-TW" dirty="0" err="1"/>
+              <a:t>heart_rate</a:t>
+            </a:r>
+            <a:r>
+              <a:rPr lang="en-US" altLang="zh-TW" dirty="0"/>
+              <a:t> = data[3]</a:t>
+            </a:r>
+          </a:p>
+          <a:p>
+            <a:r>
+              <a:rPr lang="en-US" altLang="zh-TW" dirty="0"/>
+              <a:t>        # </a:t>
+            </a:r>
+            <a:r>
+              <a:rPr lang="zh-TW" altLang="en-US" dirty="0"/>
+              <a:t>根據心率調整遊戲速度和難度</a:t>
+            </a:r>
+          </a:p>
+          <a:p>
+            <a:r>
+              <a:rPr lang="zh-TW" altLang="en-US" dirty="0"/>
+              <a:t>        </a:t>
+            </a:r>
+            <a:r>
+              <a:rPr lang="en-US" altLang="zh-TW" dirty="0" err="1"/>
+              <a:t>obstacle_vel_x</a:t>
+            </a:r>
+            <a:r>
+              <a:rPr lang="en-US" altLang="zh-TW" dirty="0"/>
+              <a:t> = -5 - </a:t>
+            </a:r>
+            <a:r>
+              <a:rPr lang="en-US" altLang="zh-TW" dirty="0" err="1"/>
+              <a:t>heart_rate</a:t>
+            </a:r>
+            <a:r>
+              <a:rPr lang="en-US" altLang="zh-TW" dirty="0"/>
+              <a:t> * 0.1</a:t>
+            </a:r>
+          </a:p>
+          <a:p>
+            <a:r>
+              <a:rPr lang="en-US" altLang="zh-TW" dirty="0"/>
+              <a:t>    except:</a:t>
+            </a:r>
+          </a:p>
+          <a:p>
+            <a:r>
+              <a:rPr lang="en-US" altLang="zh-TW" dirty="0"/>
+              <a:t>        # </a:t>
+            </a:r>
+            <a:r>
+              <a:rPr lang="zh-TW" altLang="en-US" dirty="0"/>
+              <a:t>如果讀取失敗，使用預設值</a:t>
+            </a:r>
+          </a:p>
+          <a:p>
+            <a:r>
+              <a:rPr lang="zh-TW" altLang="en-US" dirty="0"/>
+              <a:t>        </a:t>
+            </a:r>
+            <a:r>
+              <a:rPr lang="en-US" altLang="zh-TW" dirty="0" err="1"/>
+              <a:t>obstacle_vel_x</a:t>
+            </a:r>
+            <a:r>
+              <a:rPr lang="en-US" altLang="zh-TW" dirty="0"/>
+              <a:t> = -5</a:t>
+            </a:r>
+          </a:p>
+          <a:p>
+            <a:endParaRPr lang="en-US" altLang="zh-TW" dirty="0"/>
+          </a:p>
+          <a:p>
+            <a:r>
+              <a:rPr lang="en-US" altLang="zh-TW" dirty="0"/>
+              <a:t>    # </a:t>
+            </a:r>
+            <a:r>
+              <a:rPr lang="zh-TW" altLang="en-US" dirty="0"/>
+              <a:t>更新小恐龍的位置</a:t>
+            </a:r>
+          </a:p>
+          <a:p>
+            <a:r>
+              <a:rPr lang="zh-TW" altLang="en-US" dirty="0"/>
+              <a:t>    </a:t>
+            </a:r>
+            <a:r>
+              <a:rPr lang="en-US" altLang="zh-TW" dirty="0" err="1"/>
+              <a:t>dino_y</a:t>
+            </a:r>
+            <a:r>
+              <a:rPr lang="en-US" altLang="zh-TW" dirty="0"/>
+              <a:t> += </a:t>
+            </a:r>
+            <a:r>
+              <a:rPr lang="en-US" altLang="zh-TW" dirty="0" err="1"/>
+              <a:t>dino_vel_y</a:t>
+            </a:r>
+            <a:endParaRPr lang="en-US" altLang="zh-TW" dirty="0"/>
+          </a:p>
+          <a:p>
+            <a:r>
+              <a:rPr lang="en-US" altLang="zh-TW" dirty="0"/>
+              <a:t>    </a:t>
+            </a:r>
+            <a:r>
+              <a:rPr lang="en-US" altLang="zh-TW" dirty="0" err="1"/>
+              <a:t>dino_vel_y</a:t>
+            </a:r>
+            <a:r>
+              <a:rPr lang="en-US" altLang="zh-TW" dirty="0"/>
+              <a:t> += 1</a:t>
+            </a:r>
+          </a:p>
+          <a:p>
+            <a:r>
+              <a:rPr lang="en-US" altLang="zh-TW" dirty="0"/>
+              <a:t>    if </a:t>
+            </a:r>
+            <a:r>
+              <a:rPr lang="en-US" altLang="zh-TW" dirty="0" err="1"/>
+              <a:t>dino_y</a:t>
+            </a:r>
+            <a:r>
+              <a:rPr lang="en-US" altLang="zh-TW" dirty="0"/>
+              <a:t> &gt;= WINDOW_HEIGHT - 50:</a:t>
+            </a:r>
+          </a:p>
+          <a:p>
+            <a:r>
+              <a:rPr lang="en-US" altLang="zh-TW" dirty="0"/>
+              <a:t>        </a:t>
+            </a:r>
+            <a:r>
+              <a:rPr lang="en-US" altLang="zh-TW" dirty="0" err="1"/>
+              <a:t>dino_y</a:t>
+            </a:r>
+            <a:r>
+              <a:rPr lang="en-US" altLang="zh-TW" dirty="0"/>
+              <a:t> = WINDOW_HEIGHT - 50</a:t>
+            </a:r>
+          </a:p>
+          <a:p>
+            <a:r>
+              <a:rPr lang="en-US" altLang="zh-TW" dirty="0"/>
+              <a:t>        </a:t>
+            </a:r>
+            <a:r>
+              <a:rPr lang="en-US" altLang="zh-TW" dirty="0" err="1"/>
+              <a:t>dino_vel_y</a:t>
+            </a:r>
+            <a:r>
+              <a:rPr lang="en-US" altLang="zh-TW" dirty="0"/>
+              <a:t> = 0</a:t>
+            </a:r>
+          </a:p>
+          <a:p>
+            <a:endParaRPr lang="en-US" altLang="zh-TW" dirty="0"/>
+          </a:p>
+          <a:p>
+            <a:r>
+              <a:rPr lang="en-US" altLang="zh-TW" dirty="0"/>
+              <a:t>    # </a:t>
+            </a:r>
+            <a:r>
+              <a:rPr lang="zh-TW" altLang="en-US" dirty="0"/>
+              <a:t>更新障礙物的位置</a:t>
+            </a:r>
+          </a:p>
+          <a:p>
+            <a:r>
+              <a:rPr lang="zh-TW" altLang="en-US" dirty="0"/>
+              <a:t>    </a:t>
+            </a:r>
+            <a:r>
+              <a:rPr lang="en-US" altLang="zh-TW" dirty="0" err="1"/>
+              <a:t>obstacle_x</a:t>
+            </a:r>
+            <a:r>
+              <a:rPr lang="en-US" altLang="zh-TW" dirty="0"/>
+              <a:t> += </a:t>
+            </a:r>
+            <a:r>
+              <a:rPr lang="en-US" altLang="zh-TW" dirty="0" err="1"/>
+              <a:t>obstacle_vel_x</a:t>
+            </a:r>
+            <a:endParaRPr lang="en-US" altLang="zh-TW" dirty="0"/>
+          </a:p>
+          <a:p>
+            <a:r>
+              <a:rPr lang="en-US" altLang="zh-TW" dirty="0"/>
+              <a:t>    if </a:t>
+            </a:r>
+            <a:r>
+              <a:rPr lang="en-US" altLang="zh-TW" dirty="0" err="1"/>
+              <a:t>obstacle_x</a:t>
+            </a:r>
+            <a:r>
+              <a:rPr lang="en-US" altLang="zh-TW" dirty="0"/>
+              <a:t> &lt;= 0:</a:t>
+            </a:r>
+          </a:p>
+          <a:p>
+            <a:r>
+              <a:rPr lang="en-US" altLang="zh-TW" dirty="0"/>
+              <a:t>        </a:t>
+            </a:r>
+            <a:r>
+              <a:rPr lang="en-US" altLang="zh-TW" dirty="0" err="1"/>
+              <a:t>obstacle_x</a:t>
+            </a:r>
+            <a:r>
+              <a:rPr lang="en-US" altLang="zh-TW" dirty="0"/>
+              <a:t> = WINDOW_WIDTH</a:t>
+            </a:r>
+          </a:p>
+          <a:p>
+            <a:endParaRPr lang="en-US" altLang="zh-TW" dirty="0"/>
+          </a:p>
+          <a:p>
+            <a:r>
+              <a:rPr lang="en-US" altLang="zh-TW" dirty="0"/>
+              <a:t>    # </a:t>
+            </a:r>
+            <a:r>
+              <a:rPr lang="zh-TW" altLang="en-US" dirty="0"/>
+              <a:t>繪製小恐龍和障礙物</a:t>
+            </a:r>
+          </a:p>
+          <a:p>
+            <a:r>
+              <a:rPr lang="zh-TW" altLang="en-US" dirty="0"/>
+              <a:t>    </a:t>
+            </a:r>
+            <a:r>
+              <a:rPr lang="en-US" altLang="zh-TW" dirty="0" err="1"/>
+              <a:t>pygame.draw.rect</a:t>
+            </a:r>
+            <a:r>
+              <a:rPr lang="en-US" altLang="zh-TW" dirty="0"/>
+              <a:t>(window, BLACK, (</a:t>
+            </a:r>
+            <a:r>
+              <a:rPr lang="en-US" altLang="zh-TW" dirty="0" err="1"/>
+              <a:t>dino_x</a:t>
+            </a:r>
+            <a:r>
+              <a:rPr lang="en-US" altLang="zh-TW" dirty="0"/>
+              <a:t>, </a:t>
+            </a:r>
+            <a:r>
+              <a:rPr lang="en-US" altLang="zh-TW" dirty="0" err="1"/>
+              <a:t>dino_y</a:t>
+            </a:r>
+            <a:r>
+              <a:rPr lang="en-US" altLang="zh-TW" dirty="0"/>
+              <a:t>, 50, 50))</a:t>
+            </a:r>
+          </a:p>
+          <a:p>
+            <a:r>
+              <a:rPr lang="en-US" altLang="zh-TW" dirty="0"/>
+              <a:t>    </a:t>
+            </a:r>
+            <a:r>
+              <a:rPr lang="en-US" altLang="zh-TW" dirty="0" err="1"/>
+              <a:t>pygame.draw.rect</a:t>
+            </a:r>
+            <a:r>
+              <a:rPr lang="en-US" altLang="zh-TW" dirty="0"/>
+              <a:t>(window, BLACK, (</a:t>
+            </a:r>
+            <a:r>
+              <a:rPr lang="en-US" altLang="zh-TW" dirty="0" err="1"/>
+              <a:t>obstacle_x</a:t>
+            </a:r>
+            <a:r>
+              <a:rPr lang="en-US" altLang="zh-TW" dirty="0"/>
+              <a:t>, </a:t>
+            </a:r>
+            <a:r>
+              <a:rPr lang="en-US" altLang="zh-TW" dirty="0" err="1"/>
+              <a:t>obstacle_y</a:t>
+            </a:r>
+            <a:r>
+              <a:rPr lang="en-US" altLang="zh-TW" dirty="0"/>
+              <a:t>, 50, 50))</a:t>
+            </a:r>
+          </a:p>
+          <a:p>
+            <a:endParaRPr lang="en-US" altLang="zh-TW" dirty="0"/>
+          </a:p>
+          <a:p>
+            <a:r>
+              <a:rPr lang="en-US" altLang="zh-TW" dirty="0"/>
+              <a:t>    </a:t>
+            </a:r>
+            <a:r>
+              <a:rPr lang="en-US" altLang="zh-TW" dirty="0" err="1"/>
+              <a:t>pygame.display.update</a:t>
+            </a:r>
+            <a:r>
+              <a:rPr lang="en-US" altLang="zh-TW" dirty="0"/>
+              <a:t>()</a:t>
+            </a:r>
+          </a:p>
+          <a:p>
+            <a:endParaRPr lang="en-US" altLang="zh-TW" dirty="0"/>
+          </a:p>
+          <a:p>
+            <a:r>
+              <a:rPr lang="en-US" altLang="zh-TW" dirty="0"/>
+              <a:t>    # </a:t>
+            </a:r>
+            <a:r>
+              <a:rPr lang="zh-TW" altLang="en-US" dirty="0"/>
+              <a:t>監聽退出事件</a:t>
+            </a:r>
+          </a:p>
+          <a:p>
+            <a:r>
+              <a:rPr lang="zh-TW" altLang="en-US" dirty="0"/>
+              <a:t>    </a:t>
+            </a:r>
+            <a:r>
+              <a:rPr lang="en-US" altLang="zh-TW" dirty="0"/>
+              <a:t>for event in </a:t>
+            </a:r>
+            <a:r>
+              <a:rPr lang="en-US" altLang="zh-TW" dirty="0" err="1"/>
+              <a:t>pygame.event.get</a:t>
+            </a:r>
+            <a:r>
+              <a:rPr lang="en-US" altLang="zh-TW" dirty="0"/>
+              <a:t>():</a:t>
+            </a:r>
+          </a:p>
+          <a:p>
+            <a:r>
+              <a:rPr lang="en-US" altLang="zh-TW" dirty="0"/>
+              <a:t>        if </a:t>
+            </a:r>
+            <a:r>
+              <a:rPr lang="en-US" altLang="zh-TW" dirty="0" err="1"/>
+              <a:t>event.type</a:t>
+            </a:r>
+            <a:r>
+              <a:rPr lang="en-US" altLang="zh-TW" dirty="0"/>
+              <a:t> == QUIT:</a:t>
+            </a:r>
+          </a:p>
+          <a:p>
+            <a:r>
+              <a:rPr lang="en-US" altLang="zh-TW" dirty="0"/>
+              <a:t>            running = False</a:t>
+            </a:r>
+          </a:p>
+          <a:p>
+            <a:endParaRPr lang="en-US" altLang="zh-TW" dirty="0"/>
+          </a:p>
+          <a:p>
+            <a:r>
+              <a:rPr lang="en-US" altLang="zh-TW" dirty="0"/>
+              <a:t># </a:t>
+            </a:r>
+            <a:r>
+              <a:rPr lang="zh-TW" altLang="en-US" dirty="0"/>
+              <a:t>退出遊戲</a:t>
+            </a:r>
+          </a:p>
+          <a:p>
+            <a:r>
+              <a:rPr lang="en-US" altLang="zh-TW" dirty="0" err="1"/>
+              <a:t>pygame.quit</a:t>
+            </a:r>
+            <a:r>
+              <a:rPr lang="en-US" altLang="zh-TW" dirty="0"/>
+              <a:t>()</a:t>
+            </a:r>
+          </a:p>
+          <a:p>
+            <a:r>
+              <a:rPr lang="en-US" altLang="zh-TW" dirty="0" err="1"/>
+              <a:t>GPIO.cleanup</a:t>
+            </a:r>
+            <a:r>
+              <a:rPr lang="en-US" altLang="zh-TW" dirty="0"/>
+              <a:t>()</a:t>
+            </a:r>
+          </a:p>
+          <a:p>
+            <a:endParaRPr lang="zh-TW" altLang="en-US" dirty="0"/>
+          </a:p>
+        </p:txBody>
+      </p:sp>
+    </p:spTree>
+    <p:extLst>
+      <p:ext uri="{BB962C8B-B14F-4D97-AF65-F5344CB8AC3E}">
+        <p14:creationId xmlns:p14="http://schemas.microsoft.com/office/powerpoint/2010/main" val="563800441"/>
+      </p:ext>
+    </p:extLst>
+  </p:cSld>
+  <p:clrMapOvr>
+    <a:masterClrMapping/>
+  </p:clrMapOvr>
+</p:sld>
+</file>
+
 <file path=ppt/slides/slide2.xml><?xml version="1.0" encoding="utf-8"?>
 <p:sld xmlns:a="http://schemas.openxmlformats.org/drawingml/2006/main" xmlns:r="http://schemas.openxmlformats.org/officeDocument/2006/relationships" xmlns:p="http://schemas.openxmlformats.org/presentationml/2006/main">
   <p:cSld>
@@ -5146,17 +10195,10 @@
           <a:lstStyle/>
           <a:p>
             <a:r>
-              <a:rPr lang="zh-TW" altLang="en-US" dirty="0"/>
-              <a:t>連接</a:t>
-            </a:r>
-            <a:r>
               <a:rPr lang="zh-TW" altLang="en-US" dirty="0" smtClean="0"/>
-              <a:t>硬體及</a:t>
-            </a:r>
-            <a:r>
-              <a:rPr lang="zh-TW" altLang="en-US" dirty="0"/>
-              <a:t>安裝必要的軟體：</a:t>
-            </a:r>
+              <a:t>硬體：</a:t>
+            </a:r>
+            <a:endParaRPr lang="zh-TW" altLang="en-US" dirty="0"/>
           </a:p>
         </p:txBody>
       </p:sp>
@@ -5172,8 +10214,8 @@
         </p:nvSpPr>
         <p:spPr bwMode="auto">
           <a:xfrm>
-            <a:off x="1451579" y="2198792"/>
-            <a:ext cx="8416728" cy="1754326"/>
+            <a:off x="1451579" y="2034131"/>
+            <a:ext cx="3943708" cy="2083647"/>
           </a:xfrm>
           <a:prstGeom prst="rect">
             <a:avLst/>
@@ -5221,172 +10263,75 @@
           </a:bodyPr>
           <a:lstStyle/>
           <a:p>
-            <a:pPr marL="0" marR="0" lvl="0" indent="0" algn="l" defTabSz="914400" rtl="0" eaLnBrk="0" fontAlgn="base" latinLnBrk="0" hangingPunct="0">
-              <a:lnSpc>
-                <a:spcPct val="100000"/>
-              </a:lnSpc>
-              <a:spcBef>
-                <a:spcPct val="0"/>
-              </a:spcBef>
-              <a:spcAft>
-                <a:spcPct val="0"/>
-              </a:spcAft>
-              <a:buClrTx/>
-              <a:buSzTx/>
-              <a:buFontTx/>
-              <a:buChar char="•"/>
-              <a:tabLst/>
-            </a:pPr>
-            <a:r>
-              <a:rPr kumimoji="0" lang="zh-TW" altLang="zh-TW" sz="1800" b="0" i="0" u="none" strike="noStrike" cap="none" normalizeH="0" baseline="0" dirty="0" smtClean="0">
-                <a:ln>
-                  <a:noFill/>
-                </a:ln>
-                <a:solidFill>
-                  <a:schemeClr val="tx1"/>
-                </a:solidFill>
-                <a:effectLst/>
-                <a:latin typeface="Arial" panose="020B0604020202020204" pitchFamily="34" charset="0"/>
-              </a:rPr>
-              <a:t>將 TTP223B 和 MAX30102 連接到樹莓派的 GPIO 接口。確保連接正確並安全。</a:t>
-            </a:r>
-            <a:endParaRPr kumimoji="0" lang="en-US" altLang="zh-TW" sz="1800" b="0" i="0" u="none" strike="noStrike" cap="none" normalizeH="0" baseline="0" dirty="0" smtClean="0">
-              <a:ln>
-                <a:noFill/>
-              </a:ln>
-              <a:solidFill>
-                <a:schemeClr val="tx1"/>
-              </a:solidFill>
-              <a:effectLst/>
-              <a:latin typeface="Arial" panose="020B0604020202020204" pitchFamily="34" charset="0"/>
-            </a:endParaRPr>
-          </a:p>
-          <a:p>
-            <a:pPr marL="0" marR="0" lvl="0" indent="0" algn="l" defTabSz="914400" rtl="0" eaLnBrk="0" fontAlgn="base" latinLnBrk="0" hangingPunct="0">
-              <a:lnSpc>
-                <a:spcPct val="100000"/>
-              </a:lnSpc>
-              <a:spcBef>
-                <a:spcPct val="0"/>
-              </a:spcBef>
-              <a:spcAft>
-                <a:spcPct val="0"/>
-              </a:spcAft>
-              <a:buClrTx/>
-              <a:buSzTx/>
-              <a:buFontTx/>
-              <a:buChar char="•"/>
-              <a:tabLst/>
-            </a:pPr>
-            <a:endParaRPr kumimoji="0" lang="zh-TW" altLang="zh-TW" sz="1800" b="0" i="0" u="none" strike="noStrike" cap="none" normalizeH="0" baseline="0" dirty="0" smtClean="0">
-              <a:ln>
-                <a:noFill/>
-              </a:ln>
-              <a:solidFill>
-                <a:schemeClr val="tx1"/>
-              </a:solidFill>
-              <a:effectLst/>
-              <a:latin typeface="Arial" panose="020B0604020202020204" pitchFamily="34" charset="0"/>
-            </a:endParaRPr>
-          </a:p>
-          <a:p>
-            <a:pPr marL="0" marR="0" lvl="0" indent="0" algn="l" defTabSz="914400" rtl="0" eaLnBrk="0" fontAlgn="base" latinLnBrk="0" hangingPunct="0">
-              <a:lnSpc>
-                <a:spcPct val="100000"/>
-              </a:lnSpc>
-              <a:spcBef>
-                <a:spcPct val="0"/>
-              </a:spcBef>
-              <a:spcAft>
-                <a:spcPct val="0"/>
-              </a:spcAft>
-              <a:buClrTx/>
-              <a:buSzTx/>
-              <a:buFontTx/>
-              <a:buChar char="•"/>
-              <a:tabLst/>
-            </a:pPr>
-            <a:r>
-              <a:rPr kumimoji="0" lang="zh-TW" altLang="zh-TW" sz="1800" b="0" i="0" u="none" strike="noStrike" cap="none" normalizeH="0" baseline="0" dirty="0" smtClean="0">
-                <a:ln>
-                  <a:noFill/>
-                </a:ln>
-                <a:solidFill>
-                  <a:schemeClr val="tx1"/>
-                </a:solidFill>
-                <a:effectLst/>
-                <a:latin typeface="Arial" panose="020B0604020202020204" pitchFamily="34" charset="0"/>
-              </a:rPr>
-              <a:t>在樹莓派上安裝 Raspbian 或其他支援的作業系統。</a:t>
-            </a:r>
-            <a:endParaRPr kumimoji="0" lang="en-US" altLang="zh-TW" sz="1800" b="0" i="0" u="none" strike="noStrike" cap="none" normalizeH="0" baseline="0" dirty="0" smtClean="0">
-              <a:ln>
-                <a:noFill/>
-              </a:ln>
-              <a:solidFill>
-                <a:schemeClr val="tx1"/>
-              </a:solidFill>
-              <a:effectLst/>
-              <a:latin typeface="Arial" panose="020B0604020202020204" pitchFamily="34" charset="0"/>
-            </a:endParaRPr>
-          </a:p>
-          <a:p>
-            <a:pPr marL="0" marR="0" lvl="0" indent="0" algn="l" defTabSz="914400" rtl="0" eaLnBrk="0" fontAlgn="base" latinLnBrk="0" hangingPunct="0">
-              <a:lnSpc>
-                <a:spcPct val="100000"/>
-              </a:lnSpc>
-              <a:spcBef>
-                <a:spcPct val="0"/>
-              </a:spcBef>
-              <a:spcAft>
-                <a:spcPct val="0"/>
-              </a:spcAft>
-              <a:buClrTx/>
-              <a:buSzTx/>
-              <a:buFontTx/>
-              <a:buChar char="•"/>
-              <a:tabLst/>
-            </a:pPr>
-            <a:endParaRPr kumimoji="0" lang="zh-TW" altLang="zh-TW" sz="1800" b="0" i="0" u="none" strike="noStrike" cap="none" normalizeH="0" baseline="0" dirty="0" smtClean="0">
-              <a:ln>
-                <a:noFill/>
-              </a:ln>
-              <a:solidFill>
-                <a:schemeClr val="tx1"/>
-              </a:solidFill>
-              <a:effectLst/>
-              <a:latin typeface="Arial" panose="020B0604020202020204" pitchFamily="34" charset="0"/>
-            </a:endParaRPr>
-          </a:p>
-          <a:p>
-            <a:pPr marL="0" marR="0" lvl="0" indent="0" algn="l" defTabSz="914400" rtl="0" eaLnBrk="0" fontAlgn="base" latinLnBrk="0" hangingPunct="0">
-              <a:lnSpc>
-                <a:spcPct val="100000"/>
-              </a:lnSpc>
-              <a:spcBef>
-                <a:spcPct val="0"/>
-              </a:spcBef>
-              <a:spcAft>
-                <a:spcPct val="0"/>
-              </a:spcAft>
-              <a:buClrTx/>
-              <a:buSzTx/>
-              <a:buFontTx/>
-              <a:buChar char="•"/>
-              <a:tabLst/>
-            </a:pPr>
-            <a:r>
-              <a:rPr kumimoji="0" lang="zh-TW" altLang="zh-TW" sz="1800" b="0" i="0" u="none" strike="noStrike" cap="none" normalizeH="0" baseline="0" dirty="0" smtClean="0">
-                <a:ln>
-                  <a:noFill/>
-                </a:ln>
-                <a:solidFill>
-                  <a:schemeClr val="tx1"/>
-                </a:solidFill>
-                <a:effectLst/>
-                <a:latin typeface="Arial" panose="020B0604020202020204" pitchFamily="34" charset="0"/>
-              </a:rPr>
-              <a:t>安裝 Python 開發環境以及相關的庫。</a:t>
+            <a:pPr>
+              <a:buFont typeface="+mj-lt"/>
+              <a:buAutoNum type="arabicPeriod"/>
+            </a:pPr>
+            <a:r>
+              <a:rPr lang="zh-TW" altLang="en-US" sz="1800" dirty="0"/>
+              <a:t>樹莓派 </a:t>
+            </a:r>
+            <a:r>
+              <a:rPr lang="en-US" altLang="zh-TW" sz="1800" dirty="0"/>
+              <a:t>(Raspberry Pi)</a:t>
+            </a:r>
+          </a:p>
+          <a:p>
+            <a:pPr>
+              <a:buFont typeface="+mj-lt"/>
+              <a:buAutoNum type="arabicPeriod"/>
+            </a:pPr>
+            <a:r>
+              <a:rPr lang="zh-TW" altLang="en-US" sz="1800" dirty="0"/>
+              <a:t>觸控感測器模組 </a:t>
+            </a:r>
+            <a:r>
+              <a:rPr lang="en-US" altLang="zh-TW" sz="1800" dirty="0"/>
+              <a:t>(TTP223B)</a:t>
+            </a:r>
+          </a:p>
+          <a:p>
+            <a:pPr>
+              <a:buFont typeface="+mj-lt"/>
+              <a:buAutoNum type="arabicPeriod"/>
+            </a:pPr>
+            <a:r>
+              <a:rPr lang="zh-TW" altLang="en-US" sz="1800" dirty="0"/>
+              <a:t>心率感測器模組 </a:t>
+            </a:r>
+            <a:r>
+              <a:rPr lang="en-US" altLang="zh-TW" sz="1800" dirty="0"/>
+              <a:t>(MAX30102)</a:t>
+            </a:r>
+          </a:p>
+          <a:p>
+            <a:pPr>
+              <a:buFont typeface="+mj-lt"/>
+              <a:buAutoNum type="arabicPeriod"/>
+            </a:pPr>
+            <a:r>
+              <a:rPr lang="zh-TW" altLang="en-US" sz="1800" dirty="0"/>
+              <a:t>一個小螢幕 </a:t>
+            </a:r>
+            <a:r>
+              <a:rPr lang="en-US" altLang="zh-TW" sz="1800" dirty="0"/>
+              <a:t>(</a:t>
+            </a:r>
+            <a:r>
+              <a:rPr lang="zh-TW" altLang="en-US" sz="1800" dirty="0"/>
+              <a:t>可以是 </a:t>
+            </a:r>
+            <a:r>
+              <a:rPr lang="en-US" altLang="zh-TW" sz="1800" dirty="0"/>
+              <a:t>LCD </a:t>
+            </a:r>
+            <a:r>
+              <a:rPr lang="zh-TW" altLang="en-US" sz="1800" dirty="0"/>
+              <a:t>或 </a:t>
+            </a:r>
+            <a:r>
+              <a:rPr lang="en-US" altLang="zh-TW" sz="1800" dirty="0"/>
+              <a:t>OLED)</a:t>
             </a:r>
           </a:p>
           <a:p>
@@ -5464,7 +10409,15 @@
           <a:bodyPr/>
           <a:lstStyle/>
           <a:p>
-            <a:endParaRPr lang="zh-TW" altLang="en-US"/>
+            <a:r>
+              <a:rPr lang="zh-TW" altLang="en-US" dirty="0" smtClean="0"/>
+              <a:t>軟體</a:t>
+            </a:r>
+            <a:r>
+              <a:rPr lang="en-US" altLang="zh-TW" dirty="0" smtClean="0"/>
+              <a:t>:</a:t>
+            </a:r>
+            <a:endParaRPr lang="zh-TW" altLang="en-US" dirty="0"/>
           </a:p>
         </p:txBody>
       </p:sp>
@@ -5478,60 +10431,54 @@
             <p:ph idx="1"/>
           </p:nvPr>
         </p:nvSpPr>
-        <p:spPr>
-          <a:xfrm>
-            <a:off x="1451579" y="2007419"/>
-            <a:ext cx="9603275" cy="3450613"/>
-          </a:xfrm>
-        </p:spPr>
+        <p:spPr/>
         <p:txBody>
-          <a:bodyPr>
-            <a:normAutofit/>
-          </a:bodyPr>
+          <a:bodyPr/>
           <a:lstStyle/>
           <a:p>
-            <a:pPr marL="0" indent="0">
-              <a:buNone/>
-            </a:pPr>
+            <a:pPr>
+              <a:buFont typeface="+mj-lt"/>
+              <a:buAutoNum type="arabicPeriod"/>
+            </a:pPr>
+            <a:r>
+              <a:rPr lang="en-US" altLang="zh-TW" dirty="0"/>
+              <a:t>Python </a:t>
+            </a:r>
             <a:r>
               <a:rPr lang="zh-TW" altLang="en-US" dirty="0"/>
-              <a:t>使用樹梅派和觸控感測</a:t>
-            </a:r>
-            <a:r>
-              <a:rPr lang="zh-TW" altLang="en-US" dirty="0" smtClean="0"/>
-              <a:t>器（</a:t>
-            </a:r>
-            <a:r>
-              <a:rPr lang="en-US" altLang="zh-TW" dirty="0"/>
-              <a:t>TTP223B</a:t>
+              <a:t>程式語言</a:t>
+            </a:r>
+          </a:p>
+          <a:p>
+            <a:pPr>
+              <a:buFont typeface="+mj-lt"/>
+              <a:buAutoNum type="arabicPeriod"/>
+            </a:pPr>
+            <a:r>
+              <a:rPr lang="en-US" altLang="zh-TW" dirty="0"/>
+              <a:t>Raspberry Pi </a:t>
             </a:r>
             <a:r>
               <a:rPr lang="zh-TW" altLang="en-US" dirty="0"/>
-              <a:t>）的電容式觸控開關模組 和新率感測器</a:t>
-            </a:r>
-            <a:r>
-              <a:rPr lang="en-US" altLang="zh-TW" dirty="0"/>
-              <a:t>MAX30102</a:t>
+              <a:t>的 </a:t>
+            </a:r>
+            <a:r>
+              <a:rPr lang="en-US" altLang="zh-TW" dirty="0"/>
+              <a:t>GPIO </a:t>
             </a:r>
             <a:r>
               <a:rPr lang="zh-TW" altLang="en-US" dirty="0"/>
-              <a:t>做出類似</a:t>
-            </a:r>
-            <a:r>
-              <a:rPr lang="en-US" altLang="zh-TW" dirty="0"/>
-              <a:t>GOOGLE</a:t>
-            </a:r>
+              <a:t>庫</a:t>
+            </a:r>
+          </a:p>
+          <a:p>
+            <a:pPr>
+              <a:buFont typeface="+mj-lt"/>
+              <a:buAutoNum type="arabicPeriod"/>
+            </a:pPr>
             <a:r>
               <a:rPr lang="zh-TW" altLang="en-US" dirty="0"/>
-              <a:t>小恐龍遊戲，使用觸摸電容式觸控開關模組控制，觸摸跳</a:t>
-            </a:r>
-            <a:r>
-              <a:rPr lang="en-US" altLang="zh-TW" dirty="0"/>
-              <a:t>,</a:t>
-            </a:r>
-            <a:r>
-              <a:rPr lang="zh-TW" altLang="en-US" dirty="0"/>
-              <a:t>且根據心率感測控制速度難度的遊戲</a:t>
+              <a:t>心率感測器的相關程式庫</a:t>
             </a:r>
           </a:p>
         </p:txBody>
@@ -5539,7 +10486,7 @@
     </p:spTree>
     <p:extLst>
       <p:ext uri="{BB962C8B-B14F-4D97-AF65-F5344CB8AC3E}">
-        <p14:creationId xmlns:p14="http://schemas.microsoft.com/office/powerpoint/2010/main" val="3425162811"/>
+        <p14:creationId xmlns:p14="http://schemas.microsoft.com/office/powerpoint/2010/main" val="675095745"/>
       </p:ext>
     </p:extLst>
   </p:cSld>
@@ -5582,9 +10529,12 @@
           <a:lstStyle/>
           <a:p>
             <a:r>
-              <a:rPr lang="zh-TW" altLang="en-US" dirty="0" smtClean="0"/>
-              <a:t> </a:t>
-            </a:r>
+              <a:rPr lang="zh-TW" altLang="en-US" dirty="0"/>
+              <a:t>基本的架構：</a:t>
+            </a:r>
+            <a:br>
+              <a:rPr lang="zh-TW" altLang="en-US" dirty="0"/>
+            </a:br>
             <a:endParaRPr lang="zh-TW" altLang="en-US" dirty="0"/>
           </a:p>
         </p:txBody>
@@ -5605,363 +10555,37 @@
           <a:lstStyle/>
           <a:p>
             <a:r>
+              <a:rPr lang="zh-TW" altLang="en-US" dirty="0"/>
+              <a:t>初始</a:t>
+            </a:r>
+            <a:r>
               <a:rPr lang="zh-TW" altLang="en-US" dirty="0" smtClean="0"/>
-              <a:t> </a:t>
-            </a:r>
-            <a:endParaRPr lang="zh-TW" altLang="en-US" dirty="0"/>
-          </a:p>
-        </p:txBody>
-      </p:sp>
-      <p:sp>
-        <p:nvSpPr>
-          <p:cNvPr id="4" name="矩形 3"/>
-          <p:cNvSpPr/>
-          <p:nvPr/>
-        </p:nvSpPr>
-        <p:spPr>
-          <a:xfrm>
-            <a:off x="473827" y="99752"/>
-            <a:ext cx="11238806" cy="8679299"/>
-          </a:xfrm>
-          <a:prstGeom prst="rect">
-            <a:avLst/>
-          </a:prstGeom>
-        </p:spPr>
-        <p:txBody>
-          <a:bodyPr wrap="square">
-            <a:spAutoFit/>
-          </a:bodyPr>
-          <a:lstStyle/>
-          <a:p>
-            <a:endParaRPr lang="zh-TW" altLang="en-US" dirty="0"/>
-          </a:p>
-          <a:p>
-            <a:r>
-              <a:rPr lang="en-US" altLang="zh-TW" dirty="0" err="1"/>
-              <a:t>ChatGPT</a:t>
-            </a:r>
-            <a:endParaRPr lang="en-US" altLang="zh-TW" dirty="0"/>
+              <a:t>設置</a:t>
+            </a:r>
+            <a:endParaRPr lang="en-US" altLang="zh-TW" dirty="0" smtClean="0"/>
+          </a:p>
+          <a:p>
+            <a:r>
+              <a:rPr lang="zh-TW" altLang="en-US" dirty="0" smtClean="0"/>
+              <a:t>遊戲開始</a:t>
+            </a:r>
+            <a:endParaRPr lang="en-US" altLang="zh-TW" dirty="0" smtClean="0"/>
           </a:p>
           <a:p>
             <a:r>
               <a:rPr lang="zh-TW" altLang="en-US" dirty="0"/>
-              <a:t>這聽起來像是一個有趣的專案！我可以給你一個基本的架構，你可以從這裡開始進行開發。首先，你需要一些硬體和軟體元件：</a:t>
-            </a:r>
+              <a:t>遊戲</a:t>
+            </a:r>
+            <a:r>
+              <a:rPr lang="zh-TW" altLang="en-US" dirty="0" smtClean="0"/>
+              <a:t>進行</a:t>
+            </a:r>
+            <a:endParaRPr lang="en-US" altLang="zh-TW" dirty="0" smtClean="0"/>
           </a:p>
           <a:p>
             <a:r>
               <a:rPr lang="zh-TW" altLang="en-US" dirty="0"/>
-              <a:t>硬體：</a:t>
-            </a:r>
-          </a:p>
-          <a:p>
-            <a:pPr>
-              <a:buFont typeface="+mj-lt"/>
-              <a:buAutoNum type="arabicPeriod"/>
-            </a:pPr>
-            <a:r>
-              <a:rPr lang="zh-TW" altLang="en-US" dirty="0"/>
-              <a:t>樹莓派 </a:t>
-            </a:r>
-            <a:r>
-              <a:rPr lang="en-US" altLang="zh-TW" dirty="0"/>
-              <a:t>(Raspberry Pi)</a:t>
-            </a:r>
-          </a:p>
-          <a:p>
-            <a:pPr>
-              <a:buFont typeface="+mj-lt"/>
-              <a:buAutoNum type="arabicPeriod"/>
-            </a:pPr>
-            <a:r>
-              <a:rPr lang="zh-TW" altLang="en-US" dirty="0"/>
-              <a:t>觸控感測器模組 </a:t>
-            </a:r>
-            <a:r>
-              <a:rPr lang="en-US" altLang="zh-TW" dirty="0"/>
-              <a:t>(TTP223B)</a:t>
-            </a:r>
-          </a:p>
-          <a:p>
-            <a:pPr>
-              <a:buFont typeface="+mj-lt"/>
-              <a:buAutoNum type="arabicPeriod"/>
-            </a:pPr>
-            <a:r>
-              <a:rPr lang="zh-TW" altLang="en-US" dirty="0"/>
-              <a:t>心率感測器模組 </a:t>
-            </a:r>
-            <a:r>
-              <a:rPr lang="en-US" altLang="zh-TW" dirty="0"/>
-              <a:t>(MAX30102)</a:t>
-            </a:r>
-          </a:p>
-          <a:p>
-            <a:pPr>
-              <a:buFont typeface="+mj-lt"/>
-              <a:buAutoNum type="arabicPeriod"/>
-            </a:pPr>
-            <a:r>
-              <a:rPr lang="zh-TW" altLang="en-US" dirty="0"/>
-              <a:t>一個小螢幕 </a:t>
-            </a:r>
-            <a:r>
-              <a:rPr lang="en-US" altLang="zh-TW" dirty="0"/>
-              <a:t>(</a:t>
-            </a:r>
-            <a:r>
-              <a:rPr lang="zh-TW" altLang="en-US" dirty="0"/>
-              <a:t>可以是 </a:t>
-            </a:r>
-            <a:r>
-              <a:rPr lang="en-US" altLang="zh-TW" dirty="0"/>
-              <a:t>LCD </a:t>
-            </a:r>
-            <a:r>
-              <a:rPr lang="zh-TW" altLang="en-US" dirty="0"/>
-              <a:t>或 </a:t>
-            </a:r>
-            <a:r>
-              <a:rPr lang="en-US" altLang="zh-TW" dirty="0"/>
-              <a:t>OLED)</a:t>
-            </a:r>
-          </a:p>
-          <a:p>
-            <a:r>
-              <a:rPr lang="zh-TW" altLang="en-US" dirty="0"/>
-              <a:t>軟體：</a:t>
-            </a:r>
-          </a:p>
-          <a:p>
-            <a:pPr>
-              <a:buFont typeface="+mj-lt"/>
-              <a:buAutoNum type="arabicPeriod"/>
-            </a:pPr>
-            <a:r>
-              <a:rPr lang="en-US" altLang="zh-TW" dirty="0"/>
-              <a:t>Python </a:t>
-            </a:r>
-            <a:r>
-              <a:rPr lang="zh-TW" altLang="en-US" dirty="0"/>
-              <a:t>程式語言</a:t>
-            </a:r>
-          </a:p>
-          <a:p>
-            <a:pPr>
-              <a:buFont typeface="+mj-lt"/>
-              <a:buAutoNum type="arabicPeriod"/>
-            </a:pPr>
-            <a:r>
-              <a:rPr lang="en-US" altLang="zh-TW" dirty="0"/>
-              <a:t>Raspberry Pi </a:t>
-            </a:r>
-            <a:r>
-              <a:rPr lang="zh-TW" altLang="en-US" dirty="0"/>
-              <a:t>的 </a:t>
-            </a:r>
-            <a:r>
-              <a:rPr lang="en-US" altLang="zh-TW" dirty="0"/>
-              <a:t>GPIO </a:t>
-            </a:r>
-            <a:r>
-              <a:rPr lang="zh-TW" altLang="en-US" dirty="0"/>
-              <a:t>庫</a:t>
-            </a:r>
-          </a:p>
-          <a:p>
-            <a:pPr>
-              <a:buFont typeface="+mj-lt"/>
-              <a:buAutoNum type="arabicPeriod"/>
-            </a:pPr>
-            <a:r>
-              <a:rPr lang="zh-TW" altLang="en-US" dirty="0"/>
-              <a:t>心率感測器的相關程式庫</a:t>
-            </a:r>
-          </a:p>
-          <a:p>
-            <a:r>
-              <a:rPr lang="zh-TW" altLang="en-US" dirty="0"/>
-              <a:t>以下是一個基本的架構：</a:t>
-            </a:r>
-          </a:p>
-          <a:p>
-            <a:pPr>
-              <a:buFont typeface="+mj-lt"/>
-              <a:buAutoNum type="arabicPeriod"/>
-            </a:pPr>
-            <a:r>
-              <a:rPr lang="zh-TW" altLang="en-US" dirty="0"/>
-              <a:t>初始設置：</a:t>
-            </a:r>
-          </a:p>
-          <a:p>
-            <a:pPr marL="742950" lvl="1" indent="-285750">
-              <a:buFont typeface="+mj-lt"/>
-              <a:buAutoNum type="arabicPeriod"/>
-            </a:pPr>
-            <a:r>
-              <a:rPr lang="zh-TW" altLang="en-US" dirty="0"/>
-              <a:t>將觸控感測器模組連接到樹莓派的 </a:t>
-            </a:r>
-            <a:r>
-              <a:rPr lang="en-US" altLang="zh-TW" dirty="0"/>
-              <a:t>GPIO </a:t>
-            </a:r>
-            <a:r>
-              <a:rPr lang="zh-TW" altLang="en-US" dirty="0"/>
-              <a:t>腳位。</a:t>
-            </a:r>
-          </a:p>
-          <a:p>
-            <a:pPr marL="742950" lvl="1" indent="-285750">
-              <a:buFont typeface="+mj-lt"/>
-              <a:buAutoNum type="arabicPeriod"/>
-            </a:pPr>
-            <a:r>
-              <a:rPr lang="zh-TW" altLang="en-US" dirty="0"/>
-              <a:t>將心率感測器模組連接到樹莓派的 </a:t>
-            </a:r>
-            <a:r>
-              <a:rPr lang="en-US" altLang="zh-TW" dirty="0"/>
-              <a:t>GPIO </a:t>
-            </a:r>
-            <a:r>
-              <a:rPr lang="zh-TW" altLang="en-US" dirty="0"/>
-              <a:t>腳位。</a:t>
-            </a:r>
-          </a:p>
-          <a:p>
-            <a:pPr marL="742950" lvl="1" indent="-285750">
-              <a:buFont typeface="+mj-lt"/>
-              <a:buAutoNum type="arabicPeriod"/>
-            </a:pPr>
-            <a:r>
-              <a:rPr lang="zh-TW" altLang="en-US" dirty="0"/>
-              <a:t>安裝相關的 </a:t>
-            </a:r>
-            <a:r>
-              <a:rPr lang="en-US" altLang="zh-TW" dirty="0"/>
-              <a:t>Python </a:t>
-            </a:r>
-            <a:r>
-              <a:rPr lang="zh-TW" altLang="en-US" dirty="0"/>
-              <a:t>程式庫。</a:t>
-            </a:r>
-          </a:p>
-          <a:p>
-            <a:pPr>
-              <a:buFont typeface="+mj-lt"/>
-              <a:buAutoNum type="arabicPeriod"/>
-            </a:pPr>
-            <a:r>
-              <a:rPr lang="zh-TW" altLang="en-US" dirty="0"/>
-              <a:t>遊戲開始：</a:t>
-            </a:r>
-          </a:p>
-          <a:p>
-            <a:pPr marL="742950" lvl="1" indent="-285750">
-              <a:buFont typeface="+mj-lt"/>
-              <a:buAutoNum type="arabicPeriod"/>
-            </a:pPr>
-            <a:r>
-              <a:rPr lang="zh-TW" altLang="en-US" dirty="0"/>
-              <a:t>啟動程式後，顯示遊戲開始畫面。</a:t>
-            </a:r>
-          </a:p>
-          <a:p>
-            <a:pPr marL="742950" lvl="1" indent="-285750">
-              <a:buFont typeface="+mj-lt"/>
-              <a:buAutoNum type="arabicPeriod"/>
-            </a:pPr>
-            <a:r>
-              <a:rPr lang="zh-TW" altLang="en-US" dirty="0"/>
-              <a:t>等待使用者觸摸觸控感測器以開始遊戲。</a:t>
-            </a:r>
-          </a:p>
-          <a:p>
-            <a:pPr>
-              <a:buFont typeface="+mj-lt"/>
-              <a:buAutoNum type="arabicPeriod"/>
-            </a:pPr>
-            <a:r>
-              <a:rPr lang="zh-TW" altLang="en-US" dirty="0"/>
-              <a:t>遊戲進行：</a:t>
-            </a:r>
-          </a:p>
-          <a:p>
-            <a:pPr marL="742950" lvl="1" indent="-285750">
-              <a:buFont typeface="+mj-lt"/>
-              <a:buAutoNum type="arabicPeriod"/>
-            </a:pPr>
-            <a:r>
-              <a:rPr lang="zh-TW" altLang="en-US" dirty="0"/>
-              <a:t>每個循環中，檢查觸控感測器是否被觸摸。如果是，則讓恐龍跳躍。</a:t>
-            </a:r>
-          </a:p>
-          <a:p>
-            <a:pPr marL="742950" lvl="1" indent="-285750">
-              <a:buFont typeface="+mj-lt"/>
-              <a:buAutoNum type="arabicPeriod"/>
-            </a:pPr>
-            <a:r>
-              <a:rPr lang="zh-TW" altLang="en-US" dirty="0"/>
-              <a:t>使用心率感測器讀取使用者的心率數據。心率越快，遊戲速度越快，難度越高。</a:t>
-            </a:r>
-          </a:p>
-          <a:p>
-            <a:pPr marL="742950" lvl="1" indent="-285750">
-              <a:buFont typeface="+mj-lt"/>
-              <a:buAutoNum type="arabicPeriod"/>
-            </a:pPr>
-            <a:r>
-              <a:rPr lang="zh-TW" altLang="en-US" dirty="0"/>
-              <a:t>更新遊戲畫面，包括恐龍位置和障礙物位置。</a:t>
-            </a:r>
-          </a:p>
-          <a:p>
-            <a:pPr marL="742950" lvl="1" indent="-285750">
-              <a:buFont typeface="+mj-lt"/>
-              <a:buAutoNum type="arabicPeriod"/>
-            </a:pPr>
-            <a:r>
-              <a:rPr lang="zh-TW" altLang="en-US" dirty="0"/>
-              <a:t>檢查是否發生碰撞。如果恐龍碰到障礙物，則遊戲結束。</a:t>
-            </a:r>
-          </a:p>
-          <a:p>
-            <a:pPr>
-              <a:buFont typeface="+mj-lt"/>
-              <a:buAutoNum type="arabicPeriod"/>
-            </a:pPr>
-            <a:r>
-              <a:rPr lang="zh-TW" altLang="en-US" dirty="0"/>
-              <a:t>遊戲結束：</a:t>
-            </a:r>
-          </a:p>
-          <a:p>
-            <a:pPr marL="742950" lvl="1" indent="-285750">
-              <a:buFont typeface="+mj-lt"/>
-              <a:buAutoNum type="arabicPeriod"/>
-            </a:pPr>
-            <a:r>
-              <a:rPr lang="zh-TW" altLang="en-US" dirty="0"/>
-              <a:t>顯示遊戲結束畫面，包括分數和選項重新開始遊戲。</a:t>
-            </a:r>
-          </a:p>
-          <a:p>
-            <a:pPr marL="742950" lvl="1" indent="-285750">
-              <a:buFont typeface="+mj-lt"/>
-              <a:buAutoNum type="arabicPeriod"/>
-            </a:pPr>
-            <a:r>
-              <a:rPr lang="zh-TW" altLang="en-US" dirty="0"/>
-              <a:t>等待使用者的指示，可以選擇重新開始遊戲或結束程式。</a:t>
-            </a:r>
-          </a:p>
-          <a:p>
-            <a:r>
-              <a:rPr lang="zh-TW" altLang="en-US" dirty="0"/>
-              <a:t>這只是一個基本的架構，你可以根據你的需求和創意進行擴展和修改。在實作時，可能需要處理一些挑戰，比如如何準確地從心率感測器獲取數據，以及如何使恐龍的跳躍反應更自然流暢。祝你好運！</a:t>
+              <a:t>遊戲結束</a:t>
             </a:r>
           </a:p>
         </p:txBody>
@@ -5969,7 +10593,140 @@
     </p:spTree>
     <p:extLst>
       <p:ext uri="{BB962C8B-B14F-4D97-AF65-F5344CB8AC3E}">
-        <p14:creationId xmlns:p14="http://schemas.microsoft.com/office/powerpoint/2010/main" val="1118489855"/>
+        <p14:creationId xmlns:p14="http://schemas.microsoft.com/office/powerpoint/2010/main" val="429849002"/>
+      </p:ext>
+    </p:extLst>
+  </p:cSld>
+  <p:clrMapOvr>
+    <a:masterClrMapping/>
+  </p:clrMapOvr>
+</p:sld>
+</file>
+
+<file path=ppt/slides/slide9.xml><?xml version="1.0" encoding="utf-8"?>
+<p:sld xmlns:a="http://schemas.openxmlformats.org/drawingml/2006/main" xmlns:r="http://schemas.openxmlformats.org/officeDocument/2006/relationships" xmlns:p="http://schemas.openxmlformats.org/presentationml/2006/main">
+  <p:cSld>
+    <p:spTree>
+      <p:nvGrpSpPr>
+        <p:cNvPr id="1" name=""/>
+        <p:cNvGrpSpPr/>
+        <p:nvPr/>
+      </p:nvGrpSpPr>
+      <p:grpSpPr>
+        <a:xfrm>
+          <a:off x="0" y="0"/>
+          <a:ext cx="0" cy="0"/>
+          <a:chOff x="0" y="0"/>
+          <a:chExt cx="0" cy="0"/>
+        </a:xfrm>
+      </p:grpSpPr>
+      <p:sp>
+        <p:nvSpPr>
+          <p:cNvPr id="2" name="標題 1"/>
+          <p:cNvSpPr>
+            <a:spLocks noGrp="1"/>
+          </p:cNvSpPr>
+          <p:nvPr>
+            <p:ph type="title"/>
+          </p:nvPr>
+        </p:nvSpPr>
+        <p:spPr/>
+        <p:txBody>
+          <a:bodyPr/>
+          <a:lstStyle/>
+          <a:p>
+            <a:r>
+              <a:rPr lang="zh-TW" altLang="en-US" dirty="0"/>
+              <a:t>初始設置</a:t>
+            </a:r>
+            <a:r>
+              <a:rPr lang="en-US" altLang="zh-TW" dirty="0"/>
+              <a:t/>
+            </a:r>
+            <a:br>
+              <a:rPr lang="en-US" altLang="zh-TW" dirty="0"/>
+            </a:br>
+            <a:endParaRPr lang="zh-TW" altLang="en-US" dirty="0"/>
+          </a:p>
+        </p:txBody>
+      </p:sp>
+      <p:sp>
+        <p:nvSpPr>
+          <p:cNvPr id="3" name="內容版面配置區 2"/>
+          <p:cNvSpPr>
+            <a:spLocks noGrp="1"/>
+          </p:cNvSpPr>
+          <p:nvPr>
+            <p:ph idx="1"/>
+          </p:nvPr>
+        </p:nvSpPr>
+        <p:spPr/>
+        <p:txBody>
+          <a:bodyPr/>
+          <a:lstStyle/>
+          <a:p>
+            <a:pPr marL="742950" lvl="1" indent="-285750">
+              <a:buFont typeface="+mj-lt"/>
+              <a:buAutoNum type="arabicPeriod"/>
+            </a:pPr>
+            <a:r>
+              <a:rPr lang="zh-TW" altLang="en-US" dirty="0"/>
+              <a:t>將觸控感測器模組連接到樹莓派的 </a:t>
+            </a:r>
+            <a:r>
+              <a:rPr lang="en-US" altLang="zh-TW" dirty="0"/>
+              <a:t>GPIO </a:t>
+            </a:r>
+            <a:r>
+              <a:rPr lang="zh-TW" altLang="en-US" dirty="0"/>
+              <a:t>腳位。</a:t>
+            </a:r>
+          </a:p>
+          <a:p>
+            <a:pPr marL="742950" lvl="1" indent="-285750">
+              <a:buFont typeface="+mj-lt"/>
+              <a:buAutoNum type="arabicPeriod"/>
+            </a:pPr>
+            <a:r>
+              <a:rPr lang="zh-TW" altLang="en-US" dirty="0"/>
+              <a:t>將心率感測器模組連接到樹莓派的 </a:t>
+            </a:r>
+            <a:r>
+              <a:rPr lang="en-US" altLang="zh-TW" dirty="0"/>
+              <a:t>GPIO </a:t>
+            </a:r>
+            <a:r>
+              <a:rPr lang="zh-TW" altLang="en-US" dirty="0"/>
+              <a:t>腳位。</a:t>
+            </a:r>
+          </a:p>
+          <a:p>
+            <a:pPr marL="742950" lvl="1" indent="-285750">
+              <a:buFont typeface="+mj-lt"/>
+              <a:buAutoNum type="arabicPeriod"/>
+            </a:pPr>
+            <a:r>
+              <a:rPr lang="zh-TW" altLang="en-US" dirty="0"/>
+              <a:t>安裝相關的 </a:t>
+            </a:r>
+            <a:r>
+              <a:rPr lang="en-US" altLang="zh-TW" dirty="0"/>
+              <a:t>Python </a:t>
+            </a:r>
+            <a:r>
+              <a:rPr lang="zh-TW" altLang="en-US" dirty="0"/>
+              <a:t>程式庫。</a:t>
+            </a:r>
+          </a:p>
+          <a:p>
+            <a:endParaRPr lang="zh-TW" altLang="en-US" dirty="0"/>
+          </a:p>
+        </p:txBody>
+      </p:sp>
+    </p:spTree>
+    <p:extLst>
+      <p:ext uri="{BB962C8B-B14F-4D97-AF65-F5344CB8AC3E}">
+        <p14:creationId xmlns:p14="http://schemas.microsoft.com/office/powerpoint/2010/main" val="300754118"/>
       </p:ext>
     </p:extLst>
   </p:cSld>
